--- a/XXL-JOB技术分享.pptx
+++ b/XXL-JOB技术分享.pptx
@@ -23,18 +23,21 @@
     <p:sldId id="276" r:id="rId16"/>
     <p:sldId id="277" r:id="rId17"/>
     <p:sldId id="322" r:id="rId18"/>
-    <p:sldId id="278" r:id="rId19"/>
-    <p:sldId id="334" r:id="rId20"/>
-    <p:sldId id="287" r:id="rId21"/>
-    <p:sldId id="335" r:id="rId22"/>
-    <p:sldId id="336" r:id="rId23"/>
-    <p:sldId id="288" r:id="rId24"/>
-    <p:sldId id="290" r:id="rId25"/>
-    <p:sldId id="294" r:id="rId26"/>
-    <p:sldId id="295" r:id="rId27"/>
-    <p:sldId id="291" r:id="rId28"/>
-    <p:sldId id="292" r:id="rId29"/>
-    <p:sldId id="293" r:id="rId30"/>
+    <p:sldId id="363" r:id="rId19"/>
+    <p:sldId id="278" r:id="rId20"/>
+    <p:sldId id="334" r:id="rId21"/>
+    <p:sldId id="287" r:id="rId22"/>
+    <p:sldId id="335" r:id="rId23"/>
+    <p:sldId id="364" r:id="rId24"/>
+    <p:sldId id="365" r:id="rId25"/>
+    <p:sldId id="336" r:id="rId26"/>
+    <p:sldId id="288" r:id="rId27"/>
+    <p:sldId id="290" r:id="rId28"/>
+    <p:sldId id="294" r:id="rId29"/>
+    <p:sldId id="291" r:id="rId30"/>
+    <p:sldId id="295" r:id="rId31"/>
+    <p:sldId id="292" r:id="rId32"/>
+    <p:sldId id="293" r:id="rId33"/>
   </p:sldIdLst>
   <p:sldSz cx="12192000" cy="6858000"/>
   <p:notesSz cx="6858000" cy="9144000"/>
@@ -5745,13 +5748,7 @@
               <a:rPr lang="zh-CN" altLang="en-US">
                 <a:sym typeface="+mn-ea"/>
               </a:rPr>
-              <a:t>启动初始化</a:t>
-            </a:r>
-            <a:r>
-              <a:rPr lang="zh-CN" altLang="en-US">
-                <a:sym typeface="+mn-ea"/>
-              </a:rPr>
-              <a:t>源码解析</a:t>
+              <a:t>启动初始化源码解析</a:t>
             </a:r>
             <a:endParaRPr lang="zh-CN" altLang="en-US"/>
           </a:p>
@@ -5766,7 +5763,7 @@
         <p:spPr>
           <a:xfrm>
             <a:off x="1250315" y="1691005"/>
-            <a:ext cx="9951085" cy="2491740"/>
+            <a:ext cx="9951085" cy="4154170"/>
           </a:xfrm>
           <a:prstGeom prst="rect">
             <a:avLst/>
@@ -5779,435 +5776,87 @@
           </a:bodyPr>
           <a:p>
             <a:r>
-              <a:rPr lang="en-US" altLang="zh-CN" sz="1200"/>
-              <a:t>1</a:t>
-            </a:r>
-            <a:r>
-              <a:rPr lang="zh-CN" altLang="en-US" sz="1200"/>
-              <a:t>、XxlJobDynamicSchedulerConfig的注入，基于</a:t>
-            </a:r>
-            <a:r>
-              <a:rPr lang="en-US" altLang="zh-CN" sz="1200"/>
-              <a:t>quartz</a:t>
-            </a:r>
-            <a:r>
-              <a:rPr lang="zh-CN" altLang="en-US" sz="1200"/>
-              <a:t>的schedulerFactory产生Scheduler传入xxlJobDynamicScheduler的初始化，启动</a:t>
-            </a:r>
-            <a:r>
-              <a:rPr lang="en-US" altLang="zh-CN" sz="1200"/>
-              <a:t>start</a:t>
-            </a:r>
-            <a:r>
-              <a:rPr lang="zh-CN" altLang="en-US" sz="1200"/>
-              <a:t>方法。</a:t>
-            </a:r>
-            <a:endParaRPr lang="zh-CN" altLang="en-US" sz="1200"/>
-          </a:p>
-          <a:p>
-            <a:r>
-              <a:rPr lang="en-US" altLang="zh-CN" sz="1200"/>
-              <a:t>2</a:t>
-            </a:r>
-            <a:r>
-              <a:rPr lang="zh-CN" altLang="en-US" sz="1200"/>
-              <a:t>、</a:t>
-            </a:r>
-            <a:r>
-              <a:rPr lang="en-US" altLang="zh-CN" sz="1200"/>
-              <a:t>start</a:t>
-            </a:r>
-            <a:r>
-              <a:rPr lang="zh-CN" altLang="en-US" sz="1200"/>
-              <a:t>里面，校验，阻塞策略的汉化，</a:t>
-            </a:r>
-            <a:endParaRPr lang="zh-CN" altLang="en-US" sz="1200"/>
-          </a:p>
-          <a:p>
-            <a:r>
-              <a:rPr lang="en-US" altLang="zh-CN" sz="1200"/>
-              <a:t>3</a:t>
-            </a:r>
-            <a:r>
-              <a:rPr lang="zh-CN" altLang="en-US" sz="1200"/>
-              <a:t>、JobRegistryMonitorHelper</a:t>
-            </a:r>
-            <a:r>
-              <a:rPr lang="en-US" altLang="zh-CN" sz="1200"/>
-              <a:t>.start()</a:t>
-            </a:r>
-            <a:r>
-              <a:rPr lang="zh-CN" altLang="en-US" sz="1200"/>
-              <a:t>。setDaemon(true)守护线程。内部是无限循环</a:t>
-            </a:r>
-            <a:r>
-              <a:rPr lang="en-US" altLang="zh-CN" sz="1200"/>
-              <a:t>(</a:t>
-            </a:r>
-            <a:r>
-              <a:rPr lang="zh-CN" altLang="en-US" sz="1200"/>
-              <a:t>异常则退出</a:t>
-            </a:r>
-            <a:r>
-              <a:rPr lang="en-US" altLang="zh-CN" sz="1200"/>
-              <a:t>)</a:t>
-            </a:r>
-            <a:r>
-              <a:rPr lang="zh-CN" altLang="en-US" sz="1200"/>
-              <a:t>，</a:t>
-            </a:r>
-            <a:r>
-              <a:rPr lang="en-US" altLang="zh-CN" sz="1200"/>
-              <a:t>sleep</a:t>
-            </a:r>
-            <a:r>
-              <a:rPr lang="zh-CN" altLang="en-US" sz="1200"/>
-              <a:t>的形式</a:t>
-            </a:r>
-            <a:r>
-              <a:rPr lang="en-US" altLang="zh-CN" sz="1200"/>
-              <a:t>30s</a:t>
-            </a:r>
-            <a:r>
-              <a:rPr lang="zh-CN" altLang="en-US" sz="1200"/>
-              <a:t>跑一次。具体就是移除超过了</a:t>
-            </a:r>
-            <a:r>
-              <a:rPr lang="en-US" altLang="zh-CN" sz="1200"/>
-              <a:t>90s</a:t>
-            </a:r>
-            <a:r>
-              <a:rPr lang="zh-CN" altLang="en-US" sz="1200"/>
-              <a:t>的</a:t>
-            </a:r>
-            <a:r>
-              <a:rPr lang="zh-CN" altLang="en-US" sz="1200">
-                <a:solidFill>
-                  <a:srgbClr val="FF0000"/>
-                </a:solidFill>
-              </a:rPr>
-              <a:t>自动</a:t>
-            </a:r>
-            <a:r>
-              <a:rPr lang="zh-CN" altLang="en-US" sz="1200"/>
-              <a:t>注册执行器。取出</a:t>
-            </a:r>
-            <a:r>
-              <a:rPr lang="en-US" altLang="zh-CN" sz="1200"/>
-              <a:t>90s</a:t>
-            </a:r>
-            <a:r>
-              <a:rPr lang="zh-CN" altLang="en-US" sz="1200"/>
-              <a:t>以内存活的，并且将地址刷新到组。也就是将xxl_job_qrtz_trigger_registry表的注册地址刷新到xxl_job_qrtz_trigger_group表的地址列表中。</a:t>
-            </a:r>
-            <a:r>
-              <a:rPr lang="zh-CN" altLang="en-US" sz="1200" b="1"/>
-              <a:t>（</a:t>
-            </a:r>
-            <a:r>
-              <a:rPr lang="zh-CN" altLang="en-US" sz="1000" b="1">
-                <a:sym typeface="+mn-ea"/>
-              </a:rPr>
-              <a:t>自动注册地址的自动刷新功能</a:t>
-            </a:r>
-            <a:r>
-              <a:rPr lang="zh-CN" altLang="en-US" sz="1200" b="1"/>
-              <a:t>）</a:t>
-            </a:r>
-            <a:endParaRPr lang="zh-CN" altLang="en-US" sz="1200"/>
-          </a:p>
-          <a:p>
-            <a:r>
-              <a:rPr lang="en-US" altLang="zh-CN" sz="1200"/>
-              <a:t>4</a:t>
-            </a:r>
-            <a:r>
-              <a:rPr lang="zh-CN" altLang="en-US" sz="1200"/>
-              <a:t>、JobFailMonitorHelper</a:t>
-            </a:r>
-            <a:r>
-              <a:rPr lang="en-US" altLang="zh-CN" sz="1200"/>
-              <a:t>.start()</a:t>
-            </a:r>
-            <a:r>
-              <a:rPr lang="zh-CN" altLang="en-US" sz="1200"/>
-              <a:t>。同上一样，每睡眠</a:t>
-            </a:r>
-            <a:r>
-              <a:rPr lang="en-US" altLang="zh-CN" sz="1200"/>
-              <a:t>10s</a:t>
-            </a:r>
-            <a:r>
-              <a:rPr lang="zh-CN" altLang="en-US" sz="1200"/>
-              <a:t>触发一次。具体就是将失败的执行操作取出来，重新执行，通过XXL_JOB_QRTZ_TRIGGER_LOG表的日志进行记录和加锁。同时根据预警状态，发送预警通知等。</a:t>
-            </a:r>
-            <a:r>
-              <a:rPr lang="zh-CN" altLang="en-US" sz="1200" b="1">
-                <a:sym typeface="+mn-ea"/>
-              </a:rPr>
-              <a:t>（</a:t>
-            </a:r>
-            <a:r>
-              <a:rPr lang="zh-CN" altLang="en-US" sz="1000" b="1">
-                <a:sym typeface="+mn-ea"/>
-              </a:rPr>
-              <a:t>失败重新执行等功能</a:t>
-            </a:r>
-            <a:r>
-              <a:rPr lang="zh-CN" altLang="en-US" sz="1200" b="1">
-                <a:sym typeface="+mn-ea"/>
-              </a:rPr>
-              <a:t>）</a:t>
-            </a:r>
-            <a:endParaRPr lang="zh-CN" altLang="en-US" sz="1200"/>
-          </a:p>
-          <a:p>
-            <a:r>
-              <a:rPr lang="en-US" altLang="zh-CN" sz="1200"/>
-              <a:t>5</a:t>
-            </a:r>
-            <a:r>
-              <a:rPr lang="zh-CN" altLang="en-US" sz="1200"/>
-              <a:t>、初始化</a:t>
-            </a:r>
-            <a:r>
-              <a:rPr lang="en-US" altLang="zh-CN" sz="1200"/>
-              <a:t>rpc</a:t>
-            </a:r>
-            <a:r>
-              <a:rPr lang="zh-CN" altLang="en-US" sz="1200"/>
-              <a:t>服务提供者initRpcProvider。实例化ServletServerHandler。具体是：启动初始化XxlJobAdminConfig，将</a:t>
-            </a:r>
-            <a:r>
-              <a:rPr lang="en-US" altLang="zh-CN" sz="1200"/>
-              <a:t>service</a:t>
-            </a:r>
-            <a:r>
-              <a:rPr lang="zh-CN" altLang="en-US" sz="1200"/>
-              <a:t>和</a:t>
-            </a:r>
-            <a:r>
-              <a:rPr lang="en-US" altLang="zh-CN" sz="1200"/>
-              <a:t>mapper</a:t>
-            </a:r>
-            <a:r>
-              <a:rPr lang="zh-CN" altLang="en-US" sz="1200"/>
-              <a:t>以及一些动态配置注入到</a:t>
-            </a:r>
-            <a:r>
-              <a:rPr lang="zh-CN" altLang="en-US" sz="1200">
-                <a:sym typeface="+mn-ea"/>
-              </a:rPr>
-              <a:t>XxlJobAdminConfig的属性，然后将这些值赋予到xxlRpcProviderFactory实例，并且将</a:t>
-            </a:r>
-            <a:r>
-              <a:rPr lang="zh-CN" altLang="en-US" sz="1200">
-                <a:sym typeface="+mn-ea"/>
-              </a:rPr>
-              <a:t>XxlJobAdminConfig的</a:t>
-            </a:r>
-            <a:r>
-              <a:rPr lang="zh-CN" altLang="en-US" sz="1200">
-                <a:sym typeface="+mn-ea"/>
-              </a:rPr>
-              <a:t>AdminBiz属性类路径和实现类AdminBizImpl对象当做</a:t>
-            </a:r>
-            <a:r>
-              <a:rPr lang="en-US" altLang="zh-CN" sz="1200">
-                <a:sym typeface="+mn-ea"/>
-              </a:rPr>
-              <a:t>key</a:t>
-            </a:r>
-            <a:r>
-              <a:rPr lang="zh-CN" altLang="en-US" sz="1200">
-                <a:sym typeface="+mn-ea"/>
-              </a:rPr>
-              <a:t>和</a:t>
-            </a:r>
-            <a:r>
-              <a:rPr lang="en-US" altLang="zh-CN" sz="1200">
-                <a:sym typeface="+mn-ea"/>
-              </a:rPr>
-              <a:t>value</a:t>
-            </a:r>
-            <a:r>
-              <a:rPr lang="zh-CN" altLang="en-US" sz="1200">
-                <a:sym typeface="+mn-ea"/>
-              </a:rPr>
-              <a:t>存储在</a:t>
-            </a:r>
-            <a:r>
-              <a:rPr lang="zh-CN" altLang="en-US" sz="1200">
-                <a:sym typeface="+mn-ea"/>
-              </a:rPr>
-              <a:t>xxlRpcProviderFactory的</a:t>
-            </a:r>
-            <a:r>
-              <a:rPr lang="en-US" altLang="zh-CN" sz="1200">
-                <a:sym typeface="+mn-ea"/>
-              </a:rPr>
-              <a:t>map</a:t>
-            </a:r>
-            <a:r>
-              <a:rPr lang="zh-CN" altLang="en-US" sz="1200">
-                <a:sym typeface="+mn-ea"/>
-              </a:rPr>
-              <a:t>中。再将xxlRpcProviderFactory入参初始化</a:t>
-            </a:r>
-            <a:r>
-              <a:rPr lang="zh-CN" altLang="en-US" sz="1200">
-                <a:sym typeface="+mn-ea"/>
-              </a:rPr>
-              <a:t>ServletServerHandler对象。</a:t>
-            </a:r>
-            <a:endParaRPr lang="zh-CN" altLang="en-US" sz="1200"/>
-          </a:p>
-          <a:p>
-            <a:r>
-              <a:rPr lang="en-US" altLang="zh-CN" sz="1200"/>
-              <a:t>6</a:t>
-            </a:r>
-            <a:r>
-              <a:rPr lang="zh-CN" altLang="en-US" sz="1200"/>
-              <a:t>、所以后台的</a:t>
-            </a:r>
-            <a:r>
-              <a:rPr lang="zh-CN" altLang="en-US" sz="1200">
-                <a:solidFill>
-                  <a:srgbClr val="FF0000"/>
-                </a:solidFill>
-              </a:rPr>
-              <a:t>启动</a:t>
-            </a:r>
-            <a:r>
-              <a:rPr lang="zh-CN" altLang="en-US" sz="1200"/>
-              <a:t>服务操作，就是XxlJobDynamicScheduler.addJob(name, cronExpression)也就是第一步中的</a:t>
-            </a:r>
-            <a:r>
-              <a:rPr lang="zh-CN" altLang="en-US" sz="1200">
-                <a:sym typeface="+mn-ea"/>
-              </a:rPr>
-              <a:t>Scheduler的scheduleJob</a:t>
-            </a:r>
-            <a:r>
-              <a:rPr lang="en-US" altLang="zh-CN" sz="1200">
-                <a:sym typeface="+mn-ea"/>
-              </a:rPr>
-              <a:t>()</a:t>
-            </a:r>
-            <a:r>
-              <a:rPr lang="zh-CN" altLang="en-US" sz="1200">
-                <a:sym typeface="+mn-ea"/>
-              </a:rPr>
-              <a:t>操作。而真正的执行操作是RemoteHttpJobBean类重写了父类</a:t>
-            </a:r>
-            <a:r>
-              <a:rPr lang="en-US" altLang="zh-CN" sz="1200">
-                <a:sym typeface="+mn-ea"/>
-              </a:rPr>
-              <a:t>quartz</a:t>
-            </a:r>
-            <a:r>
-              <a:rPr lang="zh-CN" altLang="en-US" sz="1200">
-                <a:sym typeface="+mn-ea"/>
-              </a:rPr>
-              <a:t>的QuartzJobBean的executeInternal。真正的执行实际在JobTriggerPoolHelper.trigger(</a:t>
-            </a:r>
-            <a:r>
-              <a:rPr lang="en-US" altLang="zh-CN" sz="1200">
-                <a:sym typeface="+mn-ea"/>
-              </a:rPr>
-              <a:t>)</a:t>
-            </a:r>
-            <a:r>
-              <a:rPr lang="zh-CN" altLang="en-US" sz="1200">
-                <a:sym typeface="+mn-ea"/>
-              </a:rPr>
-              <a:t>方法。</a:t>
-            </a:r>
-            <a:endParaRPr lang="zh-CN" altLang="en-US" sz="1200">
-              <a:sym typeface="+mn-ea"/>
-            </a:endParaRPr>
-          </a:p>
-          <a:p>
-            <a:r>
-              <a:rPr lang="en-US" altLang="zh-CN" sz="1200">
-                <a:sym typeface="+mn-ea"/>
-              </a:rPr>
-              <a:t>7</a:t>
-            </a:r>
-            <a:r>
-              <a:rPr lang="zh-CN" altLang="en-US" sz="1200">
-                <a:sym typeface="+mn-ea"/>
-              </a:rPr>
-              <a:t>、可以看到后台的执行操作实际就是调用的JobTriggerPoolHelper.trigger(</a:t>
-            </a:r>
-            <a:r>
-              <a:rPr lang="en-US" altLang="zh-CN" sz="1200">
-                <a:sym typeface="+mn-ea"/>
-              </a:rPr>
-              <a:t>)</a:t>
-            </a:r>
-            <a:r>
-              <a:rPr lang="zh-CN" altLang="en-US" sz="1200">
-                <a:sym typeface="+mn-ea"/>
-              </a:rPr>
-              <a:t>方法。</a:t>
-            </a:r>
-            <a:endParaRPr lang="zh-CN" altLang="en-US" sz="1200">
-              <a:sym typeface="+mn-ea"/>
-            </a:endParaRPr>
-          </a:p>
-        </p:txBody>
-      </p:sp>
-      <p:pic>
-        <p:nvPicPr>
-          <p:cNvPr id="4" name="图片 3"/>
-          <p:cNvPicPr>
-            <a:picLocks noChangeAspect="1"/>
-          </p:cNvPicPr>
-          <p:nvPr/>
-        </p:nvPicPr>
-        <p:blipFill>
-          <a:blip r:embed="rId1"/>
-          <a:stretch>
-            <a:fillRect/>
-          </a:stretch>
-        </p:blipFill>
-        <p:spPr>
-          <a:xfrm>
-            <a:off x="2186305" y="4559300"/>
-            <a:ext cx="3475355" cy="975360"/>
-          </a:xfrm>
-          <a:prstGeom prst="rect">
-            <a:avLst/>
-          </a:prstGeom>
-        </p:spPr>
-      </p:pic>
-      <p:pic>
-        <p:nvPicPr>
-          <p:cNvPr id="5" name="图片 4"/>
-          <p:cNvPicPr>
-            <a:picLocks noChangeAspect="1"/>
-          </p:cNvPicPr>
-          <p:nvPr/>
-        </p:nvPicPr>
-        <p:blipFill>
-          <a:blip r:embed="rId2"/>
-          <a:stretch>
-            <a:fillRect/>
-          </a:stretch>
-        </p:blipFill>
-        <p:spPr>
-          <a:xfrm>
-            <a:off x="7424420" y="4366895"/>
-            <a:ext cx="3661410" cy="2315210"/>
-          </a:xfrm>
-          <a:prstGeom prst="rect">
-            <a:avLst/>
-          </a:prstGeom>
-        </p:spPr>
-      </p:pic>
+              <a:rPr sz="1200"/>
+              <a:t>1、启动构造XxlJobDynamicSchedulerConfig配置文件属性的注入，基于quartz的schedulerFactory产生Scheduler传入xxlJobDynamicScheduler的初始化，启动start方法。</a:t>
+            </a:r>
+            <a:endParaRPr sz="1200"/>
+          </a:p>
+          <a:p>
+            <a:endParaRPr sz="1200"/>
+          </a:p>
+          <a:p>
+            <a:r>
+              <a:rPr sz="1200"/>
+              <a:t>2、start里面，scheduler成功与否校验，阻塞策略的文字国际化。</a:t>
+            </a:r>
+            <a:endParaRPr sz="1200"/>
+          </a:p>
+          <a:p>
+            <a:endParaRPr sz="1200"/>
+          </a:p>
+          <a:p>
+            <a:r>
+              <a:rPr sz="1200"/>
+              <a:t>3、JobRegistryMonitorHelper.start()。setDaemon(true)守护线程。内部是无限循环(异常则退出)，sleep的形式30s跑一次。具体就是移除超过了90s的自动注册执行器。取出90s以内存活的，并且将地址刷新到组。也就是将xxl_job_qrtz_trigger_registry表的注册地址刷新到xxl_job_qrtz_trigger_group表的地址列表中。（自动注册地址的自动刷新功能）</a:t>
+            </a:r>
+            <a:endParaRPr sz="1200"/>
+          </a:p>
+          <a:p>
+            <a:endParaRPr sz="1200"/>
+          </a:p>
+          <a:p>
+            <a:r>
+              <a:rPr sz="1200"/>
+              <a:t>4、JobFailMonitorHelper.start()。同上一样，每睡眠10s触发一次。具体就是将失败的执行操作取出来，重新执行，通过XXL_JOB_QRTZ_TRIGGER_LOG表的日志进行记录和加锁。同时根据预警状态，发送预警通知等。（失败重新执行等功能）。</a:t>
+            </a:r>
+            <a:endParaRPr sz="1200"/>
+          </a:p>
+          <a:p>
+            <a:endParaRPr sz="1200"/>
+          </a:p>
+          <a:p>
+            <a:r>
+              <a:rPr sz="1200"/>
+              <a:t>5、</a:t>
+            </a:r>
+            <a:r>
+              <a:rPr sz="1200" b="1"/>
+              <a:t>初始化rpc服务提供者initRpcProvider。实例化ServletServerHandler。</a:t>
+            </a:r>
+            <a:endParaRPr sz="1200"/>
+          </a:p>
+          <a:p>
+            <a:endParaRPr sz="1200"/>
+          </a:p>
+          <a:p>
+            <a:r>
+              <a:rPr sz="1200"/>
+              <a:t>①启动构造XxlJobAdminConfig，将service和mapper以及一些配置文件属性注入到XxlJobAdminConfig中。</a:t>
+            </a:r>
+            <a:endParaRPr sz="1200"/>
+          </a:p>
+          <a:p>
+            <a:endParaRPr sz="1200"/>
+          </a:p>
+          <a:p>
+            <a:r>
+              <a:rPr sz="1200"/>
+              <a:t>②实例化xxlRpcProviderFactory（NETTY_HTTP通信方式，HESSIAN序列化方式，IpUtil.getIp()，默认7080端口,这里有一个端口可用校验，所有admin的7080端口不能被占用，但是实际上执行器调用这个provider的时候用的是系统配置的端口/api服务。），并且将XxlJobAdminConfig的AdminBiz属性类路径和实现类AdminBizImpl对象当做key和value存储在xxlRpcProviderFactory的名为HashMap&lt;String, Object&gt;类型的serviceData的map中。</a:t>
+            </a:r>
+            <a:endParaRPr sz="1200"/>
+          </a:p>
+          <a:p>
+            <a:endParaRPr sz="1200"/>
+          </a:p>
+          <a:p>
+            <a:r>
+              <a:rPr sz="1200"/>
+              <a:t>③将xxlRpcProviderFactory入参构造ServletServerHandler对象。暴露api接口，api就是反序列化HttpServletRequest，去除里面的方法，参数，类路径，通过xxlRpcProviderFactory.invokeService实际从serviceData中取出对应的serviceBean通过反射执行api传过来的参数对应的方法。找不到则抛异常。</a:t>
+            </a:r>
+            <a:endParaRPr sz="1200"/>
+          </a:p>
+        </p:txBody>
+      </p:sp>
     </p:spTree>
   </p:cSld>
   <p:clrMapOvr>
@@ -6217,6 +5866,337 @@
 </file>
 
 <file path=ppt/slides/slide16.xml><?xml version="1.0" encoding="utf-8"?>
+<p:sld xmlns:a="http://schemas.openxmlformats.org/drawingml/2006/main" xmlns:r="http://schemas.openxmlformats.org/officeDocument/2006/relationships" xmlns:p="http://schemas.openxmlformats.org/presentationml/2006/main">
+  <p:cSld>
+    <p:spTree>
+      <p:nvGrpSpPr>
+        <p:cNvPr id="1" name=""/>
+        <p:cNvGrpSpPr/>
+        <p:nvPr/>
+      </p:nvGrpSpPr>
+      <p:grpSpPr/>
+      <p:sp>
+        <p:nvSpPr>
+          <p:cNvPr id="2" name="标题 1"/>
+          <p:cNvSpPr>
+            <a:spLocks noGrp="1"/>
+          </p:cNvSpPr>
+          <p:nvPr>
+            <p:ph type="title"/>
+          </p:nvPr>
+        </p:nvSpPr>
+        <p:spPr/>
+        <p:txBody>
+          <a:bodyPr/>
+          <a:p>
+            <a:pPr algn="ctr"/>
+            <a:r>
+              <a:rPr lang="en-US" altLang="zh-CN"/>
+              <a:t>2</a:t>
+            </a:r>
+            <a:r>
+              <a:rPr lang="zh-CN" altLang="en-US"/>
+              <a:t>、定时功能的实现</a:t>
+            </a:r>
+            <a:endParaRPr lang="zh-CN" altLang="en-US"/>
+          </a:p>
+        </p:txBody>
+      </p:sp>
+      <p:sp>
+        <p:nvSpPr>
+          <p:cNvPr id="3" name="文本框 2"/>
+          <p:cNvSpPr txBox="1"/>
+          <p:nvPr/>
+        </p:nvSpPr>
+        <p:spPr>
+          <a:xfrm>
+            <a:off x="1207770" y="1760220"/>
+            <a:ext cx="9225280" cy="2676525"/>
+          </a:xfrm>
+          <a:prstGeom prst="rect">
+            <a:avLst/>
+          </a:prstGeom>
+          <a:noFill/>
+        </p:spPr>
+        <p:txBody>
+          <a:bodyPr wrap="square" rtlCol="0" anchor="t">
+            <a:spAutoFit/>
+          </a:bodyPr>
+          <a:p>
+            <a:r>
+              <a:rPr lang="en-US" altLang="zh-CN" sz="1200">
+                <a:sym typeface="+mn-ea"/>
+              </a:rPr>
+              <a:t>1</a:t>
+            </a:r>
+            <a:r>
+              <a:rPr lang="zh-CN" altLang="en-US" sz="1200">
+                <a:sym typeface="+mn-ea"/>
+              </a:rPr>
+              <a:t>、主要是通过实例化SchedulerFactoryBean（应用启动后延迟</a:t>
+            </a:r>
+            <a:r>
+              <a:rPr lang="en-US" altLang="zh-CN" sz="1200">
+                <a:sym typeface="+mn-ea"/>
+              </a:rPr>
+              <a:t>20s</a:t>
+            </a:r>
+            <a:r>
+              <a:rPr lang="zh-CN" altLang="en-US" sz="1200">
+                <a:sym typeface="+mn-ea"/>
+              </a:rPr>
+              <a:t>自动启动定时）工厂加载quartz.properties配置进去产生scheduler，而我们的</a:t>
+            </a:r>
+            <a:r>
+              <a:rPr lang="en-US" altLang="zh-CN" sz="1200">
+                <a:sym typeface="+mn-ea"/>
+              </a:rPr>
+              <a:t>job</a:t>
+            </a:r>
+            <a:r>
+              <a:rPr lang="zh-CN" altLang="en-US" sz="1200">
+                <a:sym typeface="+mn-ea"/>
+              </a:rPr>
+              <a:t>就是在scheduler中执行的，</a:t>
+            </a:r>
+            <a:r>
+              <a:rPr lang="en-US" altLang="zh-CN" sz="1200">
+                <a:sym typeface="+mn-ea"/>
+              </a:rPr>
+              <a:t>xxl</a:t>
+            </a:r>
+            <a:r>
+              <a:rPr lang="zh-CN" altLang="en-US" sz="1200">
+                <a:sym typeface="+mn-ea"/>
+              </a:rPr>
+              <a:t>其实就是在这里面包了一层，封装了xxlJobDynamicScheduler，初始化出了scheduler实例作为其属性。</a:t>
+            </a:r>
+            <a:endParaRPr lang="zh-CN" altLang="en-US" sz="1200">
+              <a:sym typeface="+mn-ea"/>
+            </a:endParaRPr>
+          </a:p>
+          <a:p>
+            <a:endParaRPr lang="en-US" altLang="zh-CN" sz="1200">
+              <a:sym typeface="+mn-ea"/>
+            </a:endParaRPr>
+          </a:p>
+          <a:p>
+            <a:r>
+              <a:rPr lang="en-US" altLang="zh-CN" sz="1200">
+                <a:sym typeface="+mn-ea"/>
+              </a:rPr>
+              <a:t>2</a:t>
+            </a:r>
+            <a:r>
+              <a:rPr lang="zh-CN" altLang="en-US" sz="1200">
+                <a:sym typeface="+mn-ea"/>
+              </a:rPr>
+              <a:t>、后台的</a:t>
+            </a:r>
+            <a:r>
+              <a:rPr lang="zh-CN" altLang="en-US" sz="1200">
+                <a:solidFill>
+                  <a:srgbClr val="FF0000"/>
+                </a:solidFill>
+                <a:sym typeface="+mn-ea"/>
+              </a:rPr>
+              <a:t>启动</a:t>
+            </a:r>
+            <a:r>
+              <a:rPr lang="zh-CN" altLang="en-US" sz="1200">
+                <a:sym typeface="+mn-ea"/>
+              </a:rPr>
+              <a:t>服务操作，就是XxlJobDynamicScheduler.addJob(name, cronExpression)也就是第一步中的Scheduler的scheduleJob</a:t>
+            </a:r>
+            <a:r>
+              <a:rPr lang="en-US" altLang="zh-CN" sz="1200">
+                <a:sym typeface="+mn-ea"/>
+              </a:rPr>
+              <a:t>()</a:t>
+            </a:r>
+            <a:r>
+              <a:rPr lang="zh-CN" altLang="en-US" sz="1200">
+                <a:sym typeface="+mn-ea"/>
+              </a:rPr>
+              <a:t>操作。这个放进去的操作，系统的</a:t>
+            </a:r>
+            <a:r>
+              <a:rPr lang="en-US" altLang="zh-CN" sz="1200">
+                <a:sym typeface="+mn-ea"/>
+              </a:rPr>
+              <a:t>jobId</a:t>
+            </a:r>
+            <a:r>
+              <a:rPr lang="zh-CN" altLang="en-US" sz="1200">
+                <a:sym typeface="+mn-ea"/>
+              </a:rPr>
+              <a:t>对应</a:t>
+            </a:r>
+            <a:r>
+              <a:rPr lang="en-US" altLang="zh-CN" sz="1200">
+                <a:sym typeface="+mn-ea"/>
+              </a:rPr>
+              <a:t>quartz</a:t>
+            </a:r>
+            <a:r>
+              <a:rPr lang="zh-CN" altLang="en-US" sz="1200">
+                <a:sym typeface="+mn-ea"/>
+              </a:rPr>
+              <a:t>的</a:t>
+            </a:r>
+            <a:r>
+              <a:rPr lang="en-US" altLang="zh-CN" sz="1200">
+                <a:sym typeface="+mn-ea"/>
+              </a:rPr>
+              <a:t>JobKey</a:t>
+            </a:r>
+            <a:r>
+              <a:rPr lang="zh-CN" altLang="en-US" sz="1200">
+                <a:sym typeface="+mn-ea"/>
+              </a:rPr>
+              <a:t>的</a:t>
+            </a:r>
+            <a:r>
+              <a:rPr lang="en-US" altLang="zh-CN" sz="1200">
+                <a:sym typeface="+mn-ea"/>
+              </a:rPr>
+              <a:t>jobName</a:t>
+            </a:r>
+            <a:r>
+              <a:rPr lang="zh-CN" altLang="en-US" sz="1200">
+                <a:sym typeface="+mn-ea"/>
+              </a:rPr>
+              <a:t>，然后重置了</a:t>
+            </a:r>
+            <a:r>
+              <a:rPr lang="en-US" altLang="zh-CN" sz="1200">
+                <a:sym typeface="+mn-ea"/>
+              </a:rPr>
+              <a:t>job</a:t>
+            </a:r>
+            <a:r>
+              <a:rPr lang="zh-CN" altLang="en-US" sz="1200">
+                <a:sym typeface="+mn-ea"/>
+              </a:rPr>
+              <a:t>的执行类设置。而真正的执行操作是RemoteHttpJobBean类重写了父类</a:t>
+            </a:r>
+            <a:r>
+              <a:rPr lang="en-US" altLang="zh-CN" sz="1200">
+                <a:sym typeface="+mn-ea"/>
+              </a:rPr>
+              <a:t>quartz</a:t>
+            </a:r>
+            <a:r>
+              <a:rPr lang="zh-CN" altLang="en-US" sz="1200">
+                <a:sym typeface="+mn-ea"/>
+              </a:rPr>
+              <a:t>的QuartzJobBean的executeInternal。</a:t>
+            </a:r>
+            <a:endParaRPr lang="zh-CN" altLang="en-US" sz="1200">
+              <a:sym typeface="+mn-ea"/>
+            </a:endParaRPr>
+          </a:p>
+          <a:p>
+            <a:endParaRPr lang="zh-CN" altLang="en-US" sz="1200">
+              <a:sym typeface="+mn-ea"/>
+            </a:endParaRPr>
+          </a:p>
+          <a:p>
+            <a:r>
+              <a:rPr lang="en-US" altLang="zh-CN" sz="1200">
+                <a:sym typeface="+mn-ea"/>
+              </a:rPr>
+              <a:t>3</a:t>
+            </a:r>
+            <a:r>
+              <a:rPr lang="zh-CN" altLang="en-US" sz="1200">
+                <a:sym typeface="+mn-ea"/>
+              </a:rPr>
+              <a:t>、可以看到后台的执行操作实际就是调用executeInternal的JobTriggerPoolHelper.trigger(</a:t>
+            </a:r>
+            <a:r>
+              <a:rPr lang="en-US" altLang="zh-CN" sz="1200">
+                <a:sym typeface="+mn-ea"/>
+              </a:rPr>
+              <a:t>)</a:t>
+            </a:r>
+            <a:r>
+              <a:rPr lang="zh-CN" altLang="en-US" sz="1200">
+                <a:sym typeface="+mn-ea"/>
+              </a:rPr>
+              <a:t>方法。</a:t>
+            </a:r>
+            <a:endParaRPr lang="zh-CN" altLang="en-US" sz="1200">
+              <a:sym typeface="+mn-ea"/>
+            </a:endParaRPr>
+          </a:p>
+          <a:p>
+            <a:endParaRPr lang="zh-CN" altLang="en-US" sz="1200"/>
+          </a:p>
+          <a:p>
+            <a:r>
+              <a:rPr lang="en-US" altLang="zh-CN" sz="1200"/>
+              <a:t>4</a:t>
+            </a:r>
+            <a:r>
+              <a:rPr lang="zh-CN" altLang="en-US" sz="1200"/>
+              <a:t>、后台的删除方法就是scheduler.deleteJob(jobKey);</a:t>
+            </a:r>
+            <a:endParaRPr lang="zh-CN" altLang="en-US" sz="1200"/>
+          </a:p>
+          <a:p>
+            <a:endParaRPr lang="zh-CN" altLang="en-US" sz="1200"/>
+          </a:p>
+          <a:p>
+            <a:r>
+              <a:rPr lang="en-US" altLang="zh-CN" sz="1200"/>
+              <a:t>5</a:t>
+            </a:r>
+            <a:r>
+              <a:rPr lang="zh-CN" altLang="en-US" sz="1200"/>
+              <a:t>、后台的修改就是scheduler.rescheduleJob(triggerKey, oldTrigger);更新cronExpression周期表达式</a:t>
+            </a:r>
+            <a:endParaRPr lang="zh-CN" altLang="en-US" sz="1200"/>
+          </a:p>
+          <a:p>
+            <a:endParaRPr lang="zh-CN" altLang="en-US" sz="1200"/>
+          </a:p>
+          <a:p>
+            <a:r>
+              <a:rPr lang="en-US" altLang="zh-CN" sz="1200"/>
+              <a:t>6</a:t>
+            </a:r>
+            <a:r>
+              <a:rPr lang="zh-CN" altLang="en-US" sz="1200"/>
+              <a:t>、后台看到的运行状态也是</a:t>
+            </a:r>
+            <a:r>
+              <a:rPr lang="en-US" altLang="zh-CN" sz="1200"/>
+              <a:t>job</a:t>
+            </a:r>
+            <a:r>
+              <a:rPr lang="zh-CN" altLang="en-US" sz="1200"/>
+              <a:t>存储在</a:t>
+            </a:r>
+            <a:r>
+              <a:rPr lang="zh-CN" altLang="en-US" sz="1200">
+                <a:sym typeface="+mn-ea"/>
+              </a:rPr>
+              <a:t>scheduler中获取的。</a:t>
+            </a:r>
+            <a:endParaRPr lang="zh-CN" altLang="en-US" sz="1200"/>
+          </a:p>
+        </p:txBody>
+      </p:sp>
+    </p:spTree>
+  </p:cSld>
+  <p:clrMapOvr>
+    <a:masterClrMapping/>
+  </p:clrMapOvr>
+</p:sld>
+</file>
+
+<file path=ppt/slides/slide17.xml><?xml version="1.0" encoding="utf-8"?>
 <p:sld xmlns:a="http://schemas.openxmlformats.org/drawingml/2006/main" xmlns:r="http://schemas.openxmlformats.org/officeDocument/2006/relationships" xmlns:p="http://schemas.openxmlformats.org/presentationml/2006/main" show="0">
   <p:cSld>
     <p:spTree>
@@ -6243,7 +6223,7 @@
             <a:pPr algn="ctr"/>
             <a:r>
               <a:rPr lang="en-US" altLang="zh-CN"/>
-              <a:t>2</a:t>
+              <a:t>3</a:t>
             </a:r>
             <a:r>
               <a:rPr lang="zh-CN" altLang="en-US"/>
@@ -6263,11 +6243,7 @@
             </a:r>
             <a:r>
               <a:rPr lang="zh-CN" altLang="en-US"/>
-              <a:t>执行</a:t>
-            </a:r>
-            <a:r>
-              <a:rPr lang="zh-CN" altLang="en-US"/>
-              <a:t>源码解析</a:t>
+              <a:t>执行源码解析</a:t>
             </a:r>
             <a:endParaRPr lang="en-US" altLang="zh-CN"/>
           </a:p>
@@ -6282,7 +6258,7 @@
         <p:spPr>
           <a:xfrm>
             <a:off x="838200" y="1387475"/>
-            <a:ext cx="7433945" cy="4246245"/>
+            <a:ext cx="7433945" cy="4399915"/>
           </a:xfrm>
           <a:prstGeom prst="rect">
             <a:avLst/>
@@ -6444,15 +6420,7 @@
                   <a:srgbClr val="FF0000"/>
                 </a:solidFill>
               </a:rPr>
-              <a:t>），</a:t>
-            </a:r>
-            <a:r>
-              <a:rPr lang="zh-CN" altLang="en-US" sz="1000">
-                <a:solidFill>
-                  <a:srgbClr val="FF0000"/>
-                </a:solidFill>
-              </a:rPr>
-              <a:t>可以看到慢线程池是直接进入队列的。</a:t>
+              <a:t>），可以看到慢线程池是直接进入队列的。</a:t>
             </a:r>
             <a:endParaRPr lang="zh-CN" altLang="en-US" sz="1000">
               <a:solidFill>
@@ -6952,7 +6920,7 @@
                   <a:schemeClr val="tx1"/>
                 </a:solidFill>
               </a:rPr>
-              <a:t>来获取地址。其它模式的话，直接通过</a:t>
+              <a:t>来获取地址。其它模式的话，直接通过简单</a:t>
             </a:r>
             <a:r>
               <a:rPr lang="zh-CN" altLang="en-US" sz="1000">
@@ -6960,7 +6928,7 @@
                   <a:srgbClr val="FF0000"/>
                 </a:solidFill>
               </a:rPr>
-              <a:t>设计模式策略模式</a:t>
+              <a:t>策略模式</a:t>
             </a:r>
             <a:r>
               <a:rPr lang="zh-CN" altLang="en-US" sz="1000">
@@ -7084,6 +7052,86 @@
                   <a:schemeClr val="tx1"/>
                 </a:solidFill>
               </a:rPr>
+              <a:t>0</a:t>
+            </a:r>
+            <a:r>
+              <a:rPr lang="zh-CN" altLang="en-US" sz="1000">
+                <a:solidFill>
+                  <a:schemeClr val="tx1"/>
+                </a:solidFill>
+              </a:rPr>
+              <a:t>、XxlJobDynamicScheduler.getExecutorBiz</a:t>
+            </a:r>
+            <a:r>
+              <a:rPr lang="en-US" altLang="zh-CN" sz="1000">
+                <a:solidFill>
+                  <a:schemeClr val="tx1"/>
+                </a:solidFill>
+              </a:rPr>
+              <a:t>(address)</a:t>
+            </a:r>
+            <a:r>
+              <a:rPr lang="zh-CN" altLang="en-US" sz="1000">
+                <a:solidFill>
+                  <a:srgbClr val="FF0000"/>
+                </a:solidFill>
+              </a:rPr>
+              <a:t>对应着</a:t>
+            </a:r>
+            <a:r>
+              <a:rPr lang="en-US" altLang="zh-CN" sz="1000">
+                <a:solidFill>
+                  <a:srgbClr val="FF0000"/>
+                </a:solidFill>
+              </a:rPr>
+              <a:t>task</a:t>
+            </a:r>
+            <a:r>
+              <a:rPr lang="zh-CN" altLang="en-US" sz="1000">
+                <a:solidFill>
+                  <a:srgbClr val="FF0000"/>
+                </a:solidFill>
+              </a:rPr>
+              <a:t>端的</a:t>
+            </a:r>
+            <a:r>
+              <a:rPr sz="1000">
+                <a:solidFill>
+                  <a:srgbClr val="FF0000"/>
+                </a:solidFill>
+                <a:sym typeface="+mn-ea"/>
+              </a:rPr>
+              <a:t>XxlJobExecutor</a:t>
+            </a:r>
+            <a:r>
+              <a:rPr lang="en-US" sz="1000">
+                <a:solidFill>
+                  <a:srgbClr val="FF0000"/>
+                </a:solidFill>
+                <a:sym typeface="+mn-ea"/>
+              </a:rPr>
+              <a:t>.initRpcProvider()</a:t>
+            </a:r>
+            <a:r>
+              <a:rPr lang="zh-CN" altLang="en-US" sz="1000">
+                <a:solidFill>
+                  <a:srgbClr val="FF0000"/>
+                </a:solidFill>
+                <a:sym typeface="+mn-ea"/>
+              </a:rPr>
+              <a:t>服务提供端。</a:t>
+            </a:r>
+            <a:endParaRPr lang="en-US" sz="1000" b="1">
+              <a:sym typeface="+mn-ea"/>
+            </a:endParaRPr>
+          </a:p>
+          <a:p>
+            <a:r>
+              <a:rPr lang="en-US" altLang="zh-CN" sz="1000">
+                <a:solidFill>
+                  <a:schemeClr val="tx1"/>
+                </a:solidFill>
+              </a:rPr>
               <a:t>1</a:t>
             </a:r>
             <a:r>
@@ -7114,7 +7162,7 @@
               <a:rPr lang="zh-CN" altLang="en-US" sz="1000">
                 <a:sym typeface="+mn-ea"/>
               </a:rPr>
-              <a:t>xxlJobDynamicScheduler的ConcurrentHashMap中。</a:t>
+              <a:t>xxlJobDynamicScheduler的缓存ConcurrentHashMap中。</a:t>
             </a:r>
             <a:endParaRPr lang="zh-CN" altLang="en-US" sz="1000">
               <a:sym typeface="+mn-ea"/>
@@ -7167,13 +7215,7 @@
               <a:rPr lang="zh-CN" altLang="en-US" sz="1000">
                 <a:sym typeface="+mn-ea"/>
               </a:rPr>
-              <a:t>哈</a:t>
-            </a:r>
-            <a:r>
-              <a:rPr lang="zh-CN" altLang="en-US" sz="1000">
-                <a:sym typeface="+mn-ea"/>
-              </a:rPr>
-              <a:t>）</a:t>
+              <a:t>哈）</a:t>
             </a:r>
             <a:endParaRPr lang="zh-CN" altLang="en-US" sz="1000">
               <a:sym typeface="+mn-ea"/>
@@ -7205,46 +7247,34 @@
               <a:t>。</a:t>
             </a:r>
             <a:r>
+              <a:rPr lang="zh-CN" sz="1000">
+                <a:sym typeface="+mn-ea"/>
+              </a:rPr>
+              <a:t>对应</a:t>
+            </a:r>
+            <a:r>
               <a:rPr lang="en-US" altLang="zh-CN" sz="1000">
                 <a:sym typeface="+mn-ea"/>
               </a:rPr>
-              <a:t>rpc</a:t>
+              <a:t>E</a:t>
             </a:r>
             <a:r>
               <a:rPr lang="zh-CN" altLang="en-US" sz="1000">
                 <a:sym typeface="+mn-ea"/>
               </a:rPr>
-              <a:t>到了</a:t>
+              <a:t>xecutorBiz</a:t>
             </a:r>
             <a:r>
               <a:rPr lang="en-US" altLang="zh-CN" sz="1000">
                 <a:sym typeface="+mn-ea"/>
               </a:rPr>
-              <a:t>task</a:t>
+              <a:t>Impl</a:t>
             </a:r>
             <a:r>
               <a:rPr lang="zh-CN" altLang="en-US" sz="1000">
                 <a:sym typeface="+mn-ea"/>
               </a:rPr>
-              <a:t>执行端了</a:t>
-            </a:r>
-            <a:r>
-              <a:rPr lang="en-US" altLang="zh-CN" sz="1000">
-                <a:sym typeface="+mn-ea"/>
-              </a:rPr>
-              <a:t>E</a:t>
-            </a:r>
-            <a:r>
-              <a:rPr lang="zh-CN" altLang="en-US" sz="1000">
-                <a:sym typeface="+mn-ea"/>
-              </a:rPr>
-              <a:t>xecutorBiz</a:t>
-            </a:r>
-            <a:r>
-              <a:rPr lang="en-US" altLang="zh-CN" sz="1000">
-                <a:sym typeface="+mn-ea"/>
-              </a:rPr>
-              <a:t>Impl</a:t>
+              <a:t>本地化调用</a:t>
             </a:r>
             <a:r>
               <a:rPr lang="zh-CN" altLang="en-US" sz="1000">
@@ -7322,7 +7352,7 @@
 </p:sld>
 </file>
 
-<file path=ppt/slides/slide17.xml><?xml version="1.0" encoding="utf-8"?>
+<file path=ppt/slides/slide18.xml><?xml version="1.0" encoding="utf-8"?>
 <p:sld xmlns:a="http://schemas.openxmlformats.org/drawingml/2006/main" xmlns:r="http://schemas.openxmlformats.org/officeDocument/2006/relationships" xmlns:p="http://schemas.openxmlformats.org/presentationml/2006/main">
   <p:cSld>
     <p:spTree>
@@ -7349,7 +7379,7 @@
             <a:pPr algn="ctr"/>
             <a:r>
               <a:rPr lang="en-US" altLang="zh-CN"/>
-              <a:t>3</a:t>
+              <a:t>1</a:t>
             </a:r>
             <a:r>
               <a:rPr lang="zh-CN" altLang="en-US"/>
@@ -7361,11 +7391,7 @@
             </a:r>
             <a:r>
               <a:rPr lang="zh-CN" altLang="en-US"/>
-              <a:t>启动</a:t>
-            </a:r>
-            <a:r>
-              <a:rPr lang="zh-CN" altLang="en-US"/>
-              <a:t>初始化源码解析</a:t>
+              <a:t>启动初始化源码解析</a:t>
             </a:r>
             <a:endParaRPr lang="zh-CN" altLang="en-US"/>
           </a:p>
@@ -7380,7 +7406,7 @@
         <p:spPr>
           <a:xfrm>
             <a:off x="1250315" y="1691005"/>
-            <a:ext cx="9951085" cy="3230245"/>
+            <a:ext cx="9951085" cy="5015865"/>
           </a:xfrm>
           <a:prstGeom prst="rect">
             <a:avLst/>
@@ -7393,374 +7419,223 @@
           </a:bodyPr>
           <a:p>
             <a:r>
-              <a:rPr lang="zh-CN" altLang="en-US" sz="1200" b="1"/>
-              <a:t>XxlJobConfig的注入，XxlJobSpringExecutor的实例化，属性等，启动</a:t>
-            </a:r>
-            <a:r>
-              <a:rPr lang="en-US" altLang="zh-CN" sz="1200" b="1"/>
-              <a:t>start</a:t>
-            </a:r>
-            <a:r>
-              <a:rPr lang="zh-CN" altLang="en-US" sz="1200" b="1"/>
-              <a:t>方法。</a:t>
-            </a:r>
-            <a:endParaRPr lang="zh-CN" altLang="en-US" sz="1200"/>
-          </a:p>
-          <a:p>
-            <a:r>
-              <a:rPr lang="en-US" altLang="zh-CN" sz="1200"/>
-              <a:t>1</a:t>
-            </a:r>
-            <a:r>
-              <a:rPr lang="zh-CN" altLang="en-US" sz="1200"/>
-              <a:t>、initJobHandlerRepository</a:t>
-            </a:r>
-            <a:r>
-              <a:rPr lang="en-US" altLang="zh-CN" sz="1200"/>
-              <a:t>()</a:t>
-            </a:r>
-            <a:r>
-              <a:rPr lang="zh-CN" altLang="en-US" sz="1200"/>
-              <a:t>初始化</a:t>
-            </a:r>
-            <a:r>
-              <a:rPr lang="en-US" altLang="zh-CN" sz="1200"/>
-              <a:t>jobHandler</a:t>
-            </a:r>
-            <a:r>
-              <a:rPr lang="zh-CN" altLang="en-US" sz="1200"/>
-              <a:t>的仓库，其实是根据上下文ApplicationContext</a:t>
-            </a:r>
-            <a:r>
-              <a:rPr lang="en-US" altLang="zh-CN" sz="1200"/>
+              <a:rPr sz="1000" b="1"/>
+              <a:t>XxlJobConfig取配置文件属性的注入，XxlJobSpringExecutor的实例化，属性等，启动start方法。</a:t>
+            </a:r>
+            <a:endParaRPr sz="1000"/>
+          </a:p>
+          <a:p>
+            <a:endParaRPr sz="1000"/>
+          </a:p>
+          <a:p>
+            <a:r>
+              <a:rPr sz="1000"/>
+              <a:t>1、initJobHandlerRepository()初始化jobHandler的仓库，其实是根据上下文ApplicationContext.getBeansWithAnnotation(JobHandler.class);获取带有@JobHandler实体的Map。遍历Map获取实例校验必须是IJobHandler类型，存放到父类的XxlJobExecutor的ConcurrentHashMap&lt;String, IJobHandler&gt;类型的jobHandlerRepository中。</a:t>
+            </a:r>
+            <a:endParaRPr sz="1000"/>
+          </a:p>
+          <a:p>
+            <a:endParaRPr sz="1000"/>
+          </a:p>
+          <a:p>
+            <a:r>
+              <a:rPr sz="1000"/>
+              <a:t>2、重新实例化GlueFactory。启动父类XxlJobExecutor.start()方法。</a:t>
+            </a:r>
+            <a:endParaRPr sz="1000"/>
+          </a:p>
+          <a:p>
+            <a:endParaRPr sz="1000"/>
+          </a:p>
+          <a:p>
+            <a:r>
+              <a:rPr sz="1000" b="1"/>
+              <a:t>XxlJobExecutor.start()</a:t>
+            </a:r>
+            <a:endParaRPr sz="1000"/>
+          </a:p>
+          <a:p>
+            <a:r>
+              <a:rPr sz="1000"/>
+              <a:t>1、XxlJobFileAppender.initLogPath(logPath)初始化日志存储路径，默认/data/applogs/xxl-job/jobhandler。</a:t>
+            </a:r>
+            <a:endParaRPr sz="1000"/>
+          </a:p>
+          <a:p>
+            <a:endParaRPr sz="1000"/>
+          </a:p>
+          <a:p>
+            <a:r>
+              <a:rPr sz="1000"/>
+              <a:t>2、根据配置的调度中心地址xxl.job.admin.addresses逗号隔开多个，(AdminBiz) new XxlRpcReferenceBean存储在static List&lt;AdminBiz&gt;中。这里是有通信XxlRpcReferenceBean.getObject()方法获取到AdminBizImpl存放的。通信路径就是admin的ip+端口+api。遍历广播回调。</a:t>
+            </a:r>
+            <a:endParaRPr sz="1000"/>
+          </a:p>
+          <a:p>
+            <a:endParaRPr sz="1000"/>
+          </a:p>
+          <a:p>
+            <a:endParaRPr sz="1000"/>
+          </a:p>
+          <a:p>
+            <a:r>
+              <a:rPr sz="1000"/>
+              <a:t>3、JobLogFileCleanThread.getInstance().start(logRetentionDays)守护线程清理到期的日志，每天跑一次，通过sleep一天。</a:t>
+            </a:r>
+            <a:endParaRPr sz="1000"/>
+          </a:p>
+          <a:p>
+            <a:endParaRPr sz="1000"/>
+          </a:p>
+          <a:p>
+            <a:r>
+              <a:rPr sz="1000"/>
+              <a:t>4、TriggerCallbackThread.getInstance().start()回调的守护线程，通过单例的TriggerCallbackThread批量获取阻塞队列LinkedBlockingQueue&lt;HandleCallbackParam&gt;的队列里面的任务take()方法阻塞获取，如果去到了，则drainTo()方法得到List&lt;HandleCallbackParam&gt;列表，遍历调度中心XxlJobExecutor.getAdminBizList列表，AdminBiz.callback()本地化调用。</a:t>
+            </a:r>
+            <a:r>
+              <a:rPr lang="zh-CN" sz="1000">
+                <a:solidFill>
+                  <a:srgbClr val="FF0000"/>
+                </a:solidFill>
+              </a:rPr>
+              <a:t>对应</a:t>
+            </a:r>
+            <a:r>
+              <a:rPr lang="en-US" altLang="zh-CN" sz="1000">
+                <a:solidFill>
+                  <a:srgbClr val="FF0000"/>
+                </a:solidFill>
+              </a:rPr>
+              <a:t>admin</a:t>
+            </a:r>
+            <a:r>
+              <a:rPr lang="zh-CN" sz="1000">
+                <a:solidFill>
+                  <a:srgbClr val="FF0000"/>
+                </a:solidFill>
+              </a:rPr>
+              <a:t>端的</a:t>
+            </a:r>
+            <a:r>
+              <a:rPr sz="1000">
+                <a:solidFill>
+                  <a:srgbClr val="FF0000"/>
+                </a:solidFill>
+                <a:sym typeface="+mn-ea"/>
+              </a:rPr>
+              <a:t>XxlJobDynamicScheduler</a:t>
+            </a:r>
+            <a:r>
+              <a:rPr lang="en-US" sz="1000">
+                <a:solidFill>
+                  <a:srgbClr val="FF0000"/>
+                </a:solidFill>
+                <a:sym typeface="+mn-ea"/>
+              </a:rPr>
               <a:t>.</a:t>
             </a:r>
             <a:r>
-              <a:rPr lang="zh-CN" altLang="en-US" sz="1200"/>
-              <a:t>getBeansWithAnnotation(JobHandler.class);获取带有@JobHandler实体的</a:t>
-            </a:r>
-            <a:r>
-              <a:rPr lang="en-US" altLang="zh-CN" sz="1200"/>
-              <a:t>Map</a:t>
-            </a:r>
-            <a:r>
-              <a:rPr lang="zh-CN" altLang="en-US" sz="1200"/>
-              <a:t>。遍历</a:t>
-            </a:r>
-            <a:r>
-              <a:rPr lang="en-US" altLang="zh-CN" sz="1200"/>
-              <a:t>Map</a:t>
-            </a:r>
-            <a:r>
-              <a:rPr lang="zh-CN" altLang="en-US" sz="1200"/>
-              <a:t>获取实例校验必须是IJobHandler类型，存放到父类的XxlJobExecutor的ConcurrentHashMap&lt;String, IJobHandler&gt;类型的jobHandlerRepository中。</a:t>
-            </a:r>
-            <a:endParaRPr lang="zh-CN" altLang="en-US" sz="1200"/>
-          </a:p>
-          <a:p>
-            <a:r>
-              <a:rPr lang="en-US" altLang="zh-CN" sz="1200"/>
-              <a:t>2</a:t>
-            </a:r>
-            <a:r>
-              <a:rPr lang="zh-CN" altLang="en-US" sz="1200"/>
-              <a:t>、重新实例化GlueFactory。启动父类</a:t>
-            </a:r>
-            <a:r>
-              <a:rPr lang="zh-CN" altLang="en-US" sz="1200">
-                <a:sym typeface="+mn-ea"/>
-              </a:rPr>
-              <a:t>XxlJobExecutor</a:t>
-            </a:r>
-            <a:r>
-              <a:rPr lang="en-US" altLang="zh-CN" sz="1200">
-                <a:sym typeface="+mn-ea"/>
-              </a:rPr>
-              <a:t>.start()</a:t>
-            </a:r>
-            <a:r>
-              <a:rPr lang="zh-CN" altLang="en-US" sz="1200">
-                <a:sym typeface="+mn-ea"/>
-              </a:rPr>
-              <a:t>方法。</a:t>
-            </a:r>
-            <a:endParaRPr lang="zh-CN" altLang="en-US" sz="1200"/>
-          </a:p>
-          <a:p>
-            <a:r>
-              <a:rPr lang="zh-CN" altLang="en-US" sz="1200" b="1">
-                <a:sym typeface="+mn-ea"/>
-              </a:rPr>
-              <a:t>XxlJobExecutor</a:t>
-            </a:r>
-            <a:r>
-              <a:rPr lang="en-US" altLang="zh-CN" sz="1200" b="1">
-                <a:sym typeface="+mn-ea"/>
-              </a:rPr>
-              <a:t>.start()</a:t>
-            </a:r>
-            <a:endParaRPr lang="en-US" altLang="zh-CN" sz="1200">
-              <a:sym typeface="+mn-ea"/>
+              <a:rPr lang="zh-CN" sz="1000">
+                <a:solidFill>
+                  <a:srgbClr val="FF0000"/>
+                </a:solidFill>
+              </a:rPr>
+              <a:t>initRpcProvider()的服务提供者</a:t>
+            </a:r>
+            <a:endParaRPr lang="zh-CN" sz="1000"/>
+          </a:p>
+          <a:p>
+            <a:endParaRPr sz="1000" u="sng"/>
+          </a:p>
+          <a:p>
+            <a:r>
+              <a:rPr sz="1000"/>
+              <a:t>5、写入到日志文件。</a:t>
+            </a:r>
+            <a:endParaRPr sz="1000"/>
+          </a:p>
+          <a:p>
+            <a:endParaRPr sz="1000"/>
+          </a:p>
+          <a:p>
+            <a:r>
+              <a:rPr sz="1000"/>
+              <a:t>6、通过jdk自带的new ServerSocket(port)获取可用的端口。IpUtil.getLocalAddress为获取客户端ip的工具类（出过几次问题的）</a:t>
+            </a:r>
+            <a:endParaRPr sz="1000"/>
+          </a:p>
+          <a:p>
+            <a:endParaRPr sz="1000"/>
+          </a:p>
+          <a:p>
+            <a:r>
+              <a:rPr sz="1000"/>
+              <a:t>7、</a:t>
+            </a:r>
+            <a:r>
+              <a:rPr sz="1000" b="1"/>
+              <a:t>初始化initRpcProvider(ip, port, appName, accessToken);</a:t>
+            </a:r>
+            <a:endParaRPr sz="1000"/>
+          </a:p>
+          <a:p>
+            <a:r>
+              <a:rPr sz="1000"/>
+              <a:t>①实例化xxlRpcProviderFactory（NETTY_HTTP通信方式，HESSIAN序列化方式，IpUtil.getIp()，默认9999，一般去配置端口，这是有启动使用的），将ExecutorBiz类路径和实现类ExecutorBizImpl对象当做key和value存储在xxlRpcProviderFactory的名为HashMap&lt;String, Object&gt;类型的serviceData的map中。</a:t>
+            </a:r>
+            <a:endParaRPr sz="1000"/>
+          </a:p>
+          <a:p>
+            <a:endParaRPr sz="1000"/>
+          </a:p>
+          <a:p>
+            <a:r>
+              <a:rPr sz="1000"/>
+              <a:t>②xxlRpcProviderFactory.start();启动，admin那边是没有这一步操作的。所以那边只初始化了netty的NettyHttpClient。这里是初始化了NettyHttpServer的，进行服务提供。</a:t>
+            </a:r>
+            <a:r>
+              <a:rPr sz="1000">
+                <a:solidFill>
+                  <a:srgbClr val="FF0000"/>
+                </a:solidFill>
+              </a:rPr>
+              <a:t>对应着admin</a:t>
+            </a:r>
+            <a:r>
+              <a:rPr lang="zh-CN" sz="1000">
+                <a:solidFill>
+                  <a:srgbClr val="FF0000"/>
+                </a:solidFill>
+              </a:rPr>
+              <a:t>端</a:t>
+            </a:r>
+            <a:r>
+              <a:rPr sz="1000">
+                <a:solidFill>
+                  <a:srgbClr val="FF0000"/>
+                </a:solidFill>
+              </a:rPr>
+              <a:t>的 XxlJobDynamicScheduler.getExecutorBiz调用</a:t>
+            </a:r>
+            <a:endParaRPr sz="1000">
+              <a:solidFill>
+                <a:srgbClr val="FF0000"/>
+              </a:solidFill>
             </a:endParaRPr>
           </a:p>
           <a:p>
-            <a:r>
-              <a:rPr lang="en-US" altLang="zh-CN" sz="1200"/>
-              <a:t>1</a:t>
-            </a:r>
-            <a:r>
-              <a:rPr lang="zh-CN" altLang="en-US" sz="1200"/>
-              <a:t>、XxlJobFileAppender.initLogPath(logPath)初始化日志存储路径，默认</a:t>
-            </a:r>
-            <a:r>
-              <a:rPr lang="zh-CN" altLang="en-US" sz="1200">
-                <a:solidFill>
-                  <a:srgbClr val="FF0000"/>
-                </a:solidFill>
-              </a:rPr>
-              <a:t>/data/applogs/xxl-job/jobhandler</a:t>
-            </a:r>
-            <a:r>
-              <a:rPr lang="zh-CN" altLang="en-US" sz="1200"/>
-              <a:t>。</a:t>
-            </a:r>
-            <a:endParaRPr lang="zh-CN" altLang="en-US" sz="1200"/>
-          </a:p>
-          <a:p>
-            <a:r>
-              <a:rPr lang="en-US" altLang="zh-CN" sz="1200"/>
-              <a:t>2</a:t>
-            </a:r>
-            <a:r>
-              <a:rPr lang="zh-CN" altLang="en-US" sz="1200"/>
-              <a:t>、根据配置的调度中心地址</a:t>
-            </a:r>
-            <a:r>
-              <a:rPr lang="zh-CN" altLang="en-US" sz="1200">
-                <a:solidFill>
-                  <a:srgbClr val="FF0000"/>
-                </a:solidFill>
-              </a:rPr>
-              <a:t>逗号隔开</a:t>
-            </a:r>
-            <a:r>
-              <a:rPr lang="zh-CN" altLang="en-US" sz="1200"/>
-              <a:t>多个，(AdminBiz) new XxlRpcReferenceBean存储在static List&lt;AdminBiz&gt;中。</a:t>
-            </a:r>
-            <a:endParaRPr lang="zh-CN" altLang="en-US" sz="1200"/>
-          </a:p>
-          <a:p>
-            <a:r>
-              <a:rPr lang="en-US" altLang="zh-CN" sz="1200"/>
-              <a:t>3</a:t>
-            </a:r>
-            <a:r>
-              <a:rPr lang="zh-CN" altLang="en-US" sz="1200"/>
-              <a:t>、JobLogFileCleanThread.getInstance().start(logRetentionDays)守护线程清理到期的日志，</a:t>
-            </a:r>
-            <a:r>
-              <a:rPr lang="zh-CN" altLang="en-US" sz="1200">
-                <a:solidFill>
-                  <a:srgbClr val="FF0000"/>
-                </a:solidFill>
-              </a:rPr>
-              <a:t>每天</a:t>
-            </a:r>
-            <a:r>
-              <a:rPr lang="zh-CN" altLang="en-US" sz="1200"/>
-              <a:t>跑一次，通过</a:t>
-            </a:r>
-            <a:r>
-              <a:rPr lang="en-US" altLang="zh-CN" sz="1200"/>
-              <a:t>sleep</a:t>
-            </a:r>
-            <a:r>
-              <a:rPr lang="zh-CN" altLang="en-US" sz="1200"/>
-              <a:t>一天。</a:t>
-            </a:r>
-            <a:endParaRPr lang="zh-CN" altLang="en-US" sz="1200"/>
-          </a:p>
-          <a:p>
-            <a:endParaRPr lang="en-US" altLang="zh-CN" sz="1200"/>
-          </a:p>
-          <a:p>
-            <a:endParaRPr lang="en-US" altLang="zh-CN" sz="1200"/>
-          </a:p>
-          <a:p>
-            <a:r>
-              <a:rPr lang="en-US" altLang="zh-CN" sz="1200"/>
-              <a:t>4</a:t>
-            </a:r>
-            <a:r>
-              <a:rPr lang="zh-CN" altLang="en-US" sz="1200"/>
-              <a:t>、TriggerCallbackThread.getInstance().start()回调的守护线程，通过</a:t>
-            </a:r>
-            <a:r>
-              <a:rPr lang="zh-CN" altLang="en-US" sz="1200">
-                <a:solidFill>
-                  <a:srgbClr val="FF0000"/>
-                </a:solidFill>
-              </a:rPr>
-              <a:t>单例的</a:t>
-            </a:r>
-            <a:r>
-              <a:rPr lang="zh-CN" altLang="en-US" sz="1200"/>
-              <a:t>TriggerCallbackThread</a:t>
-            </a:r>
-            <a:r>
-              <a:rPr lang="zh-CN" altLang="en-US" sz="1200">
-                <a:solidFill>
-                  <a:srgbClr val="FF0000"/>
-                </a:solidFill>
-              </a:rPr>
-              <a:t>批量获取</a:t>
-            </a:r>
-            <a:r>
-              <a:rPr lang="zh-CN" altLang="en-US" sz="1200">
-                <a:solidFill>
-                  <a:schemeClr val="tx1"/>
-                </a:solidFill>
-              </a:rPr>
-              <a:t>阻塞队列</a:t>
-            </a:r>
-            <a:r>
-              <a:rPr lang="zh-CN" altLang="en-US" sz="1200"/>
-              <a:t>LinkedBlockingQueue&lt;HandleCallbackParam&gt;的队列里面的任务（</a:t>
-            </a:r>
-            <a:r>
-              <a:rPr lang="zh-CN" altLang="en-US" sz="1200">
-                <a:solidFill>
-                  <a:srgbClr val="FF0000"/>
-                </a:solidFill>
-              </a:rPr>
-              <a:t>drainTo(</a:t>
-            </a:r>
-            <a:r>
-              <a:rPr lang="en-US" altLang="zh-CN" sz="1200">
-                <a:solidFill>
-                  <a:srgbClr val="FF0000"/>
-                </a:solidFill>
-              </a:rPr>
-              <a:t>)</a:t>
-            </a:r>
-            <a:r>
-              <a:rPr lang="zh-CN" altLang="en-US" sz="1200"/>
-              <a:t>方法）得到List&lt;HandleCallbackParam&gt;列表，遍历调度中心XxlJobExecutor.getAdminBizList列表，</a:t>
-            </a:r>
-            <a:r>
-              <a:rPr lang="en-US" altLang="zh-CN" sz="1200"/>
-              <a:t>A</a:t>
-            </a:r>
-            <a:r>
-              <a:rPr lang="zh-CN" altLang="en-US" sz="1200"/>
-              <a:t>dminBiz.callback</a:t>
-            </a:r>
-            <a:r>
-              <a:rPr lang="en-US" altLang="zh-CN" sz="1200"/>
-              <a:t>()</a:t>
-            </a:r>
-            <a:r>
-              <a:rPr lang="zh-CN" altLang="en-US" sz="1200"/>
-              <a:t>调用。</a:t>
-            </a:r>
-            <a:r>
-              <a:rPr lang="en-US" altLang="zh-CN" sz="1200"/>
-              <a:t>rpc</a:t>
-            </a:r>
-            <a:r>
-              <a:rPr lang="zh-CN" altLang="en-US" sz="1200"/>
-              <a:t>到</a:t>
-            </a:r>
-            <a:r>
-              <a:rPr lang="en-US" altLang="zh-CN" sz="1200"/>
-              <a:t>admin</a:t>
-            </a:r>
-            <a:r>
-              <a:rPr lang="zh-CN" altLang="en-US" sz="1200"/>
-              <a:t>服务的AdminBizImpl类。</a:t>
-            </a:r>
-            <a:endParaRPr lang="zh-CN" altLang="en-US" sz="1200"/>
-          </a:p>
-          <a:p>
-            <a:r>
-              <a:rPr lang="en-US" altLang="zh-CN" sz="1200"/>
-              <a:t>5</a:t>
-            </a:r>
-            <a:r>
-              <a:rPr lang="zh-CN" altLang="en-US" sz="1200"/>
-              <a:t>、写入到日志文件。</a:t>
-            </a:r>
-            <a:endParaRPr lang="zh-CN" altLang="en-US" sz="1200"/>
-          </a:p>
-          <a:p>
-            <a:r>
-              <a:rPr lang="en-US" altLang="zh-CN" sz="1200"/>
-              <a:t>6</a:t>
-            </a:r>
-            <a:r>
-              <a:rPr lang="zh-CN" altLang="en-US" sz="1200"/>
-              <a:t>、通过</a:t>
-            </a:r>
-            <a:r>
-              <a:rPr lang="en-US" altLang="zh-CN" sz="1200"/>
-              <a:t>jdk</a:t>
-            </a:r>
-            <a:r>
-              <a:rPr lang="zh-CN" altLang="en-US" sz="1200"/>
-              <a:t>自带的new ServerSocket(port)获取可用的端口。IpUtil</a:t>
-            </a:r>
-            <a:r>
-              <a:rPr lang="en-US" altLang="zh-CN" sz="1200"/>
-              <a:t>.getLocalAddress</a:t>
-            </a:r>
-            <a:r>
-              <a:rPr lang="zh-CN" altLang="en-US" sz="1200"/>
-              <a:t>为获取客户端</a:t>
-            </a:r>
-            <a:r>
-              <a:rPr lang="en-US" altLang="zh-CN" sz="1200"/>
-              <a:t>ip</a:t>
-            </a:r>
-            <a:r>
-              <a:rPr lang="zh-CN" altLang="en-US" sz="1200"/>
-              <a:t>的工具类（出过几次问题的）</a:t>
-            </a:r>
-            <a:endParaRPr lang="en-US" altLang="zh-CN" sz="1200"/>
-          </a:p>
-          <a:p>
-            <a:r>
-              <a:rPr lang="en-US" altLang="zh-CN" sz="1200"/>
-              <a:t>7</a:t>
-            </a:r>
-            <a:r>
-              <a:rPr lang="zh-CN" altLang="en-US" sz="1200"/>
-              <a:t>、初始化initRpcProvider(ip, port, appName, accessToken);然后和</a:t>
-            </a:r>
-            <a:r>
-              <a:rPr lang="en-US" altLang="zh-CN" sz="1200"/>
-              <a:t>admin</a:t>
-            </a:r>
-            <a:r>
-              <a:rPr lang="zh-CN" altLang="en-US" sz="1200"/>
-              <a:t>那边的</a:t>
-            </a:r>
-            <a:r>
-              <a:rPr lang="en-US" altLang="zh-CN" sz="1200"/>
-              <a:t>rpc</a:t>
-            </a:r>
-            <a:r>
-              <a:rPr lang="zh-CN" altLang="en-US" sz="1200"/>
-              <a:t>初始化一样，</a:t>
-            </a:r>
-            <a:r>
-              <a:rPr lang="en-US" altLang="zh-CN" sz="1200"/>
-              <a:t>add service</a:t>
-            </a:r>
-            <a:r>
-              <a:rPr lang="zh-CN" altLang="en-US" sz="1200"/>
-              <a:t>然后xxlRpcProviderFactory.start();</a:t>
-            </a:r>
-            <a:endParaRPr lang="en-US" altLang="zh-CN" sz="1200"/>
+            <a:endParaRPr lang="zh-CN" sz="1000">
+              <a:solidFill>
+                <a:srgbClr val="FF0000"/>
+              </a:solidFill>
+            </a:endParaRPr>
+          </a:p>
+          <a:p>
+            <a:endParaRPr lang="zh-CN" sz="1000">
+              <a:solidFill>
+                <a:srgbClr val="FF0000"/>
+              </a:solidFill>
+            </a:endParaRPr>
           </a:p>
         </p:txBody>
       </p:sp>
@@ -7804,1203 +7679,8 @@
         </p:blipFill>
         <p:spPr>
           <a:xfrm>
-            <a:off x="9364980" y="3168015"/>
+            <a:off x="8076565" y="3714115"/>
             <a:ext cx="1480820" cy="373380"/>
-          </a:xfrm>
-          <a:prstGeom prst="rect">
-            <a:avLst/>
-          </a:prstGeom>
-        </p:spPr>
-      </p:pic>
-    </p:spTree>
-  </p:cSld>
-  <p:clrMapOvr>
-    <a:masterClrMapping/>
-  </p:clrMapOvr>
-</p:sld>
-</file>
-
-<file path=ppt/slides/slide18.xml><?xml version="1.0" encoding="utf-8"?>
-<p:sld xmlns:a="http://schemas.openxmlformats.org/drawingml/2006/main" xmlns:r="http://schemas.openxmlformats.org/officeDocument/2006/relationships" xmlns:p="http://schemas.openxmlformats.org/presentationml/2006/main">
-  <p:cSld>
-    <p:spTree>
-      <p:nvGrpSpPr>
-        <p:cNvPr id="1" name=""/>
-        <p:cNvGrpSpPr/>
-        <p:nvPr/>
-      </p:nvGrpSpPr>
-      <p:grpSpPr/>
-      <p:sp>
-        <p:nvSpPr>
-          <p:cNvPr id="2" name="标题 1"/>
-          <p:cNvSpPr>
-            <a:spLocks noGrp="1"/>
-          </p:cNvSpPr>
-          <p:nvPr>
-            <p:ph type="title"/>
-          </p:nvPr>
-        </p:nvSpPr>
-        <p:spPr/>
-        <p:txBody>
-          <a:bodyPr/>
-          <a:p>
-            <a:pPr algn="ctr"/>
-            <a:r>
-              <a:rPr lang="en-US" altLang="zh-CN">
-                <a:sym typeface="+mn-ea"/>
-              </a:rPr>
-              <a:t>4</a:t>
-            </a:r>
-            <a:r>
-              <a:rPr lang="zh-CN" altLang="en-US">
-                <a:sym typeface="+mn-ea"/>
-              </a:rPr>
-              <a:t>、</a:t>
-            </a:r>
-            <a:r>
-              <a:rPr lang="en-US" altLang="zh-CN">
-                <a:sym typeface="+mn-ea"/>
-              </a:rPr>
-              <a:t>task</a:t>
-            </a:r>
-            <a:r>
-              <a:rPr lang="zh-CN" altLang="en-US">
-                <a:sym typeface="+mn-ea"/>
-              </a:rPr>
-              <a:t>执行源码解析</a:t>
-            </a:r>
-            <a:endParaRPr lang="zh-CN" altLang="en-US">
-              <a:sym typeface="+mn-ea"/>
-            </a:endParaRPr>
-          </a:p>
-        </p:txBody>
-      </p:sp>
-      <p:sp>
-        <p:nvSpPr>
-          <p:cNvPr id="4" name="文本框 3"/>
-          <p:cNvSpPr txBox="1"/>
-          <p:nvPr/>
-        </p:nvSpPr>
-        <p:spPr>
-          <a:xfrm>
-            <a:off x="1519555" y="1514475"/>
-            <a:ext cx="6715760" cy="4523105"/>
-          </a:xfrm>
-          <a:prstGeom prst="rect">
-            <a:avLst/>
-          </a:prstGeom>
-          <a:noFill/>
-        </p:spPr>
-        <p:txBody>
-          <a:bodyPr wrap="square" rtlCol="0">
-            <a:spAutoFit/>
-          </a:bodyPr>
-          <a:p>
-            <a:r>
-              <a:rPr lang="en-US" altLang="zh-CN" sz="1200" b="1">
-                <a:solidFill>
-                  <a:schemeClr val="tx1"/>
-                </a:solidFill>
-              </a:rPr>
-              <a:t>rpc</a:t>
-            </a:r>
-            <a:r>
-              <a:rPr lang="zh-CN" altLang="en-US" sz="1200" b="1">
-                <a:solidFill>
-                  <a:schemeClr val="tx1"/>
-                </a:solidFill>
-              </a:rPr>
-              <a:t>过来可以理解为就是XxlRpcProviderFactory的invokeService到了ExecutorBizImpl的</a:t>
-            </a:r>
-            <a:r>
-              <a:rPr lang="en-US" altLang="zh-CN" sz="1200" b="1">
-                <a:solidFill>
-                  <a:schemeClr val="tx1"/>
-                </a:solidFill>
-              </a:rPr>
-              <a:t>run</a:t>
-            </a:r>
-            <a:r>
-              <a:rPr lang="zh-CN" altLang="en-US" sz="1200" b="1">
-                <a:solidFill>
-                  <a:schemeClr val="tx1"/>
-                </a:solidFill>
-              </a:rPr>
-              <a:t>方法</a:t>
-            </a:r>
-            <a:endParaRPr lang="zh-CN" altLang="en-US" sz="1200">
-              <a:solidFill>
-                <a:srgbClr val="FF0000"/>
-              </a:solidFill>
-            </a:endParaRPr>
-          </a:p>
-          <a:p>
-            <a:r>
-              <a:rPr lang="en-US" altLang="zh-CN" sz="1200">
-                <a:solidFill>
-                  <a:schemeClr val="tx1"/>
-                </a:solidFill>
-              </a:rPr>
-              <a:t>1</a:t>
-            </a:r>
-            <a:r>
-              <a:rPr lang="zh-CN" altLang="en-US" sz="1200">
-                <a:solidFill>
-                  <a:schemeClr val="tx1"/>
-                </a:solidFill>
-              </a:rPr>
-              <a:t>、每一个</a:t>
-            </a:r>
-            <a:r>
-              <a:rPr lang="en-US" altLang="zh-CN" sz="1200">
-                <a:solidFill>
-                  <a:schemeClr val="tx1"/>
-                </a:solidFill>
-              </a:rPr>
-              <a:t>jobId</a:t>
-            </a:r>
-            <a:r>
-              <a:rPr lang="zh-CN" altLang="en-US" sz="1200">
-                <a:solidFill>
-                  <a:schemeClr val="tx1"/>
-                </a:solidFill>
-              </a:rPr>
-              <a:t>对应一个线程类JobThread继承</a:t>
-            </a:r>
-            <a:r>
-              <a:rPr lang="en-US" altLang="zh-CN" sz="1200">
-                <a:solidFill>
-                  <a:schemeClr val="tx1"/>
-                </a:solidFill>
-              </a:rPr>
-              <a:t>Thread</a:t>
-            </a:r>
-            <a:r>
-              <a:rPr lang="zh-CN" altLang="en-US" sz="1200">
-                <a:solidFill>
-                  <a:schemeClr val="tx1"/>
-                </a:solidFill>
-              </a:rPr>
-              <a:t>类重写</a:t>
-            </a:r>
-            <a:r>
-              <a:rPr lang="en-US" altLang="zh-CN" sz="1200">
-                <a:solidFill>
-                  <a:schemeClr val="tx1"/>
-                </a:solidFill>
-              </a:rPr>
-              <a:t>run</a:t>
-            </a:r>
-            <a:r>
-              <a:rPr lang="zh-CN" altLang="en-US" sz="1200">
-                <a:solidFill>
-                  <a:schemeClr val="tx1"/>
-                </a:solidFill>
-              </a:rPr>
-              <a:t>方法，对应的</a:t>
-            </a:r>
-            <a:r>
-              <a:rPr lang="en-US" altLang="zh-CN" sz="1200">
-                <a:solidFill>
-                  <a:schemeClr val="tx1"/>
-                </a:solidFill>
-              </a:rPr>
-              <a:t>jobid</a:t>
-            </a:r>
-            <a:r>
-              <a:rPr lang="zh-CN" altLang="en-US" sz="1200">
-                <a:solidFill>
-                  <a:schemeClr val="tx1"/>
-                </a:solidFill>
-              </a:rPr>
-              <a:t>为</a:t>
-            </a:r>
-            <a:r>
-              <a:rPr lang="en-US" altLang="zh-CN" sz="1200">
-                <a:solidFill>
-                  <a:schemeClr val="tx1"/>
-                </a:solidFill>
-              </a:rPr>
-              <a:t>key</a:t>
-            </a:r>
-            <a:r>
-              <a:rPr lang="zh-CN" altLang="en-US" sz="1200">
-                <a:solidFill>
-                  <a:schemeClr val="tx1"/>
-                </a:solidFill>
-              </a:rPr>
-              <a:t>，</a:t>
-            </a:r>
-            <a:r>
-              <a:rPr lang="en-US" altLang="zh-CN" sz="1200">
-                <a:solidFill>
-                  <a:schemeClr val="tx1"/>
-                </a:solidFill>
-              </a:rPr>
-              <a:t>jobThread</a:t>
-            </a:r>
-            <a:r>
-              <a:rPr lang="zh-CN" altLang="en-US" sz="1200">
-                <a:solidFill>
-                  <a:schemeClr val="tx1"/>
-                </a:solidFill>
-              </a:rPr>
-              <a:t>对象为</a:t>
-            </a:r>
-            <a:r>
-              <a:rPr lang="en-US" altLang="zh-CN" sz="1200">
-                <a:solidFill>
-                  <a:schemeClr val="tx1"/>
-                </a:solidFill>
-              </a:rPr>
-              <a:t>value</a:t>
-            </a:r>
-            <a:r>
-              <a:rPr lang="zh-CN" altLang="en-US" sz="1200">
-                <a:solidFill>
-                  <a:schemeClr val="tx1"/>
-                </a:solidFill>
-              </a:rPr>
-              <a:t>存放到XxlJobExecutor的</a:t>
-            </a:r>
-            <a:r>
-              <a:rPr lang="zh-CN" altLang="en-US" sz="1200">
-                <a:solidFill>
-                  <a:schemeClr val="tx1"/>
-                </a:solidFill>
-              </a:rPr>
-              <a:t>ConcurrentHashMap&lt;Integer, JobThread&gt; jobThreadRepository中。</a:t>
-            </a:r>
-            <a:endParaRPr lang="zh-CN" altLang="en-US" sz="1200">
-              <a:solidFill>
-                <a:schemeClr val="tx1"/>
-              </a:solidFill>
-            </a:endParaRPr>
-          </a:p>
-          <a:p>
-            <a:r>
-              <a:rPr lang="en-US" altLang="zh-CN" sz="1200">
-                <a:solidFill>
-                  <a:schemeClr val="tx1"/>
-                </a:solidFill>
-              </a:rPr>
-              <a:t>2</a:t>
-            </a:r>
-            <a:r>
-              <a:rPr lang="zh-CN" altLang="en-US" sz="1200">
-                <a:solidFill>
-                  <a:schemeClr val="tx1"/>
-                </a:solidFill>
-              </a:rPr>
-              <a:t>、获取老的</a:t>
-            </a:r>
-            <a:r>
-              <a:rPr lang="en-US" altLang="zh-CN" sz="1200">
-                <a:solidFill>
-                  <a:schemeClr val="tx1"/>
-                </a:solidFill>
-              </a:rPr>
-              <a:t>jobThread</a:t>
-            </a:r>
-            <a:endParaRPr lang="en-US" altLang="zh-CN" sz="1200">
-              <a:solidFill>
-                <a:schemeClr val="tx1"/>
-              </a:solidFill>
-            </a:endParaRPr>
-          </a:p>
-          <a:p>
-            <a:r>
-              <a:rPr lang="en-US" altLang="zh-CN" sz="1200">
-                <a:solidFill>
-                  <a:schemeClr val="tx1"/>
-                </a:solidFill>
-              </a:rPr>
-              <a:t>3</a:t>
-            </a:r>
-            <a:r>
-              <a:rPr lang="zh-CN" altLang="en-US" sz="1200">
-                <a:solidFill>
-                  <a:schemeClr val="tx1"/>
-                </a:solidFill>
-              </a:rPr>
-              <a:t>、如果老的不存在，根据运行模式，BEAN模式直接从上述初始化</a:t>
-            </a:r>
-            <a:r>
-              <a:rPr lang="zh-CN" altLang="en-US" sz="1200">
-                <a:sym typeface="+mn-ea"/>
-              </a:rPr>
-              <a:t>XxlJobExecutor的ConcurrentHashMap&lt;String, IJobHandler&gt;类型的jobHandlerRepository中，通过传过来的</a:t>
-            </a:r>
-            <a:r>
-              <a:rPr lang="en-US" altLang="zh-CN" sz="1200">
-                <a:sym typeface="+mn-ea"/>
-              </a:rPr>
-              <a:t>handle</a:t>
-            </a:r>
-            <a:r>
-              <a:rPr lang="zh-CN" altLang="en-US" sz="1200">
-                <a:sym typeface="+mn-ea"/>
-              </a:rPr>
-              <a:t>的</a:t>
-            </a:r>
-            <a:r>
-              <a:rPr lang="en-US" altLang="zh-CN" sz="1200">
-                <a:sym typeface="+mn-ea"/>
-              </a:rPr>
-              <a:t>name</a:t>
-            </a:r>
-            <a:r>
-              <a:rPr lang="zh-CN" altLang="en-US" sz="1200">
-                <a:sym typeface="+mn-ea"/>
-              </a:rPr>
-              <a:t>也是我们后台配置的</a:t>
-            </a:r>
-            <a:r>
-              <a:rPr lang="en-US" altLang="zh-CN" sz="1200">
-                <a:sym typeface="+mn-ea"/>
-              </a:rPr>
-              <a:t>JobHandler</a:t>
-            </a:r>
-            <a:r>
-              <a:rPr lang="zh-CN" altLang="en-US" sz="1200">
-                <a:sym typeface="+mn-ea"/>
-              </a:rPr>
-              <a:t>的名称。获取对应的执行对象。</a:t>
-            </a:r>
-            <a:endParaRPr lang="zh-CN" altLang="en-US" sz="1200">
-              <a:sym typeface="+mn-ea"/>
-            </a:endParaRPr>
-          </a:p>
-          <a:p>
-            <a:r>
-              <a:rPr lang="en-US" altLang="zh-CN" sz="1200">
-                <a:solidFill>
-                  <a:schemeClr val="tx1"/>
-                </a:solidFill>
-                <a:sym typeface="+mn-ea"/>
-              </a:rPr>
-              <a:t>4</a:t>
-            </a:r>
-            <a:r>
-              <a:rPr lang="zh-CN" altLang="en-US" sz="1200">
-                <a:solidFill>
-                  <a:schemeClr val="tx1"/>
-                </a:solidFill>
-                <a:sym typeface="+mn-ea"/>
-              </a:rPr>
-              <a:t>、其他的后台编码方式，则根据传过来的</a:t>
-            </a:r>
-            <a:r>
-              <a:rPr lang="en-US" altLang="zh-CN" sz="1200">
-                <a:solidFill>
-                  <a:schemeClr val="tx1"/>
-                </a:solidFill>
-                <a:sym typeface="+mn-ea"/>
-              </a:rPr>
-              <a:t>glueSource</a:t>
-            </a:r>
-            <a:r>
-              <a:rPr lang="zh-CN" altLang="en-US" sz="1200">
-                <a:solidFill>
-                  <a:schemeClr val="tx1"/>
-                </a:solidFill>
-                <a:sym typeface="+mn-ea"/>
-              </a:rPr>
-              <a:t>参数也就是我们在后台的编码，存放到xxl_job_qrtz_trigger_info表的glue_source中的代码。（</a:t>
-            </a:r>
-            <a:r>
-              <a:rPr lang="zh-CN" altLang="en-US" sz="1200">
-                <a:solidFill>
-                  <a:srgbClr val="FF0000"/>
-                </a:solidFill>
-                <a:sym typeface="+mn-ea"/>
-              </a:rPr>
-              <a:t>这里可以想想</a:t>
-            </a:r>
-            <a:r>
-              <a:rPr lang="en-US" altLang="zh-CN" sz="1200">
-                <a:solidFill>
-                  <a:srgbClr val="FF0000"/>
-                </a:solidFill>
-                <a:sym typeface="+mn-ea"/>
-              </a:rPr>
-              <a:t>rpc</a:t>
-            </a:r>
-            <a:r>
-              <a:rPr lang="zh-CN" altLang="en-US" sz="1200">
-                <a:solidFill>
-                  <a:srgbClr val="FF0000"/>
-                </a:solidFill>
-                <a:sym typeface="+mn-ea"/>
-              </a:rPr>
-              <a:t>入参过来代码串的优缺点吧？</a:t>
-            </a:r>
-            <a:r>
-              <a:rPr lang="zh-CN" altLang="en-US" sz="1200">
-                <a:solidFill>
-                  <a:schemeClr val="tx1"/>
-                </a:solidFill>
-                <a:sym typeface="+mn-ea"/>
-              </a:rPr>
-              <a:t>），通过特定的GlueJobHandler</a:t>
-            </a:r>
-            <a:r>
-              <a:rPr lang="en-US" altLang="zh-CN" sz="1200">
-                <a:solidFill>
-                  <a:schemeClr val="tx1"/>
-                </a:solidFill>
-                <a:sym typeface="+mn-ea"/>
-              </a:rPr>
-              <a:t>/ScriptJobHandler</a:t>
-            </a:r>
-            <a:r>
-              <a:rPr lang="zh-CN" altLang="en-US" sz="1200">
-                <a:solidFill>
-                  <a:schemeClr val="tx1"/>
-                </a:solidFill>
-                <a:sym typeface="+mn-ea"/>
-              </a:rPr>
-              <a:t>实例化出来</a:t>
-            </a:r>
-            <a:r>
-              <a:rPr lang="en-US" altLang="zh-CN" sz="1200">
-                <a:solidFill>
-                  <a:schemeClr val="tx1"/>
-                </a:solidFill>
-                <a:sym typeface="+mn-ea"/>
-              </a:rPr>
-              <a:t>handler</a:t>
-            </a:r>
-            <a:r>
-              <a:rPr lang="zh-CN" altLang="en-US" sz="1200">
-                <a:solidFill>
-                  <a:schemeClr val="tx1"/>
-                </a:solidFill>
-                <a:sym typeface="+mn-ea"/>
-              </a:rPr>
-              <a:t>。（这里可以看到当前只支持</a:t>
-            </a:r>
-            <a:r>
-              <a:rPr lang="en-US" altLang="zh-CN" sz="1200">
-                <a:solidFill>
-                  <a:schemeClr val="tx1"/>
-                </a:solidFill>
-                <a:sym typeface="+mn-ea"/>
-              </a:rPr>
-              <a:t>java</a:t>
-            </a:r>
-            <a:r>
-              <a:rPr lang="zh-CN" altLang="en-US" sz="1200">
-                <a:solidFill>
-                  <a:schemeClr val="tx1"/>
-                </a:solidFill>
-                <a:sym typeface="+mn-ea"/>
-              </a:rPr>
-              <a:t>和</a:t>
-            </a:r>
-            <a:r>
-              <a:rPr lang="en-US" altLang="zh-CN" sz="1200">
-                <a:solidFill>
-                  <a:schemeClr val="tx1"/>
-                </a:solidFill>
-                <a:sym typeface="+mn-ea"/>
-              </a:rPr>
-              <a:t>js</a:t>
-            </a:r>
-            <a:r>
-              <a:rPr lang="zh-CN" altLang="en-US" sz="1200">
-                <a:solidFill>
-                  <a:schemeClr val="tx1"/>
-                </a:solidFill>
-                <a:sym typeface="+mn-ea"/>
-              </a:rPr>
-              <a:t>的方式</a:t>
-            </a:r>
-            <a:r>
-              <a:rPr lang="zh-CN" altLang="en-US" sz="1200">
-                <a:solidFill>
-                  <a:schemeClr val="tx1"/>
-                </a:solidFill>
-                <a:sym typeface="+mn-ea"/>
-              </a:rPr>
-              <a:t>）</a:t>
-            </a:r>
-            <a:endParaRPr lang="zh-CN" altLang="en-US" sz="1200">
-              <a:solidFill>
-                <a:schemeClr val="tx1"/>
-              </a:solidFill>
-              <a:sym typeface="+mn-ea"/>
-            </a:endParaRPr>
-          </a:p>
-          <a:p>
-            <a:r>
-              <a:rPr lang="en-US" altLang="zh-CN" sz="1200">
-                <a:solidFill>
-                  <a:schemeClr val="tx1"/>
-                </a:solidFill>
-                <a:sym typeface="+mn-ea"/>
-              </a:rPr>
-              <a:t>5</a:t>
-            </a:r>
-            <a:r>
-              <a:rPr lang="zh-CN" altLang="en-US" sz="1200">
-                <a:solidFill>
-                  <a:schemeClr val="tx1"/>
-                </a:solidFill>
-                <a:sym typeface="+mn-ea"/>
-              </a:rPr>
-              <a:t>、然后根据三种策略来选择，老的</a:t>
-            </a:r>
-            <a:r>
-              <a:rPr lang="en-US" altLang="zh-CN" sz="1200">
-                <a:solidFill>
-                  <a:schemeClr val="tx1"/>
-                </a:solidFill>
-                <a:sym typeface="+mn-ea"/>
-              </a:rPr>
-              <a:t>jobId</a:t>
-            </a:r>
-            <a:r>
-              <a:rPr lang="zh-CN" altLang="en-US" sz="1200">
-                <a:solidFill>
-                  <a:schemeClr val="tx1"/>
-                </a:solidFill>
-                <a:sym typeface="+mn-ea"/>
-              </a:rPr>
-              <a:t>还存在，丢弃运行模式则直接</a:t>
-            </a:r>
-            <a:r>
-              <a:rPr lang="en-US" altLang="zh-CN" sz="1200">
-                <a:solidFill>
-                  <a:schemeClr val="tx1"/>
-                </a:solidFill>
-                <a:sym typeface="+mn-ea"/>
-              </a:rPr>
-              <a:t>return</a:t>
-            </a:r>
-            <a:r>
-              <a:rPr lang="zh-CN" altLang="en-US" sz="1200">
-                <a:solidFill>
-                  <a:schemeClr val="tx1"/>
-                </a:solidFill>
-                <a:sym typeface="+mn-ea"/>
-              </a:rPr>
-              <a:t>，覆盖的话，就是调用</a:t>
-            </a:r>
-            <a:r>
-              <a:rPr lang="en-US" altLang="zh-CN" sz="1200">
-                <a:solidFill>
-                  <a:schemeClr val="tx1"/>
-                </a:solidFill>
-                <a:sym typeface="+mn-ea"/>
-              </a:rPr>
-              <a:t>register</a:t>
-            </a:r>
-            <a:r>
-              <a:rPr lang="zh-CN" altLang="en-US" sz="1200">
-                <a:solidFill>
-                  <a:schemeClr val="tx1"/>
-                </a:solidFill>
-                <a:sym typeface="+mn-ea"/>
-              </a:rPr>
-              <a:t>方法，</a:t>
-            </a:r>
-            <a:r>
-              <a:rPr lang="en-US" altLang="zh-CN" sz="1200">
-                <a:solidFill>
-                  <a:schemeClr val="tx1"/>
-                </a:solidFill>
-                <a:sym typeface="+mn-ea"/>
-              </a:rPr>
-              <a:t>new</a:t>
-            </a:r>
-            <a:r>
-              <a:rPr lang="zh-CN" altLang="en-US" sz="1200">
-                <a:solidFill>
-                  <a:schemeClr val="tx1"/>
-                </a:solidFill>
-                <a:sym typeface="+mn-ea"/>
-              </a:rPr>
-              <a:t>新的</a:t>
-            </a:r>
-            <a:r>
-              <a:rPr lang="en-US" altLang="zh-CN" sz="1200">
-                <a:solidFill>
-                  <a:schemeClr val="tx1"/>
-                </a:solidFill>
-                <a:sym typeface="+mn-ea"/>
-              </a:rPr>
-              <a:t>JobThread</a:t>
-            </a:r>
-            <a:r>
-              <a:rPr lang="zh-CN" altLang="en-US" sz="1200">
-                <a:solidFill>
-                  <a:schemeClr val="tx1"/>
-                </a:solidFill>
-                <a:sym typeface="+mn-ea"/>
-              </a:rPr>
-              <a:t>并且</a:t>
-            </a:r>
-            <a:r>
-              <a:rPr lang="en-US" altLang="zh-CN" sz="1200">
-                <a:solidFill>
-                  <a:schemeClr val="tx1"/>
-                </a:solidFill>
-                <a:sym typeface="+mn-ea"/>
-              </a:rPr>
-              <a:t>start</a:t>
-            </a:r>
-            <a:r>
-              <a:rPr lang="zh-CN" altLang="en-US" sz="1200">
-                <a:solidFill>
-                  <a:schemeClr val="tx1"/>
-                </a:solidFill>
-                <a:sym typeface="+mn-ea"/>
-              </a:rPr>
-              <a:t>。老的</a:t>
-            </a:r>
-            <a:r>
-              <a:rPr lang="en-US" altLang="zh-CN" sz="1200">
-                <a:solidFill>
-                  <a:schemeClr val="tx1"/>
-                </a:solidFill>
-                <a:sym typeface="+mn-ea"/>
-              </a:rPr>
-              <a:t>stop</a:t>
-            </a:r>
-            <a:r>
-              <a:rPr lang="zh-CN" altLang="en-US" sz="1200">
-                <a:solidFill>
-                  <a:schemeClr val="tx1"/>
-                </a:solidFill>
-                <a:sym typeface="+mn-ea"/>
-              </a:rPr>
-              <a:t>，再中断。最后放到新的</a:t>
-            </a:r>
-            <a:r>
-              <a:rPr lang="en-US" altLang="zh-CN" sz="1200">
-                <a:solidFill>
-                  <a:schemeClr val="tx1"/>
-                </a:solidFill>
-                <a:sym typeface="+mn-ea"/>
-              </a:rPr>
-              <a:t>jobThread</a:t>
-            </a:r>
-            <a:r>
-              <a:rPr lang="zh-CN" altLang="en-US" sz="1200">
-                <a:solidFill>
-                  <a:schemeClr val="tx1"/>
-                </a:solidFill>
-                <a:sym typeface="+mn-ea"/>
-              </a:rPr>
-              <a:t>中的LinkedBlockingQueue&lt;TriggerParam&gt; triggerQueue中</a:t>
-            </a:r>
-            <a:r>
-              <a:rPr lang="en-US" altLang="zh-CN" sz="1200">
-                <a:solidFill>
-                  <a:schemeClr val="tx1"/>
-                </a:solidFill>
-                <a:sym typeface="+mn-ea"/>
-              </a:rPr>
-              <a:t>,</a:t>
-            </a:r>
-            <a:r>
-              <a:rPr lang="zh-CN" altLang="en-US" sz="1200">
-                <a:solidFill>
-                  <a:schemeClr val="tx1"/>
-                </a:solidFill>
-                <a:sym typeface="+mn-ea"/>
-              </a:rPr>
-              <a:t>单机串行则直接放到老的阻塞队列中。</a:t>
-            </a:r>
-            <a:endParaRPr lang="zh-CN" altLang="en-US" sz="1200">
-              <a:solidFill>
-                <a:schemeClr val="tx1"/>
-              </a:solidFill>
-              <a:sym typeface="+mn-ea"/>
-            </a:endParaRPr>
-          </a:p>
-          <a:p>
-            <a:r>
-              <a:rPr lang="en-US" altLang="zh-CN" sz="1200" b="1">
-                <a:solidFill>
-                  <a:schemeClr val="tx1"/>
-                </a:solidFill>
-                <a:sym typeface="+mn-ea"/>
-              </a:rPr>
-              <a:t>JobThread</a:t>
-            </a:r>
-            <a:r>
-              <a:rPr lang="zh-CN" altLang="en-US" sz="1200" b="1">
-                <a:solidFill>
-                  <a:schemeClr val="tx1"/>
-                </a:solidFill>
-                <a:sym typeface="+mn-ea"/>
-              </a:rPr>
-              <a:t>的</a:t>
-            </a:r>
-            <a:r>
-              <a:rPr lang="en-US" altLang="zh-CN" sz="1200" b="1">
-                <a:solidFill>
-                  <a:schemeClr val="tx1"/>
-                </a:solidFill>
-                <a:sym typeface="+mn-ea"/>
-              </a:rPr>
-              <a:t>run()</a:t>
-            </a:r>
-            <a:r>
-              <a:rPr lang="zh-CN" altLang="en-US" sz="1200" b="1">
-                <a:solidFill>
-                  <a:schemeClr val="tx1"/>
-                </a:solidFill>
-                <a:sym typeface="+mn-ea"/>
-              </a:rPr>
-              <a:t>。</a:t>
-            </a:r>
-            <a:endParaRPr lang="zh-CN" altLang="en-US" sz="1200">
-              <a:solidFill>
-                <a:schemeClr val="tx1"/>
-              </a:solidFill>
-              <a:sym typeface="+mn-ea"/>
-            </a:endParaRPr>
-          </a:p>
-          <a:p>
-            <a:r>
-              <a:rPr lang="en-US" altLang="zh-CN" sz="1200">
-                <a:solidFill>
-                  <a:schemeClr val="tx1"/>
-                </a:solidFill>
-                <a:sym typeface="+mn-ea"/>
-              </a:rPr>
-              <a:t>1</a:t>
-            </a:r>
-            <a:r>
-              <a:rPr lang="zh-CN" altLang="en-US" sz="1200">
-                <a:solidFill>
-                  <a:schemeClr val="tx1"/>
-                </a:solidFill>
-                <a:sym typeface="+mn-ea"/>
-              </a:rPr>
-              <a:t>、无线循环，triggerQueue.poll(3L, TimeUnit.SECONDS)三秒内从阻塞队列中获取到值。否则抛异常（程序是先</a:t>
-            </a:r>
-            <a:r>
-              <a:rPr lang="en-US" altLang="zh-CN" sz="1200">
-                <a:solidFill>
-                  <a:schemeClr val="tx1"/>
-                </a:solidFill>
-                <a:sym typeface="+mn-ea"/>
-              </a:rPr>
-              <a:t>start</a:t>
-            </a:r>
-            <a:r>
-              <a:rPr lang="zh-CN" altLang="en-US" sz="1200">
-                <a:solidFill>
-                  <a:schemeClr val="tx1"/>
-                </a:solidFill>
-                <a:sym typeface="+mn-ea"/>
-              </a:rPr>
-              <a:t>后</a:t>
-            </a:r>
-            <a:r>
-              <a:rPr lang="en-US" altLang="zh-CN" sz="1200">
-                <a:solidFill>
-                  <a:schemeClr val="tx1"/>
-                </a:solidFill>
-                <a:sym typeface="+mn-ea"/>
-              </a:rPr>
-              <a:t>add</a:t>
-            </a:r>
-            <a:r>
-              <a:rPr lang="zh-CN" altLang="en-US" sz="1200">
-                <a:solidFill>
-                  <a:schemeClr val="tx1"/>
-                </a:solidFill>
-                <a:sym typeface="+mn-ea"/>
-              </a:rPr>
-              <a:t>到队列的），使用</a:t>
-            </a:r>
-            <a:r>
-              <a:rPr lang="en-US" altLang="zh-CN" sz="1200">
-                <a:solidFill>
-                  <a:schemeClr val="tx1"/>
-                </a:solidFill>
-                <a:sym typeface="+mn-ea"/>
-              </a:rPr>
-              <a:t>pull</a:t>
-            </a:r>
-            <a:r>
-              <a:rPr lang="zh-CN" altLang="en-US" sz="1200">
-                <a:solidFill>
-                  <a:schemeClr val="tx1"/>
-                </a:solidFill>
-                <a:sym typeface="+mn-ea"/>
-              </a:rPr>
-              <a:t>当为</a:t>
-            </a:r>
-            <a:r>
-              <a:rPr lang="en-US" altLang="zh-CN" sz="1200">
-                <a:solidFill>
-                  <a:schemeClr val="tx1"/>
-                </a:solidFill>
-                <a:sym typeface="+mn-ea"/>
-              </a:rPr>
-              <a:t>null</a:t>
-            </a:r>
-            <a:r>
-              <a:rPr lang="zh-CN" altLang="en-US" sz="1200">
-                <a:solidFill>
-                  <a:schemeClr val="tx1"/>
-                </a:solidFill>
-                <a:sym typeface="+mn-ea"/>
-              </a:rPr>
-              <a:t>的时候不阻塞返回</a:t>
-            </a:r>
-            <a:r>
-              <a:rPr lang="en-US" altLang="zh-CN" sz="1200">
-                <a:solidFill>
-                  <a:schemeClr val="tx1"/>
-                </a:solidFill>
-                <a:sym typeface="+mn-ea"/>
-              </a:rPr>
-              <a:t>null</a:t>
-            </a:r>
-            <a:r>
-              <a:rPr lang="zh-CN" altLang="en-US" sz="1200">
-                <a:solidFill>
-                  <a:schemeClr val="tx1"/>
-                </a:solidFill>
-                <a:sym typeface="+mn-ea"/>
-              </a:rPr>
-              <a:t>。</a:t>
-            </a:r>
-            <a:endParaRPr lang="zh-CN" altLang="en-US" sz="1200">
-              <a:solidFill>
-                <a:schemeClr val="tx1"/>
-              </a:solidFill>
-              <a:sym typeface="+mn-ea"/>
-            </a:endParaRPr>
-          </a:p>
-          <a:p>
-            <a:r>
-              <a:rPr lang="en-US" altLang="zh-CN" sz="1200">
-                <a:solidFill>
-                  <a:schemeClr val="tx1"/>
-                </a:solidFill>
-                <a:sym typeface="+mn-ea"/>
-              </a:rPr>
-              <a:t>2</a:t>
-            </a:r>
-            <a:r>
-              <a:rPr lang="zh-CN" altLang="en-US" sz="1200">
-                <a:solidFill>
-                  <a:schemeClr val="tx1"/>
-                </a:solidFill>
-                <a:sym typeface="+mn-ea"/>
-              </a:rPr>
-              <a:t>、</a:t>
-            </a:r>
-            <a:r>
-              <a:rPr lang="zh-CN" sz="1200">
-                <a:solidFill>
-                  <a:schemeClr val="tx1"/>
-                </a:solidFill>
-                <a:sym typeface="+mn-ea"/>
-              </a:rPr>
-              <a:t>初始日志路径和日志名称（InheritableThreadLocal类型可以了解一下，继承父线程的ThreadLocal变量特性）</a:t>
-            </a:r>
-            <a:endParaRPr lang="zh-CN" sz="1200">
-              <a:solidFill>
-                <a:schemeClr val="tx1"/>
-              </a:solidFill>
-              <a:sym typeface="+mn-ea"/>
-            </a:endParaRPr>
-          </a:p>
-          <a:p>
-            <a:r>
-              <a:rPr lang="en-US" altLang="zh-CN" sz="1200">
-                <a:solidFill>
-                  <a:schemeClr val="tx1"/>
-                </a:solidFill>
-                <a:sym typeface="+mn-ea"/>
-              </a:rPr>
-              <a:t>3</a:t>
-            </a:r>
-            <a:r>
-              <a:rPr lang="zh-CN" altLang="en-US" sz="1200">
-                <a:solidFill>
-                  <a:schemeClr val="tx1"/>
-                </a:solidFill>
-                <a:sym typeface="+mn-ea"/>
-              </a:rPr>
-              <a:t>、设置分片参数（</a:t>
-            </a:r>
-            <a:r>
-              <a:rPr lang="zh-CN" altLang="en-US" sz="1200">
-                <a:solidFill>
-                  <a:srgbClr val="FF0000"/>
-                </a:solidFill>
-                <a:sym typeface="+mn-ea"/>
-              </a:rPr>
-              <a:t>这里也是为什么我们的</a:t>
-            </a:r>
-            <a:r>
-              <a:rPr lang="en-US" altLang="zh-CN" sz="1200">
-                <a:solidFill>
-                  <a:srgbClr val="FF0000"/>
-                </a:solidFill>
-                <a:sym typeface="+mn-ea"/>
-              </a:rPr>
-              <a:t>handler</a:t>
-            </a:r>
-            <a:r>
-              <a:rPr lang="zh-CN" altLang="en-US" sz="1200">
-                <a:solidFill>
-                  <a:srgbClr val="FF0000"/>
-                </a:solidFill>
-                <a:sym typeface="+mn-ea"/>
-              </a:rPr>
-              <a:t>里面可以直接获取到分片参数的原因</a:t>
-            </a:r>
-            <a:r>
-              <a:rPr lang="zh-CN" altLang="en-US" sz="1200">
-                <a:solidFill>
-                  <a:schemeClr val="tx1"/>
-                </a:solidFill>
-                <a:sym typeface="+mn-ea"/>
-              </a:rPr>
-              <a:t>）</a:t>
-            </a:r>
-            <a:endParaRPr lang="zh-CN" altLang="en-US" sz="1200">
-              <a:solidFill>
-                <a:schemeClr val="tx1"/>
-              </a:solidFill>
-              <a:sym typeface="+mn-ea"/>
-            </a:endParaRPr>
-          </a:p>
-          <a:p>
-            <a:r>
-              <a:rPr lang="en-US" altLang="zh-CN" sz="1200">
-                <a:solidFill>
-                  <a:schemeClr val="tx1"/>
-                </a:solidFill>
-                <a:sym typeface="+mn-ea"/>
-              </a:rPr>
-              <a:t>4</a:t>
-            </a:r>
-            <a:r>
-              <a:rPr lang="zh-CN" altLang="en-US" sz="1200">
-                <a:solidFill>
-                  <a:schemeClr val="tx1"/>
-                </a:solidFill>
-                <a:sym typeface="+mn-ea"/>
-              </a:rPr>
-              <a:t>、handler.execute(</a:t>
-            </a:r>
-            <a:r>
-              <a:rPr lang="en-US" altLang="zh-CN" sz="1200">
-                <a:solidFill>
-                  <a:schemeClr val="tx1"/>
-                </a:solidFill>
-                <a:sym typeface="+mn-ea"/>
-              </a:rPr>
-              <a:t>)</a:t>
-            </a:r>
-            <a:r>
-              <a:rPr lang="zh-CN" altLang="en-US" sz="1200">
-                <a:solidFill>
-                  <a:schemeClr val="tx1"/>
-                </a:solidFill>
-                <a:sym typeface="+mn-ea"/>
-              </a:rPr>
-              <a:t>执行，相对应的</a:t>
-            </a:r>
-            <a:r>
-              <a:rPr lang="en-US" altLang="zh-CN" sz="1200">
-                <a:solidFill>
-                  <a:schemeClr val="tx1"/>
-                </a:solidFill>
-                <a:sym typeface="+mn-ea"/>
-              </a:rPr>
-              <a:t>handler</a:t>
-            </a:r>
-            <a:r>
-              <a:rPr lang="zh-CN" altLang="en-US" sz="1200">
-                <a:solidFill>
-                  <a:schemeClr val="tx1"/>
-                </a:solidFill>
-                <a:sym typeface="+mn-ea"/>
-              </a:rPr>
-              <a:t>实现类。如果超时则再</a:t>
-            </a:r>
-            <a:r>
-              <a:rPr lang="en-US" altLang="zh-CN" sz="1200">
-                <a:solidFill>
-                  <a:schemeClr val="tx1"/>
-                </a:solidFill>
-                <a:sym typeface="+mn-ea"/>
-              </a:rPr>
-              <a:t>new </a:t>
-            </a:r>
-            <a:r>
-              <a:rPr lang="zh-CN" altLang="en-US" sz="1200">
-                <a:solidFill>
-                  <a:schemeClr val="tx1"/>
-                </a:solidFill>
-                <a:sym typeface="+mn-ea"/>
-              </a:rPr>
-              <a:t>一个FutureTask异步执行。</a:t>
-            </a:r>
-            <a:endParaRPr lang="zh-CN" altLang="en-US" sz="1200">
-              <a:solidFill>
-                <a:schemeClr val="tx1"/>
-              </a:solidFill>
-              <a:sym typeface="+mn-ea"/>
-            </a:endParaRPr>
-          </a:p>
-          <a:p>
-            <a:r>
-              <a:rPr lang="en-US" altLang="zh-CN" sz="1200">
-                <a:solidFill>
-                  <a:schemeClr val="tx1"/>
-                </a:solidFill>
-                <a:sym typeface="+mn-ea"/>
-              </a:rPr>
-              <a:t>5</a:t>
-            </a:r>
-            <a:r>
-              <a:rPr lang="zh-CN" altLang="en-US" sz="1200">
-                <a:solidFill>
-                  <a:schemeClr val="tx1"/>
-                </a:solidFill>
-                <a:sym typeface="+mn-ea"/>
-              </a:rPr>
-              <a:t>、最后就是处理返回执行结果，异常处理，日志等。在</a:t>
-            </a:r>
-            <a:r>
-              <a:rPr lang="en-US" altLang="zh-CN" sz="1200">
-                <a:solidFill>
-                  <a:schemeClr val="tx1"/>
-                </a:solidFill>
-                <a:sym typeface="+mn-ea"/>
-              </a:rPr>
-              <a:t>finally</a:t>
-            </a:r>
-            <a:r>
-              <a:rPr lang="zh-CN" altLang="en-US" sz="1200">
-                <a:solidFill>
-                  <a:schemeClr val="tx1"/>
-                </a:solidFill>
-                <a:sym typeface="+mn-ea"/>
-              </a:rPr>
-              <a:t>后面TriggerCallbackThread.pushCallBack(</a:t>
-            </a:r>
-            <a:r>
-              <a:rPr lang="en-US" altLang="zh-CN" sz="1200">
-                <a:solidFill>
-                  <a:schemeClr val="tx1"/>
-                </a:solidFill>
-                <a:sym typeface="+mn-ea"/>
-              </a:rPr>
-              <a:t>)</a:t>
-            </a:r>
-            <a:r>
-              <a:rPr lang="zh-CN" altLang="en-US" sz="1200">
-                <a:solidFill>
-                  <a:schemeClr val="tx1"/>
-                </a:solidFill>
-                <a:sym typeface="+mn-ea"/>
-              </a:rPr>
-              <a:t>也就是发送到回调守护线程的阻塞队列中去执行。</a:t>
-            </a:r>
-            <a:endParaRPr lang="zh-CN" altLang="en-US" sz="1200">
-              <a:solidFill>
-                <a:schemeClr val="tx1"/>
-              </a:solidFill>
-              <a:sym typeface="+mn-ea"/>
-            </a:endParaRPr>
-          </a:p>
-          <a:p>
-            <a:r>
-              <a:rPr lang="en-US" altLang="zh-CN" sz="1200">
-                <a:solidFill>
-                  <a:schemeClr val="tx1"/>
-                </a:solidFill>
-                <a:sym typeface="+mn-ea"/>
-              </a:rPr>
-              <a:t>6</a:t>
-            </a:r>
-            <a:r>
-              <a:rPr lang="zh-CN" altLang="en-US" sz="1200">
-                <a:solidFill>
-                  <a:schemeClr val="tx1"/>
-                </a:solidFill>
-                <a:sym typeface="+mn-ea"/>
-              </a:rPr>
-              <a:t>、阻塞队列的参数为空，并且循环次数</a:t>
-            </a:r>
-            <a:r>
-              <a:rPr lang="en-US" altLang="zh-CN" sz="1200">
-                <a:solidFill>
-                  <a:schemeClr val="tx1"/>
-                </a:solidFill>
-                <a:sym typeface="+mn-ea"/>
-              </a:rPr>
-              <a:t>30</a:t>
-            </a:r>
-            <a:r>
-              <a:rPr lang="zh-CN" altLang="en-US" sz="1200">
-                <a:solidFill>
-                  <a:schemeClr val="tx1"/>
-                </a:solidFill>
-                <a:sym typeface="+mn-ea"/>
-              </a:rPr>
-              <a:t>次后，则移除这个</a:t>
-            </a:r>
-            <a:r>
-              <a:rPr lang="en-US" altLang="zh-CN" sz="1200">
-                <a:solidFill>
-                  <a:schemeClr val="tx1"/>
-                </a:solidFill>
-                <a:sym typeface="+mn-ea"/>
-              </a:rPr>
-              <a:t>jobId</a:t>
-            </a:r>
-            <a:r>
-              <a:rPr lang="zh-CN" altLang="en-US" sz="1200">
-                <a:solidFill>
-                  <a:schemeClr val="tx1"/>
-                </a:solidFill>
-                <a:sym typeface="+mn-ea"/>
-              </a:rPr>
-              <a:t>的任务。</a:t>
-            </a:r>
-            <a:endParaRPr lang="zh-CN" altLang="en-US" sz="1200">
-              <a:solidFill>
-                <a:schemeClr val="tx1"/>
-              </a:solidFill>
-              <a:sym typeface="+mn-ea"/>
-            </a:endParaRPr>
-          </a:p>
-        </p:txBody>
-      </p:sp>
-      <p:pic>
-        <p:nvPicPr>
-          <p:cNvPr id="6" name="图片 5"/>
-          <p:cNvPicPr>
-            <a:picLocks noChangeAspect="1"/>
-          </p:cNvPicPr>
-          <p:nvPr/>
-        </p:nvPicPr>
-        <p:blipFill>
-          <a:blip r:embed="rId1"/>
-          <a:stretch>
-            <a:fillRect/>
-          </a:stretch>
-        </p:blipFill>
-        <p:spPr>
-          <a:xfrm>
-            <a:off x="8235315" y="2297430"/>
-            <a:ext cx="2941955" cy="1113155"/>
           </a:xfrm>
           <a:prstGeom prst="rect">
             <a:avLst/>
@@ -9041,31 +7721,45 @@
           <a:p>
             <a:pPr algn="ctr"/>
             <a:r>
-              <a:rPr lang="en-US" altLang="zh-CN"/>
-              <a:t>5</a:t>
-            </a:r>
-            <a:r>
-              <a:rPr lang="zh-CN" altLang="en-US"/>
-              <a:t>、回调</a:t>
-            </a:r>
-            <a:r>
-              <a:rPr lang="en-US" altLang="zh-CN"/>
-              <a:t>admin</a:t>
-            </a:r>
-            <a:endParaRPr lang="zh-CN" altLang="en-US"/>
-          </a:p>
-        </p:txBody>
-      </p:sp>
-      <p:sp>
-        <p:nvSpPr>
-          <p:cNvPr id="3" name="文本框 2"/>
+              <a:rPr lang="en-US" altLang="zh-CN">
+                <a:sym typeface="+mn-ea"/>
+              </a:rPr>
+              <a:t>2</a:t>
+            </a:r>
+            <a:r>
+              <a:rPr lang="zh-CN" altLang="en-US">
+                <a:sym typeface="+mn-ea"/>
+              </a:rPr>
+              <a:t>、</a:t>
+            </a:r>
+            <a:r>
+              <a:rPr lang="en-US" altLang="zh-CN">
+                <a:sym typeface="+mn-ea"/>
+              </a:rPr>
+              <a:t>task</a:t>
+            </a:r>
+            <a:r>
+              <a:rPr lang="zh-CN" altLang="en-US">
+                <a:sym typeface="+mn-ea"/>
+              </a:rPr>
+              <a:t>执行源码解析</a:t>
+            </a:r>
+            <a:endParaRPr lang="zh-CN" altLang="en-US">
+              <a:sym typeface="+mn-ea"/>
+            </a:endParaRPr>
+          </a:p>
+        </p:txBody>
+      </p:sp>
+      <p:sp>
+        <p:nvSpPr>
+          <p:cNvPr id="4" name="文本框 3"/>
           <p:cNvSpPr txBox="1"/>
           <p:nvPr/>
         </p:nvSpPr>
         <p:spPr>
           <a:xfrm>
-            <a:off x="1250315" y="1691005"/>
-            <a:ext cx="9951085" cy="829945"/>
+            <a:off x="1519555" y="1514475"/>
+            <a:ext cx="6715760" cy="4523105"/>
           </a:xfrm>
           <a:prstGeom prst="rect">
             <a:avLst/>
@@ -9073,74 +7767,1075 @@
           <a:noFill/>
         </p:spPr>
         <p:txBody>
-          <a:bodyPr wrap="square" rtlCol="0" anchor="t">
+          <a:bodyPr wrap="square" rtlCol="0">
             <a:spAutoFit/>
           </a:bodyPr>
           <a:p>
             <a:r>
-              <a:rPr lang="zh-CN" altLang="en-US" sz="1200" b="1"/>
-              <a:t>回调回</a:t>
-            </a:r>
-            <a:r>
-              <a:rPr lang="en-US" altLang="zh-CN" sz="1200" b="1"/>
-              <a:t>admin</a:t>
-            </a:r>
-            <a:r>
-              <a:rPr lang="zh-CN" altLang="en-US" sz="1200" b="1"/>
-              <a:t>后的调用，AdminBizImpl的callback</a:t>
-            </a:r>
-            <a:r>
-              <a:rPr lang="zh-CN" altLang="en-US" sz="1200" b="1"/>
+              <a:rPr lang="zh-CN" altLang="en-US" sz="1200" b="1">
+                <a:solidFill>
+                  <a:schemeClr val="tx1"/>
+                </a:solidFill>
+              </a:rPr>
+              <a:t>ExecutorBizImpl的</a:t>
+            </a:r>
+            <a:r>
+              <a:rPr lang="en-US" altLang="zh-CN" sz="1200" b="1">
+                <a:solidFill>
+                  <a:schemeClr val="tx1"/>
+                </a:solidFill>
+              </a:rPr>
+              <a:t>run</a:t>
+            </a:r>
+            <a:r>
+              <a:rPr lang="zh-CN" altLang="en-US" sz="1200" b="1">
+                <a:solidFill>
+                  <a:schemeClr val="tx1"/>
+                </a:solidFill>
+              </a:rPr>
+              <a:t>方法</a:t>
+            </a:r>
+            <a:endParaRPr lang="zh-CN" altLang="en-US" sz="1200">
+              <a:solidFill>
+                <a:srgbClr val="FF0000"/>
+              </a:solidFill>
+            </a:endParaRPr>
+          </a:p>
+          <a:p>
+            <a:r>
+              <a:rPr lang="en-US" altLang="zh-CN" sz="1200">
+                <a:solidFill>
+                  <a:schemeClr val="tx1"/>
+                </a:solidFill>
+              </a:rPr>
+              <a:t>1</a:t>
+            </a:r>
+            <a:r>
+              <a:rPr lang="zh-CN" altLang="en-US" sz="1200">
+                <a:solidFill>
+                  <a:schemeClr val="tx1"/>
+                </a:solidFill>
+              </a:rPr>
+              <a:t>、每一个</a:t>
+            </a:r>
+            <a:r>
+              <a:rPr lang="en-US" altLang="zh-CN" sz="1200">
+                <a:solidFill>
+                  <a:schemeClr val="tx1"/>
+                </a:solidFill>
+              </a:rPr>
+              <a:t>jobId</a:t>
+            </a:r>
+            <a:r>
+              <a:rPr lang="zh-CN" altLang="en-US" sz="1200">
+                <a:solidFill>
+                  <a:schemeClr val="tx1"/>
+                </a:solidFill>
+              </a:rPr>
+              <a:t>对应一个线程类JobThread继承</a:t>
+            </a:r>
+            <a:r>
+              <a:rPr lang="en-US" altLang="zh-CN" sz="1200">
+                <a:solidFill>
+                  <a:schemeClr val="tx1"/>
+                </a:solidFill>
+              </a:rPr>
+              <a:t>Thread</a:t>
+            </a:r>
+            <a:r>
+              <a:rPr lang="zh-CN" altLang="en-US" sz="1200">
+                <a:solidFill>
+                  <a:schemeClr val="tx1"/>
+                </a:solidFill>
+              </a:rPr>
+              <a:t>类重写</a:t>
+            </a:r>
+            <a:r>
+              <a:rPr lang="en-US" altLang="zh-CN" sz="1200">
+                <a:solidFill>
+                  <a:schemeClr val="tx1"/>
+                </a:solidFill>
+              </a:rPr>
+              <a:t>run</a:t>
+            </a:r>
+            <a:r>
+              <a:rPr lang="zh-CN" altLang="en-US" sz="1200">
+                <a:solidFill>
+                  <a:schemeClr val="tx1"/>
+                </a:solidFill>
+              </a:rPr>
+              <a:t>方法，对应的</a:t>
+            </a:r>
+            <a:r>
+              <a:rPr lang="en-US" altLang="zh-CN" sz="1200">
+                <a:solidFill>
+                  <a:schemeClr val="tx1"/>
+                </a:solidFill>
+              </a:rPr>
+              <a:t>jobid</a:t>
+            </a:r>
+            <a:r>
+              <a:rPr lang="zh-CN" altLang="en-US" sz="1200">
+                <a:solidFill>
+                  <a:schemeClr val="tx1"/>
+                </a:solidFill>
+              </a:rPr>
+              <a:t>为</a:t>
+            </a:r>
+            <a:r>
+              <a:rPr lang="en-US" altLang="zh-CN" sz="1200">
+                <a:solidFill>
+                  <a:schemeClr val="tx1"/>
+                </a:solidFill>
+              </a:rPr>
+              <a:t>key</a:t>
+            </a:r>
+            <a:r>
+              <a:rPr lang="zh-CN" altLang="en-US" sz="1200">
+                <a:solidFill>
+                  <a:schemeClr val="tx1"/>
+                </a:solidFill>
+              </a:rPr>
+              <a:t>，</a:t>
+            </a:r>
+            <a:r>
+              <a:rPr lang="en-US" altLang="zh-CN" sz="1200">
+                <a:solidFill>
+                  <a:schemeClr val="tx1"/>
+                </a:solidFill>
+              </a:rPr>
+              <a:t>jobThread</a:t>
+            </a:r>
+            <a:r>
+              <a:rPr lang="zh-CN" altLang="en-US" sz="1200">
+                <a:solidFill>
+                  <a:schemeClr val="tx1"/>
+                </a:solidFill>
+              </a:rPr>
+              <a:t>对象为</a:t>
+            </a:r>
+            <a:r>
+              <a:rPr lang="en-US" altLang="zh-CN" sz="1200">
+                <a:solidFill>
+                  <a:schemeClr val="tx1"/>
+                </a:solidFill>
+              </a:rPr>
+              <a:t>value</a:t>
+            </a:r>
+            <a:r>
+              <a:rPr lang="zh-CN" altLang="en-US" sz="1200">
+                <a:solidFill>
+                  <a:schemeClr val="tx1"/>
+                </a:solidFill>
+              </a:rPr>
+              <a:t>存放到XxlJobExecutor的ConcurrentHashMap&lt;Integer, JobThread&gt; jobThreadRepository中。</a:t>
+            </a:r>
+            <a:endParaRPr lang="zh-CN" altLang="en-US" sz="1200">
+              <a:solidFill>
+                <a:schemeClr val="tx1"/>
+              </a:solidFill>
+            </a:endParaRPr>
+          </a:p>
+          <a:p>
+            <a:r>
+              <a:rPr lang="en-US" altLang="zh-CN" sz="1200">
+                <a:solidFill>
+                  <a:schemeClr val="tx1"/>
+                </a:solidFill>
+              </a:rPr>
+              <a:t>2</a:t>
+            </a:r>
+            <a:r>
+              <a:rPr lang="zh-CN" altLang="en-US" sz="1200">
+                <a:solidFill>
+                  <a:schemeClr val="tx1"/>
+                </a:solidFill>
+              </a:rPr>
+              <a:t>、获取老的</a:t>
+            </a:r>
+            <a:r>
+              <a:rPr lang="en-US" altLang="zh-CN" sz="1200">
+                <a:solidFill>
+                  <a:schemeClr val="tx1"/>
+                </a:solidFill>
+              </a:rPr>
+              <a:t>jobThread</a:t>
+            </a:r>
+            <a:endParaRPr lang="en-US" altLang="zh-CN" sz="1200">
+              <a:solidFill>
+                <a:schemeClr val="tx1"/>
+              </a:solidFill>
+            </a:endParaRPr>
+          </a:p>
+          <a:p>
+            <a:r>
+              <a:rPr lang="en-US" altLang="zh-CN" sz="1200">
+                <a:solidFill>
+                  <a:schemeClr val="tx1"/>
+                </a:solidFill>
+              </a:rPr>
+              <a:t>3</a:t>
+            </a:r>
+            <a:r>
+              <a:rPr lang="zh-CN" altLang="en-US" sz="1200">
+                <a:solidFill>
+                  <a:schemeClr val="tx1"/>
+                </a:solidFill>
+              </a:rPr>
+              <a:t>、如果老的不存在，根据运行模式，BEAN模式直接从上述初始化</a:t>
+            </a:r>
+            <a:r>
+              <a:rPr lang="zh-CN" altLang="en-US" sz="1200">
+                <a:sym typeface="+mn-ea"/>
+              </a:rPr>
+              <a:t>XxlJobExecutor的ConcurrentHashMap&lt;String, IJobHandler&gt;类型的jobHandlerRepository中，通过传过来的</a:t>
+            </a:r>
+            <a:r>
+              <a:rPr lang="en-US" altLang="zh-CN" sz="1200">
+                <a:sym typeface="+mn-ea"/>
+              </a:rPr>
+              <a:t>handle</a:t>
+            </a:r>
+            <a:r>
+              <a:rPr lang="zh-CN" altLang="en-US" sz="1200">
+                <a:sym typeface="+mn-ea"/>
+              </a:rPr>
+              <a:t>的</a:t>
+            </a:r>
+            <a:r>
+              <a:rPr lang="en-US" altLang="zh-CN" sz="1200">
+                <a:sym typeface="+mn-ea"/>
+              </a:rPr>
+              <a:t>name</a:t>
+            </a:r>
+            <a:r>
+              <a:rPr lang="zh-CN" altLang="en-US" sz="1200">
+                <a:sym typeface="+mn-ea"/>
+              </a:rPr>
+              <a:t>也是我们后台配置的</a:t>
+            </a:r>
+            <a:r>
+              <a:rPr lang="en-US" altLang="zh-CN" sz="1200">
+                <a:sym typeface="+mn-ea"/>
+              </a:rPr>
+              <a:t>JobHandler</a:t>
+            </a:r>
+            <a:r>
+              <a:rPr lang="zh-CN" altLang="en-US" sz="1200">
+                <a:sym typeface="+mn-ea"/>
+              </a:rPr>
+              <a:t>的名称。获取对应的执行对象。</a:t>
+            </a:r>
+            <a:endParaRPr lang="zh-CN" altLang="en-US" sz="1200">
+              <a:sym typeface="+mn-ea"/>
+            </a:endParaRPr>
+          </a:p>
+          <a:p>
+            <a:r>
+              <a:rPr lang="en-US" altLang="zh-CN" sz="1200">
+                <a:solidFill>
+                  <a:schemeClr val="tx1"/>
+                </a:solidFill>
+                <a:sym typeface="+mn-ea"/>
+              </a:rPr>
+              <a:t>4</a:t>
+            </a:r>
+            <a:r>
+              <a:rPr lang="zh-CN" altLang="en-US" sz="1200">
+                <a:solidFill>
+                  <a:schemeClr val="tx1"/>
+                </a:solidFill>
+                <a:sym typeface="+mn-ea"/>
+              </a:rPr>
+              <a:t>、其他的后台编码方式，则根据传过来的</a:t>
+            </a:r>
+            <a:r>
+              <a:rPr lang="en-US" altLang="zh-CN" sz="1200">
+                <a:solidFill>
+                  <a:schemeClr val="tx1"/>
+                </a:solidFill>
+                <a:sym typeface="+mn-ea"/>
+              </a:rPr>
+              <a:t>glueSource</a:t>
+            </a:r>
+            <a:r>
+              <a:rPr lang="zh-CN" altLang="en-US" sz="1200">
+                <a:solidFill>
+                  <a:schemeClr val="tx1"/>
+                </a:solidFill>
+                <a:sym typeface="+mn-ea"/>
+              </a:rPr>
+              <a:t>参数也就是我们在后台的编码，存放到xxl_job_qrtz_trigger_info表的glue_source中的代码。（</a:t>
+            </a:r>
+            <a:r>
+              <a:rPr lang="zh-CN" altLang="en-US" sz="1200">
+                <a:solidFill>
+                  <a:srgbClr val="FF0000"/>
+                </a:solidFill>
+                <a:sym typeface="+mn-ea"/>
+              </a:rPr>
+              <a:t>这里可以想想</a:t>
+            </a:r>
+            <a:r>
+              <a:rPr lang="en-US" altLang="zh-CN" sz="1200">
+                <a:solidFill>
+                  <a:srgbClr val="FF0000"/>
+                </a:solidFill>
+                <a:sym typeface="+mn-ea"/>
+              </a:rPr>
+              <a:t>rpc</a:t>
+            </a:r>
+            <a:r>
+              <a:rPr lang="zh-CN" altLang="en-US" sz="1200">
+                <a:solidFill>
+                  <a:srgbClr val="FF0000"/>
+                </a:solidFill>
+                <a:sym typeface="+mn-ea"/>
+              </a:rPr>
+              <a:t>入参过来代码串的优缺点吧？</a:t>
+            </a:r>
+            <a:r>
+              <a:rPr lang="zh-CN" altLang="en-US" sz="1200">
+                <a:solidFill>
+                  <a:schemeClr val="tx1"/>
+                </a:solidFill>
+                <a:sym typeface="+mn-ea"/>
+              </a:rPr>
+              <a:t>），通过特定的GlueJobHandler</a:t>
+            </a:r>
+            <a:r>
+              <a:rPr lang="en-US" altLang="zh-CN" sz="1200">
+                <a:solidFill>
+                  <a:schemeClr val="tx1"/>
+                </a:solidFill>
+                <a:sym typeface="+mn-ea"/>
+              </a:rPr>
+              <a:t>/ScriptJobHandler</a:t>
+            </a:r>
+            <a:r>
+              <a:rPr lang="zh-CN" altLang="en-US" sz="1200">
+                <a:solidFill>
+                  <a:schemeClr val="tx1"/>
+                </a:solidFill>
+                <a:sym typeface="+mn-ea"/>
+              </a:rPr>
+              <a:t>实例化出来</a:t>
+            </a:r>
+            <a:r>
+              <a:rPr lang="en-US" altLang="zh-CN" sz="1200">
+                <a:solidFill>
+                  <a:schemeClr val="tx1"/>
+                </a:solidFill>
+                <a:sym typeface="+mn-ea"/>
+              </a:rPr>
+              <a:t>handler</a:t>
+            </a:r>
+            <a:r>
+              <a:rPr lang="zh-CN" altLang="en-US" sz="1200">
+                <a:solidFill>
+                  <a:schemeClr val="tx1"/>
+                </a:solidFill>
+                <a:sym typeface="+mn-ea"/>
+              </a:rPr>
+              <a:t>。（这里可以看到当前只支持</a:t>
+            </a:r>
+            <a:r>
+              <a:rPr lang="en-US" altLang="zh-CN" sz="1200">
+                <a:solidFill>
+                  <a:schemeClr val="tx1"/>
+                </a:solidFill>
+                <a:sym typeface="+mn-ea"/>
+              </a:rPr>
+              <a:t>java</a:t>
+            </a:r>
+            <a:r>
+              <a:rPr lang="zh-CN" altLang="en-US" sz="1200">
+                <a:solidFill>
+                  <a:schemeClr val="tx1"/>
+                </a:solidFill>
+                <a:sym typeface="+mn-ea"/>
+              </a:rPr>
+              <a:t>和</a:t>
+            </a:r>
+            <a:r>
+              <a:rPr lang="en-US" altLang="zh-CN" sz="1200">
+                <a:solidFill>
+                  <a:schemeClr val="tx1"/>
+                </a:solidFill>
+                <a:sym typeface="+mn-ea"/>
+              </a:rPr>
+              <a:t>js</a:t>
+            </a:r>
+            <a:r>
+              <a:rPr lang="zh-CN" altLang="en-US" sz="1200">
+                <a:solidFill>
+                  <a:schemeClr val="tx1"/>
+                </a:solidFill>
+                <a:sym typeface="+mn-ea"/>
+              </a:rPr>
+              <a:t>的方式）</a:t>
+            </a:r>
+            <a:endParaRPr lang="zh-CN" altLang="en-US" sz="1200">
+              <a:solidFill>
+                <a:schemeClr val="tx1"/>
+              </a:solidFill>
+              <a:sym typeface="+mn-ea"/>
+            </a:endParaRPr>
+          </a:p>
+          <a:p>
+            <a:r>
+              <a:rPr lang="en-US" altLang="zh-CN" sz="1200">
+                <a:solidFill>
+                  <a:schemeClr val="tx1"/>
+                </a:solidFill>
+                <a:sym typeface="+mn-ea"/>
+              </a:rPr>
+              <a:t>5</a:t>
+            </a:r>
+            <a:r>
+              <a:rPr lang="zh-CN" altLang="en-US" sz="1200">
+                <a:solidFill>
+                  <a:schemeClr val="tx1"/>
+                </a:solidFill>
+                <a:sym typeface="+mn-ea"/>
+              </a:rPr>
+              <a:t>、然后根据三种策略来选择，老的</a:t>
+            </a:r>
+            <a:r>
+              <a:rPr lang="en-US" altLang="zh-CN" sz="1200">
+                <a:solidFill>
+                  <a:schemeClr val="tx1"/>
+                </a:solidFill>
+                <a:sym typeface="+mn-ea"/>
+              </a:rPr>
+              <a:t>jobId</a:t>
+            </a:r>
+            <a:r>
+              <a:rPr lang="zh-CN" altLang="en-US" sz="1200">
+                <a:solidFill>
+                  <a:schemeClr val="tx1"/>
+                </a:solidFill>
+                <a:sym typeface="+mn-ea"/>
+              </a:rPr>
+              <a:t>还存在，丢弃运行模式则直接</a:t>
+            </a:r>
+            <a:r>
+              <a:rPr lang="en-US" altLang="zh-CN" sz="1200">
+                <a:solidFill>
+                  <a:schemeClr val="tx1"/>
+                </a:solidFill>
+                <a:sym typeface="+mn-ea"/>
+              </a:rPr>
+              <a:t>return</a:t>
+            </a:r>
+            <a:r>
+              <a:rPr lang="zh-CN" altLang="en-US" sz="1200">
+                <a:solidFill>
+                  <a:schemeClr val="tx1"/>
+                </a:solidFill>
+                <a:sym typeface="+mn-ea"/>
+              </a:rPr>
+              <a:t>，覆盖的话，就是调用</a:t>
+            </a:r>
+            <a:r>
+              <a:rPr lang="en-US" altLang="zh-CN" sz="1200">
+                <a:solidFill>
+                  <a:schemeClr val="tx1"/>
+                </a:solidFill>
+                <a:sym typeface="+mn-ea"/>
+              </a:rPr>
+              <a:t>register</a:t>
+            </a:r>
+            <a:r>
+              <a:rPr lang="zh-CN" altLang="en-US" sz="1200">
+                <a:solidFill>
+                  <a:schemeClr val="tx1"/>
+                </a:solidFill>
+                <a:sym typeface="+mn-ea"/>
+              </a:rPr>
+              <a:t>方法，</a:t>
+            </a:r>
+            <a:r>
+              <a:rPr lang="en-US" altLang="zh-CN" sz="1200">
+                <a:solidFill>
+                  <a:schemeClr val="tx1"/>
+                </a:solidFill>
+                <a:sym typeface="+mn-ea"/>
+              </a:rPr>
+              <a:t>new</a:t>
+            </a:r>
+            <a:r>
+              <a:rPr lang="zh-CN" altLang="en-US" sz="1200">
+                <a:solidFill>
+                  <a:schemeClr val="tx1"/>
+                </a:solidFill>
+                <a:sym typeface="+mn-ea"/>
+              </a:rPr>
+              <a:t>新的</a:t>
+            </a:r>
+            <a:r>
+              <a:rPr lang="en-US" altLang="zh-CN" sz="1200">
+                <a:solidFill>
+                  <a:schemeClr val="tx1"/>
+                </a:solidFill>
+                <a:sym typeface="+mn-ea"/>
+              </a:rPr>
+              <a:t>JobThread</a:t>
+            </a:r>
+            <a:r>
+              <a:rPr lang="zh-CN" altLang="en-US" sz="1200">
+                <a:solidFill>
+                  <a:schemeClr val="tx1"/>
+                </a:solidFill>
+                <a:sym typeface="+mn-ea"/>
+              </a:rPr>
+              <a:t>并且</a:t>
+            </a:r>
+            <a:r>
+              <a:rPr lang="en-US" altLang="zh-CN" sz="1200">
+                <a:solidFill>
+                  <a:schemeClr val="tx1"/>
+                </a:solidFill>
+                <a:sym typeface="+mn-ea"/>
+              </a:rPr>
+              <a:t>start</a:t>
+            </a:r>
+            <a:r>
+              <a:rPr lang="zh-CN" altLang="en-US" sz="1200">
+                <a:solidFill>
+                  <a:schemeClr val="tx1"/>
+                </a:solidFill>
+                <a:sym typeface="+mn-ea"/>
+              </a:rPr>
+              <a:t>。老的</a:t>
+            </a:r>
+            <a:r>
+              <a:rPr lang="en-US" altLang="zh-CN" sz="1200">
+                <a:solidFill>
+                  <a:schemeClr val="tx1"/>
+                </a:solidFill>
+                <a:sym typeface="+mn-ea"/>
+              </a:rPr>
+              <a:t>stop</a:t>
+            </a:r>
+            <a:r>
+              <a:rPr lang="zh-CN" altLang="en-US" sz="1200">
+                <a:solidFill>
+                  <a:schemeClr val="tx1"/>
+                </a:solidFill>
+                <a:sym typeface="+mn-ea"/>
+              </a:rPr>
+              <a:t>，再中断。最后放到新的</a:t>
+            </a:r>
+            <a:r>
+              <a:rPr lang="en-US" altLang="zh-CN" sz="1200">
+                <a:solidFill>
+                  <a:schemeClr val="tx1"/>
+                </a:solidFill>
+                <a:sym typeface="+mn-ea"/>
+              </a:rPr>
+              <a:t>jobThread</a:t>
+            </a:r>
+            <a:r>
+              <a:rPr lang="zh-CN" altLang="en-US" sz="1200">
+                <a:solidFill>
+                  <a:schemeClr val="tx1"/>
+                </a:solidFill>
+                <a:sym typeface="+mn-ea"/>
+              </a:rPr>
+              <a:t>中的LinkedBlockingQueue&lt;TriggerParam&gt; triggerQueue中</a:t>
+            </a:r>
+            <a:r>
+              <a:rPr lang="en-US" altLang="zh-CN" sz="1200">
+                <a:solidFill>
+                  <a:schemeClr val="tx1"/>
+                </a:solidFill>
+                <a:sym typeface="+mn-ea"/>
+              </a:rPr>
+              <a:t>,</a:t>
+            </a:r>
+            <a:r>
+              <a:rPr lang="zh-CN" altLang="en-US" sz="1200">
+                <a:solidFill>
+                  <a:schemeClr val="tx1"/>
+                </a:solidFill>
+                <a:sym typeface="+mn-ea"/>
+              </a:rPr>
+              <a:t>单机串行则直接放到老的阻塞队列中。</a:t>
+            </a:r>
+            <a:endParaRPr lang="zh-CN" altLang="en-US" sz="1200">
+              <a:solidFill>
+                <a:schemeClr val="tx1"/>
+              </a:solidFill>
+              <a:sym typeface="+mn-ea"/>
+            </a:endParaRPr>
+          </a:p>
+          <a:p>
+            <a:r>
+              <a:rPr lang="en-US" altLang="zh-CN" sz="1200" b="1">
+                <a:solidFill>
+                  <a:schemeClr val="tx1"/>
+                </a:solidFill>
+                <a:sym typeface="+mn-ea"/>
+              </a:rPr>
+              <a:t>JobThread</a:t>
+            </a:r>
+            <a:r>
+              <a:rPr lang="zh-CN" altLang="en-US" sz="1200" b="1">
+                <a:solidFill>
+                  <a:schemeClr val="tx1"/>
+                </a:solidFill>
+                <a:sym typeface="+mn-ea"/>
+              </a:rPr>
+              <a:t>的</a:t>
+            </a:r>
+            <a:r>
+              <a:rPr lang="en-US" altLang="zh-CN" sz="1200" b="1">
+                <a:solidFill>
+                  <a:schemeClr val="tx1"/>
+                </a:solidFill>
+                <a:sym typeface="+mn-ea"/>
+              </a:rPr>
+              <a:t>run()</a:t>
+            </a:r>
+            <a:r>
+              <a:rPr lang="zh-CN" altLang="en-US" sz="1200" b="1">
+                <a:solidFill>
+                  <a:schemeClr val="tx1"/>
+                </a:solidFill>
+                <a:sym typeface="+mn-ea"/>
+              </a:rPr>
               <a:t>。</a:t>
             </a:r>
-            <a:endParaRPr lang="zh-CN" altLang="en-US" sz="1200"/>
-          </a:p>
-          <a:p>
-            <a:r>
-              <a:rPr lang="en-US" altLang="zh-CN" sz="1200"/>
+            <a:endParaRPr lang="zh-CN" altLang="en-US" sz="1200">
+              <a:solidFill>
+                <a:schemeClr val="tx1"/>
+              </a:solidFill>
+              <a:sym typeface="+mn-ea"/>
+            </a:endParaRPr>
+          </a:p>
+          <a:p>
+            <a:r>
+              <a:rPr lang="en-US" altLang="zh-CN" sz="1200">
+                <a:solidFill>
+                  <a:schemeClr val="tx1"/>
+                </a:solidFill>
+                <a:sym typeface="+mn-ea"/>
+              </a:rPr>
               <a:t>1</a:t>
             </a:r>
             <a:r>
-              <a:rPr lang="zh-CN" altLang="en-US" sz="1200"/>
-              <a:t>、获取库的日志，再获取</a:t>
-            </a:r>
-            <a:r>
-              <a:rPr lang="en-US" altLang="zh-CN" sz="1200"/>
-              <a:t>jobInfo</a:t>
-            </a:r>
-            <a:r>
-              <a:rPr lang="zh-CN" altLang="en-US" sz="1200"/>
-              <a:t>信息。</a:t>
-            </a:r>
-            <a:endParaRPr lang="zh-CN" altLang="en-US" sz="1200"/>
-          </a:p>
-          <a:p>
-            <a:r>
-              <a:rPr lang="en-US" altLang="zh-CN" sz="1200"/>
+              <a:rPr lang="zh-CN" altLang="en-US" sz="1200">
+                <a:solidFill>
+                  <a:schemeClr val="tx1"/>
+                </a:solidFill>
+                <a:sym typeface="+mn-ea"/>
+              </a:rPr>
+              <a:t>、无线循环，triggerQueue.poll(3L, TimeUnit.SECONDS)三秒内从阻塞队列中获取到值。否则抛异常（程序是先</a:t>
+            </a:r>
+            <a:r>
+              <a:rPr lang="en-US" altLang="zh-CN" sz="1200">
+                <a:solidFill>
+                  <a:schemeClr val="tx1"/>
+                </a:solidFill>
+                <a:sym typeface="+mn-ea"/>
+              </a:rPr>
+              <a:t>start</a:t>
+            </a:r>
+            <a:r>
+              <a:rPr lang="zh-CN" altLang="en-US" sz="1200">
+                <a:solidFill>
+                  <a:schemeClr val="tx1"/>
+                </a:solidFill>
+                <a:sym typeface="+mn-ea"/>
+              </a:rPr>
+              <a:t>后</a:t>
+            </a:r>
+            <a:r>
+              <a:rPr lang="en-US" altLang="zh-CN" sz="1200">
+                <a:solidFill>
+                  <a:schemeClr val="tx1"/>
+                </a:solidFill>
+                <a:sym typeface="+mn-ea"/>
+              </a:rPr>
+              <a:t>add</a:t>
+            </a:r>
+            <a:r>
+              <a:rPr lang="zh-CN" altLang="en-US" sz="1200">
+                <a:solidFill>
+                  <a:schemeClr val="tx1"/>
+                </a:solidFill>
+                <a:sym typeface="+mn-ea"/>
+              </a:rPr>
+              <a:t>到队列的），使用</a:t>
+            </a:r>
+            <a:r>
+              <a:rPr lang="en-US" altLang="zh-CN" sz="1200">
+                <a:solidFill>
+                  <a:schemeClr val="tx1"/>
+                </a:solidFill>
+                <a:sym typeface="+mn-ea"/>
+              </a:rPr>
+              <a:t>pull</a:t>
+            </a:r>
+            <a:r>
+              <a:rPr lang="zh-CN" altLang="en-US" sz="1200">
+                <a:solidFill>
+                  <a:schemeClr val="tx1"/>
+                </a:solidFill>
+                <a:sym typeface="+mn-ea"/>
+              </a:rPr>
+              <a:t>当为</a:t>
+            </a:r>
+            <a:r>
+              <a:rPr lang="en-US" altLang="zh-CN" sz="1200">
+                <a:solidFill>
+                  <a:schemeClr val="tx1"/>
+                </a:solidFill>
+                <a:sym typeface="+mn-ea"/>
+              </a:rPr>
+              <a:t>null</a:t>
+            </a:r>
+            <a:r>
+              <a:rPr lang="zh-CN" altLang="en-US" sz="1200">
+                <a:solidFill>
+                  <a:schemeClr val="tx1"/>
+                </a:solidFill>
+                <a:sym typeface="+mn-ea"/>
+              </a:rPr>
+              <a:t>的时候不阻塞返回</a:t>
+            </a:r>
+            <a:r>
+              <a:rPr lang="en-US" altLang="zh-CN" sz="1200">
+                <a:solidFill>
+                  <a:schemeClr val="tx1"/>
+                </a:solidFill>
+                <a:sym typeface="+mn-ea"/>
+              </a:rPr>
+              <a:t>null</a:t>
+            </a:r>
+            <a:r>
+              <a:rPr lang="zh-CN" altLang="en-US" sz="1200">
+                <a:solidFill>
+                  <a:schemeClr val="tx1"/>
+                </a:solidFill>
+                <a:sym typeface="+mn-ea"/>
+              </a:rPr>
+              <a:t>。</a:t>
+            </a:r>
+            <a:endParaRPr lang="zh-CN" altLang="en-US" sz="1200">
+              <a:solidFill>
+                <a:schemeClr val="tx1"/>
+              </a:solidFill>
+              <a:sym typeface="+mn-ea"/>
+            </a:endParaRPr>
+          </a:p>
+          <a:p>
+            <a:r>
+              <a:rPr lang="en-US" altLang="zh-CN" sz="1200">
+                <a:solidFill>
+                  <a:schemeClr val="tx1"/>
+                </a:solidFill>
+                <a:sym typeface="+mn-ea"/>
+              </a:rPr>
               <a:t>2</a:t>
             </a:r>
             <a:r>
-              <a:rPr lang="zh-CN" altLang="en-US" sz="1200"/>
-              <a:t>、trigger执行子任务</a:t>
-            </a:r>
-            <a:endParaRPr lang="zh-CN" altLang="en-US" sz="1200"/>
-          </a:p>
-          <a:p>
-            <a:r>
-              <a:rPr lang="en-US" altLang="zh-CN" sz="1200"/>
+              <a:rPr lang="zh-CN" altLang="en-US" sz="1200">
+                <a:solidFill>
+                  <a:schemeClr val="tx1"/>
+                </a:solidFill>
+                <a:sym typeface="+mn-ea"/>
+              </a:rPr>
+              <a:t>、</a:t>
+            </a:r>
+            <a:r>
+              <a:rPr lang="zh-CN" sz="1200">
+                <a:solidFill>
+                  <a:schemeClr val="tx1"/>
+                </a:solidFill>
+                <a:sym typeface="+mn-ea"/>
+              </a:rPr>
+              <a:t>初始日志路径和日志名称（InheritableThreadLocal类型可以了解一下，继承父线程的ThreadLocal变量特性）</a:t>
+            </a:r>
+            <a:endParaRPr lang="zh-CN" sz="1200">
+              <a:solidFill>
+                <a:schemeClr val="tx1"/>
+              </a:solidFill>
+              <a:sym typeface="+mn-ea"/>
+            </a:endParaRPr>
+          </a:p>
+          <a:p>
+            <a:r>
+              <a:rPr lang="en-US" altLang="zh-CN" sz="1200">
+                <a:solidFill>
+                  <a:schemeClr val="tx1"/>
+                </a:solidFill>
+                <a:sym typeface="+mn-ea"/>
+              </a:rPr>
               <a:t>3</a:t>
             </a:r>
             <a:r>
-              <a:rPr lang="zh-CN" altLang="en-US" sz="1200"/>
-              <a:t>、更新日志信息到数据库</a:t>
-            </a:r>
-            <a:endParaRPr lang="zh-CN" altLang="en-US" sz="1200"/>
+              <a:rPr lang="zh-CN" altLang="en-US" sz="1200">
+                <a:solidFill>
+                  <a:schemeClr val="tx1"/>
+                </a:solidFill>
+                <a:sym typeface="+mn-ea"/>
+              </a:rPr>
+              <a:t>、设置分片参数（</a:t>
+            </a:r>
+            <a:r>
+              <a:rPr lang="zh-CN" altLang="en-US" sz="1200">
+                <a:solidFill>
+                  <a:srgbClr val="FF0000"/>
+                </a:solidFill>
+                <a:sym typeface="+mn-ea"/>
+              </a:rPr>
+              <a:t>这里也是为什么我们的</a:t>
+            </a:r>
+            <a:r>
+              <a:rPr lang="en-US" altLang="zh-CN" sz="1200">
+                <a:solidFill>
+                  <a:srgbClr val="FF0000"/>
+                </a:solidFill>
+                <a:sym typeface="+mn-ea"/>
+              </a:rPr>
+              <a:t>handler</a:t>
+            </a:r>
+            <a:r>
+              <a:rPr lang="zh-CN" altLang="en-US" sz="1200">
+                <a:solidFill>
+                  <a:srgbClr val="FF0000"/>
+                </a:solidFill>
+                <a:sym typeface="+mn-ea"/>
+              </a:rPr>
+              <a:t>里面可以直接获取到分片参数的原因</a:t>
+            </a:r>
+            <a:r>
+              <a:rPr lang="zh-CN" altLang="en-US" sz="1200">
+                <a:solidFill>
+                  <a:schemeClr val="tx1"/>
+                </a:solidFill>
+                <a:sym typeface="+mn-ea"/>
+              </a:rPr>
+              <a:t>）</a:t>
+            </a:r>
+            <a:endParaRPr lang="zh-CN" altLang="en-US" sz="1200">
+              <a:solidFill>
+                <a:schemeClr val="tx1"/>
+              </a:solidFill>
+              <a:sym typeface="+mn-ea"/>
+            </a:endParaRPr>
+          </a:p>
+          <a:p>
+            <a:r>
+              <a:rPr lang="en-US" altLang="zh-CN" sz="1200">
+                <a:solidFill>
+                  <a:schemeClr val="tx1"/>
+                </a:solidFill>
+                <a:sym typeface="+mn-ea"/>
+              </a:rPr>
+              <a:t>4</a:t>
+            </a:r>
+            <a:r>
+              <a:rPr lang="zh-CN" altLang="en-US" sz="1200">
+                <a:solidFill>
+                  <a:schemeClr val="tx1"/>
+                </a:solidFill>
+                <a:sym typeface="+mn-ea"/>
+              </a:rPr>
+              <a:t>、handler.execute(</a:t>
+            </a:r>
+            <a:r>
+              <a:rPr lang="en-US" altLang="zh-CN" sz="1200">
+                <a:solidFill>
+                  <a:schemeClr val="tx1"/>
+                </a:solidFill>
+                <a:sym typeface="+mn-ea"/>
+              </a:rPr>
+              <a:t>)</a:t>
+            </a:r>
+            <a:r>
+              <a:rPr lang="zh-CN" altLang="en-US" sz="1200">
+                <a:solidFill>
+                  <a:schemeClr val="tx1"/>
+                </a:solidFill>
+                <a:sym typeface="+mn-ea"/>
+              </a:rPr>
+              <a:t>执行，相对应的</a:t>
+            </a:r>
+            <a:r>
+              <a:rPr lang="en-US" altLang="zh-CN" sz="1200">
+                <a:solidFill>
+                  <a:schemeClr val="tx1"/>
+                </a:solidFill>
+                <a:sym typeface="+mn-ea"/>
+              </a:rPr>
+              <a:t>handler</a:t>
+            </a:r>
+            <a:r>
+              <a:rPr lang="zh-CN" altLang="en-US" sz="1200">
+                <a:solidFill>
+                  <a:schemeClr val="tx1"/>
+                </a:solidFill>
+                <a:sym typeface="+mn-ea"/>
+              </a:rPr>
+              <a:t>实现类。如果超时则再</a:t>
+            </a:r>
+            <a:r>
+              <a:rPr lang="en-US" altLang="zh-CN" sz="1200">
+                <a:solidFill>
+                  <a:schemeClr val="tx1"/>
+                </a:solidFill>
+                <a:sym typeface="+mn-ea"/>
+              </a:rPr>
+              <a:t>new </a:t>
+            </a:r>
+            <a:r>
+              <a:rPr lang="zh-CN" altLang="en-US" sz="1200">
+                <a:solidFill>
+                  <a:schemeClr val="tx1"/>
+                </a:solidFill>
+                <a:sym typeface="+mn-ea"/>
+              </a:rPr>
+              <a:t>一个FutureTask异步执行。</a:t>
+            </a:r>
+            <a:endParaRPr lang="zh-CN" altLang="en-US" sz="1200">
+              <a:solidFill>
+                <a:schemeClr val="tx1"/>
+              </a:solidFill>
+              <a:sym typeface="+mn-ea"/>
+            </a:endParaRPr>
+          </a:p>
+          <a:p>
+            <a:r>
+              <a:rPr lang="en-US" altLang="zh-CN" sz="1200">
+                <a:solidFill>
+                  <a:schemeClr val="tx1"/>
+                </a:solidFill>
+                <a:sym typeface="+mn-ea"/>
+              </a:rPr>
+              <a:t>5</a:t>
+            </a:r>
+            <a:r>
+              <a:rPr lang="zh-CN" altLang="en-US" sz="1200">
+                <a:solidFill>
+                  <a:schemeClr val="tx1"/>
+                </a:solidFill>
+                <a:sym typeface="+mn-ea"/>
+              </a:rPr>
+              <a:t>、最后就是处理返回执行结果，异常处理，日志等。在</a:t>
+            </a:r>
+            <a:r>
+              <a:rPr lang="en-US" altLang="zh-CN" sz="1200">
+                <a:solidFill>
+                  <a:schemeClr val="tx1"/>
+                </a:solidFill>
+                <a:sym typeface="+mn-ea"/>
+              </a:rPr>
+              <a:t>finally</a:t>
+            </a:r>
+            <a:r>
+              <a:rPr lang="zh-CN" altLang="en-US" sz="1200">
+                <a:solidFill>
+                  <a:schemeClr val="tx1"/>
+                </a:solidFill>
+                <a:sym typeface="+mn-ea"/>
+              </a:rPr>
+              <a:t>后面TriggerCallbackThread.pushCallBack(</a:t>
+            </a:r>
+            <a:r>
+              <a:rPr lang="en-US" altLang="zh-CN" sz="1200">
+                <a:solidFill>
+                  <a:schemeClr val="tx1"/>
+                </a:solidFill>
+                <a:sym typeface="+mn-ea"/>
+              </a:rPr>
+              <a:t>)</a:t>
+            </a:r>
+            <a:r>
+              <a:rPr lang="zh-CN" altLang="en-US" sz="1200">
+                <a:solidFill>
+                  <a:schemeClr val="tx1"/>
+                </a:solidFill>
+                <a:sym typeface="+mn-ea"/>
+              </a:rPr>
+              <a:t>也就是发送到回调守护线程的阻塞队列中去执行。</a:t>
+            </a:r>
+            <a:endParaRPr lang="zh-CN" altLang="en-US" sz="1200">
+              <a:solidFill>
+                <a:schemeClr val="tx1"/>
+              </a:solidFill>
+              <a:sym typeface="+mn-ea"/>
+            </a:endParaRPr>
+          </a:p>
+          <a:p>
+            <a:r>
+              <a:rPr lang="en-US" altLang="zh-CN" sz="1200">
+                <a:solidFill>
+                  <a:schemeClr val="tx1"/>
+                </a:solidFill>
+                <a:sym typeface="+mn-ea"/>
+              </a:rPr>
+              <a:t>6</a:t>
+            </a:r>
+            <a:r>
+              <a:rPr lang="zh-CN" altLang="en-US" sz="1200">
+                <a:solidFill>
+                  <a:schemeClr val="tx1"/>
+                </a:solidFill>
+                <a:sym typeface="+mn-ea"/>
+              </a:rPr>
+              <a:t>、阻塞队列的参数为空，并且循环次数</a:t>
+            </a:r>
+            <a:r>
+              <a:rPr lang="en-US" altLang="zh-CN" sz="1200">
+                <a:solidFill>
+                  <a:schemeClr val="tx1"/>
+                </a:solidFill>
+                <a:sym typeface="+mn-ea"/>
+              </a:rPr>
+              <a:t>30</a:t>
+            </a:r>
+            <a:r>
+              <a:rPr lang="zh-CN" altLang="en-US" sz="1200">
+                <a:solidFill>
+                  <a:schemeClr val="tx1"/>
+                </a:solidFill>
+                <a:sym typeface="+mn-ea"/>
+              </a:rPr>
+              <a:t>次后，则移除这个</a:t>
+            </a:r>
+            <a:r>
+              <a:rPr lang="en-US" altLang="zh-CN" sz="1200">
+                <a:solidFill>
+                  <a:schemeClr val="tx1"/>
+                </a:solidFill>
+                <a:sym typeface="+mn-ea"/>
+              </a:rPr>
+              <a:t>jobId</a:t>
+            </a:r>
+            <a:r>
+              <a:rPr lang="zh-CN" altLang="en-US" sz="1200">
+                <a:solidFill>
+                  <a:schemeClr val="tx1"/>
+                </a:solidFill>
+                <a:sym typeface="+mn-ea"/>
+              </a:rPr>
+              <a:t>的任务。</a:t>
+            </a:r>
+            <a:endParaRPr lang="zh-CN" altLang="en-US" sz="1200">
+              <a:solidFill>
+                <a:schemeClr val="tx1"/>
+              </a:solidFill>
+              <a:sym typeface="+mn-ea"/>
+            </a:endParaRPr>
           </a:p>
         </p:txBody>
       </p:sp>
       <p:pic>
         <p:nvPicPr>
-          <p:cNvPr id="4" name="图片 3"/>
+          <p:cNvPr id="6" name="图片 5"/>
           <p:cNvPicPr>
             <a:picLocks noChangeAspect="1"/>
           </p:cNvPicPr>
@@ -9154,8 +8849,8 @@
         </p:blipFill>
         <p:spPr>
           <a:xfrm>
-            <a:off x="3286125" y="2461260"/>
-            <a:ext cx="8777605" cy="4265295"/>
+            <a:off x="8235315" y="2297430"/>
+            <a:ext cx="2941955" cy="1113155"/>
           </a:xfrm>
           <a:prstGeom prst="rect">
             <a:avLst/>
@@ -9555,24 +9250,122 @@
             <a:pPr algn="ctr"/>
             <a:r>
               <a:rPr lang="en-US" altLang="zh-CN"/>
-              <a:t>6</a:t>
+              <a:t>3</a:t>
             </a:r>
             <a:r>
               <a:rPr lang="zh-CN" altLang="en-US"/>
-              <a:t>、</a:t>
+              <a:t>、回调</a:t>
             </a:r>
             <a:r>
               <a:rPr lang="en-US" altLang="zh-CN"/>
-              <a:t>RPC</a:t>
-            </a:r>
-            <a:r>
-              <a:rPr lang="zh-CN" altLang="en-US"/>
-              <a:t>服务</a:t>
+              <a:t>admin</a:t>
             </a:r>
             <a:endParaRPr lang="zh-CN" altLang="en-US"/>
           </a:p>
         </p:txBody>
       </p:sp>
+      <p:sp>
+        <p:nvSpPr>
+          <p:cNvPr id="3" name="文本框 2"/>
+          <p:cNvSpPr txBox="1"/>
+          <p:nvPr/>
+        </p:nvSpPr>
+        <p:spPr>
+          <a:xfrm>
+            <a:off x="1250315" y="1691005"/>
+            <a:ext cx="9951085" cy="829945"/>
+          </a:xfrm>
+          <a:prstGeom prst="rect">
+            <a:avLst/>
+          </a:prstGeom>
+          <a:noFill/>
+        </p:spPr>
+        <p:txBody>
+          <a:bodyPr wrap="square" rtlCol="0" anchor="t">
+            <a:spAutoFit/>
+          </a:bodyPr>
+          <a:p>
+            <a:r>
+              <a:rPr lang="zh-CN" altLang="en-US" sz="1200" b="1"/>
+              <a:t>回调回</a:t>
+            </a:r>
+            <a:r>
+              <a:rPr lang="en-US" altLang="zh-CN" sz="1200" b="1"/>
+              <a:t>admin</a:t>
+            </a:r>
+            <a:r>
+              <a:rPr lang="zh-CN" altLang="en-US" sz="1200" b="1"/>
+              <a:t>后的调用，AdminBizImpl的callback。</a:t>
+            </a:r>
+            <a:endParaRPr lang="zh-CN" altLang="en-US" sz="1200"/>
+          </a:p>
+          <a:p>
+            <a:r>
+              <a:rPr lang="en-US" altLang="zh-CN" sz="1200"/>
+              <a:t>1</a:t>
+            </a:r>
+            <a:r>
+              <a:rPr lang="zh-CN" altLang="en-US" sz="1200"/>
+              <a:t>、获取库的日志，再获取</a:t>
+            </a:r>
+            <a:r>
+              <a:rPr lang="en-US" altLang="zh-CN" sz="1200"/>
+              <a:t>jobInfo</a:t>
+            </a:r>
+            <a:r>
+              <a:rPr lang="zh-CN" altLang="en-US" sz="1200"/>
+              <a:t>信息。</a:t>
+            </a:r>
+            <a:endParaRPr lang="zh-CN" altLang="en-US" sz="1200"/>
+          </a:p>
+          <a:p>
+            <a:r>
+              <a:rPr lang="en-US" altLang="zh-CN" sz="1200"/>
+              <a:t>2</a:t>
+            </a:r>
+            <a:r>
+              <a:rPr lang="zh-CN" altLang="en-US" sz="1200"/>
+              <a:t>、trigger执行子任务</a:t>
+            </a:r>
+            <a:endParaRPr lang="zh-CN" altLang="en-US" sz="1200"/>
+          </a:p>
+          <a:p>
+            <a:r>
+              <a:rPr lang="en-US" altLang="zh-CN" sz="1200"/>
+              <a:t>3</a:t>
+            </a:r>
+            <a:r>
+              <a:rPr lang="zh-CN" altLang="en-US" sz="1200"/>
+              <a:t>、更新日志信息到数据库</a:t>
+            </a:r>
+            <a:endParaRPr lang="zh-CN" altLang="en-US" sz="1200"/>
+          </a:p>
+        </p:txBody>
+      </p:sp>
+      <p:pic>
+        <p:nvPicPr>
+          <p:cNvPr id="4" name="图片 3"/>
+          <p:cNvPicPr>
+            <a:picLocks noChangeAspect="1"/>
+          </p:cNvPicPr>
+          <p:nvPr/>
+        </p:nvPicPr>
+        <p:blipFill>
+          <a:blip r:embed="rId1"/>
+          <a:stretch>
+            <a:fillRect/>
+          </a:stretch>
+        </p:blipFill>
+        <p:spPr>
+          <a:xfrm>
+            <a:off x="3286125" y="2461260"/>
+            <a:ext cx="8777605" cy="4265295"/>
+          </a:xfrm>
+          <a:prstGeom prst="rect">
+            <a:avLst/>
+          </a:prstGeom>
+        </p:spPr>
+      </p:pic>
     </p:spTree>
   </p:cSld>
   <p:clrMapOvr>
@@ -9608,7 +9401,7 @@
             <a:pPr algn="ctr"/>
             <a:r>
               <a:rPr lang="zh-CN" altLang="en-US"/>
-              <a:t>阻塞处理策略说明</a:t>
+              <a:t>admin-executor执行链路总结</a:t>
             </a:r>
             <a:endParaRPr lang="zh-CN" altLang="en-US"/>
           </a:p>
@@ -9616,140 +9409,19 @@
       </p:sp>
       <p:sp>
         <p:nvSpPr>
-          <p:cNvPr id="100" name="文本框 99"/>
+          <p:cNvPr id="3" name="文本框 2"/>
           <p:cNvSpPr txBox="1"/>
           <p:nvPr/>
         </p:nvSpPr>
         <p:spPr>
           <a:xfrm>
-            <a:off x="3076575" y="1690688"/>
-            <a:ext cx="5080000" cy="899160"/>
+            <a:off x="838200" y="1991360"/>
+            <a:ext cx="10838815" cy="1938020"/>
           </a:xfrm>
           <a:prstGeom prst="rect">
             <a:avLst/>
           </a:prstGeom>
           <a:noFill/>
-          <a:ln w="9525">
-            <a:noFill/>
-          </a:ln>
-        </p:spPr>
-        <p:txBody>
-          <a:bodyPr>
-            <a:spAutoFit/>
-          </a:bodyPr>
-          <a:p>
-            <a:pPr indent="0"/>
-            <a:r>
-              <a:rPr lang="zh-CN" sz="1050" b="0">
-                <a:solidFill>
-                  <a:schemeClr val="tx1"/>
-                </a:solidFill>
-                <a:ea typeface="等线" panose="02010600030101010101" charset="-122"/>
-              </a:rPr>
-              <a:t>这里的阻塞不是集群多个一起阻塞，是单机的，一个定时器如果在不断的执行的过程中，发现上次的还没执行完，这次又开始了，就会有三种选择。</a:t>
-            </a:r>
-            <a:endParaRPr lang="zh-CN" sz="1050" b="0">
-              <a:solidFill>
-                <a:schemeClr val="tx1"/>
-              </a:solidFill>
-              <a:ea typeface="等线" panose="02010600030101010101" charset="-122"/>
-            </a:endParaRPr>
-          </a:p>
-          <a:p>
-            <a:pPr indent="0"/>
-            <a:r>
-              <a:rPr lang="zh-CN" sz="1050" b="0">
-                <a:solidFill>
-                  <a:schemeClr val="tx1"/>
-                </a:solidFill>
-                <a:ea typeface="等线" panose="02010600030101010101" charset="-122"/>
-              </a:rPr>
-              <a:t>第一种是单机串行，就是等待执行完。</a:t>
-            </a:r>
-            <a:endParaRPr lang="zh-CN" sz="1050" b="0">
-              <a:solidFill>
-                <a:schemeClr val="tx1"/>
-              </a:solidFill>
-              <a:ea typeface="等线" panose="02010600030101010101" charset="-122"/>
-            </a:endParaRPr>
-          </a:p>
-          <a:p>
-            <a:pPr indent="0"/>
-            <a:r>
-              <a:rPr lang="zh-CN" sz="1050" b="0">
-                <a:solidFill>
-                  <a:schemeClr val="tx1"/>
-                </a:solidFill>
-                <a:ea typeface="等线" panose="02010600030101010101" charset="-122"/>
-              </a:rPr>
-              <a:t>第二种就是丢弃掉，不执行了。</a:t>
-            </a:r>
-            <a:endParaRPr lang="zh-CN" sz="1050" b="0">
-              <a:solidFill>
-                <a:schemeClr val="tx1"/>
-              </a:solidFill>
-              <a:ea typeface="等线" panose="02010600030101010101" charset="-122"/>
-            </a:endParaRPr>
-          </a:p>
-          <a:p>
-            <a:pPr indent="0"/>
-            <a:r>
-              <a:rPr lang="zh-CN" sz="1050" b="0">
-                <a:solidFill>
-                  <a:schemeClr val="tx1"/>
-                </a:solidFill>
-                <a:ea typeface="等线" panose="02010600030101010101" charset="-122"/>
-              </a:rPr>
-              <a:t>第三种就是直接覆盖掉之前的（这里之前的就会被中断掉），直接去执行。</a:t>
-            </a:r>
-            <a:endParaRPr lang="zh-CN" altLang="en-US" sz="1050" b="0">
-              <a:solidFill>
-                <a:schemeClr val="tx1"/>
-              </a:solidFill>
-              <a:ea typeface="等线" panose="02010600030101010101" charset="-122"/>
-            </a:endParaRPr>
-          </a:p>
-        </p:txBody>
-      </p:sp>
-      <p:pic>
-        <p:nvPicPr>
-          <p:cNvPr id="5" name="图片 5"/>
-          <p:cNvPicPr>
-            <a:picLocks noChangeAspect="1"/>
-          </p:cNvPicPr>
-          <p:nvPr/>
-        </p:nvPicPr>
-        <p:blipFill>
-          <a:blip r:embed="rId1"/>
-          <a:stretch>
-            <a:fillRect/>
-          </a:stretch>
-        </p:blipFill>
-        <p:spPr>
-          <a:xfrm>
-            <a:off x="3011488" y="2695575"/>
-            <a:ext cx="5210175" cy="1466850"/>
-          </a:xfrm>
-          <a:prstGeom prst="rect">
-            <a:avLst/>
-          </a:prstGeom>
-        </p:spPr>
-      </p:pic>
-      <p:sp>
-        <p:nvSpPr>
-          <p:cNvPr id="3" name="文本框 2"/>
-          <p:cNvSpPr txBox="1"/>
-          <p:nvPr/>
-        </p:nvSpPr>
-        <p:spPr>
-          <a:xfrm>
-            <a:off x="3011805" y="4461510"/>
-            <a:ext cx="4643120" cy="645160"/>
-          </a:xfrm>
-          <a:prstGeom prst="rect">
-            <a:avLst/>
-          </a:prstGeom>
-          <a:noFill/>
         </p:spPr>
         <p:txBody>
           <a:bodyPr wrap="square" rtlCol="0" anchor="t">
@@ -9757,127 +9429,65 @@
           </a:bodyPr>
           <a:p>
             <a:r>
-              <a:rPr lang="zh-CN" altLang="en-US"/>
-              <a:t>XxlJobExecutor 的jobThreadRepository</a:t>
-            </a:r>
-            <a:endParaRPr lang="zh-CN" altLang="en-US"/>
-          </a:p>
-          <a:p>
-            <a:r>
-              <a:rPr lang="zh-CN" altLang="en-US"/>
-              <a:t>ExecutorBizImpl的run</a:t>
-            </a:r>
-            <a:r>
-              <a:rPr lang="en-US" altLang="zh-CN"/>
-              <a:t>()</a:t>
-            </a:r>
-            <a:endParaRPr lang="en-US" altLang="zh-CN"/>
-          </a:p>
-        </p:txBody>
-      </p:sp>
-      <p:sp>
-        <p:nvSpPr>
-          <p:cNvPr id="4" name="文本框 3"/>
-          <p:cNvSpPr txBox="1"/>
-          <p:nvPr/>
-        </p:nvSpPr>
-        <p:spPr>
-          <a:xfrm>
-            <a:off x="2923540" y="5106670"/>
-            <a:ext cx="4127500" cy="860425"/>
-          </a:xfrm>
-          <a:prstGeom prst="rect">
-            <a:avLst/>
-          </a:prstGeom>
-          <a:noFill/>
-        </p:spPr>
-        <p:txBody>
-          <a:bodyPr wrap="square" rtlCol="0" anchor="t">
-            <a:spAutoFit/>
-          </a:bodyPr>
-          <a:p>
-            <a:r>
-              <a:rPr lang="en-US" altLang="zh-CN" sz="1000"/>
-              <a:t>1</a:t>
-            </a:r>
-            <a:r>
-              <a:rPr lang="zh-CN" altLang="en-US" sz="1000"/>
-              <a:t>、如果是后续丢弃策略，并且老的任务还在运行中，则返回并且记录丢弃的日志。</a:t>
-            </a:r>
-            <a:endParaRPr lang="zh-CN" altLang="en-US" sz="1000"/>
-          </a:p>
-          <a:p>
-            <a:r>
-              <a:rPr lang="en-US" altLang="zh-CN" sz="1000"/>
-              <a:t>2</a:t>
-            </a:r>
-            <a:r>
-              <a:rPr lang="zh-CN" altLang="en-US" sz="1000"/>
-              <a:t>、如果是覆盖之前的调度，则产生新的调度线程，并且停止老的，中断老的，返回新的</a:t>
-            </a:r>
-            <a:r>
-              <a:rPr lang="en-US" altLang="zh-CN" sz="1000"/>
-              <a:t>thread</a:t>
-            </a:r>
-            <a:r>
-              <a:rPr lang="zh-CN" altLang="en-US" sz="1000"/>
-              <a:t>。XxlJobExecutor的registJobThread</a:t>
-            </a:r>
-            <a:r>
-              <a:rPr lang="en-US" altLang="zh-CN" sz="1000"/>
-              <a:t>()</a:t>
-            </a:r>
-            <a:r>
-              <a:rPr lang="zh-CN" altLang="en-US" sz="1000"/>
-              <a:t>方法。</a:t>
-            </a:r>
-            <a:endParaRPr lang="zh-CN" altLang="en-US" sz="1000"/>
-          </a:p>
-          <a:p>
-            <a:r>
-              <a:rPr lang="en-US" altLang="zh-CN" sz="1000"/>
-              <a:t>3</a:t>
-            </a:r>
-            <a:r>
-              <a:rPr lang="zh-CN" altLang="en-US" sz="1000"/>
-              <a:t>、单机串行啥也不做，把新的任务</a:t>
-            </a:r>
-            <a:r>
-              <a:rPr lang="en-US" altLang="zh-CN" sz="1000"/>
-              <a:t>push</a:t>
-            </a:r>
-            <a:r>
-              <a:rPr lang="zh-CN" altLang="en-US" sz="1000"/>
-              <a:t>到阻塞队列里面就可以了。</a:t>
-            </a:r>
-            <a:endParaRPr lang="zh-CN" altLang="en-US" sz="1000"/>
-          </a:p>
-        </p:txBody>
-      </p:sp>
-      <p:pic>
-        <p:nvPicPr>
-          <p:cNvPr id="6" name="图片 5"/>
-          <p:cNvPicPr>
-            <a:picLocks noChangeAspect="1"/>
-          </p:cNvPicPr>
-          <p:nvPr/>
-        </p:nvPicPr>
-        <p:blipFill>
-          <a:blip r:embed="rId2"/>
-          <a:stretch>
-            <a:fillRect/>
-          </a:stretch>
-        </p:blipFill>
-        <p:spPr>
-          <a:xfrm>
-            <a:off x="7127875" y="4382135"/>
-            <a:ext cx="4548505" cy="2307590"/>
-          </a:xfrm>
-          <a:prstGeom prst="rect">
-            <a:avLst/>
-          </a:prstGeom>
-        </p:spPr>
-      </p:pic>
+              <a:rPr lang="zh-CN" altLang="en-US" sz="1200"/>
+              <a:t>方法：</a:t>
+            </a:r>
+            <a:endParaRPr lang="zh-CN" altLang="en-US" sz="1200"/>
+          </a:p>
+          <a:p>
+            <a:r>
+              <a:rPr lang="zh-CN" altLang="en-US" sz="1200"/>
+              <a:t>心跳（直接通信返回成功）（故障转移路由选择调用）；</a:t>
+            </a:r>
+            <a:endParaRPr lang="zh-CN" altLang="en-US" sz="1200"/>
+          </a:p>
+          <a:p>
+            <a:r>
+              <a:rPr lang="zh-CN" altLang="en-US" sz="1200"/>
+              <a:t>是否忙碌（当前job的队列是否处于执行中或者队列&gt;0阻塞中）(忙碌转移调用)；</a:t>
+            </a:r>
+            <a:endParaRPr lang="zh-CN" altLang="en-US" sz="1200"/>
+          </a:p>
+          <a:p>
+            <a:r>
+              <a:rPr lang="zh-CN" altLang="en-US" sz="1200"/>
+              <a:t>执行方法；（后台手动执行或者quratz定时调用，回调子任务继续调用）</a:t>
+            </a:r>
+            <a:endParaRPr lang="zh-CN" altLang="en-US" sz="1200"/>
+          </a:p>
+          <a:p>
+            <a:r>
+              <a:rPr lang="zh-CN" altLang="en-US" sz="1200"/>
+              <a:t>停止中断（移除，停止，中断）（admin日志管理中断操作调用）；</a:t>
+            </a:r>
+            <a:endParaRPr lang="zh-CN" altLang="en-US" sz="1200"/>
+          </a:p>
+          <a:p>
+            <a:r>
+              <a:rPr lang="zh-CN" altLang="en-US" sz="1200"/>
+              <a:t>log获取日志（后台查看日志详情调用）；</a:t>
+            </a:r>
+            <a:endParaRPr lang="zh-CN" altLang="en-US" sz="1200"/>
+          </a:p>
+          <a:p>
+            <a:r>
+              <a:rPr lang="zh-CN" altLang="en-US" sz="1200"/>
+              <a:t>1、执行器端XxlJobExecutor.initRpcProvider()的xxlRpcProviderFactory.start();启动服务，就是netty的server.start();</a:t>
+            </a:r>
+            <a:endParaRPr lang="zh-CN" altLang="en-US" sz="1200"/>
+          </a:p>
+          <a:p>
+            <a:endParaRPr lang="zh-CN" altLang="en-US" sz="1200"/>
+          </a:p>
+          <a:p>
+            <a:r>
+              <a:rPr lang="zh-CN" altLang="en-US" sz="1200"/>
+              <a:t>2、管理端通过配置策略获取地址，通过rpc的XxlJobDynamicScheduler.getExecutorBiz(address)方法获取到，Proxy.newProxyInstance(Thread.currentThread().getContextClassLoader(), new Class[] { iface },new InvocationHandler() {});代理转成特定的ExecutorBizImpl，直接执行。</a:t>
+            </a:r>
+            <a:endParaRPr lang="zh-CN" altLang="en-US" sz="1200"/>
+          </a:p>
+        </p:txBody>
+      </p:sp>
     </p:spTree>
   </p:cSld>
   <p:clrMapOvr>
@@ -9913,7 +9523,7 @@
             <a:pPr algn="ctr"/>
             <a:r>
               <a:rPr lang="zh-CN" altLang="en-US"/>
-              <a:t>分片广播功能介绍</a:t>
+              <a:t>executor-admin回调链路总结</a:t>
             </a:r>
             <a:endParaRPr lang="zh-CN" altLang="en-US"/>
           </a:p>
@@ -9927,8 +9537,8 @@
         </p:nvSpPr>
         <p:spPr>
           <a:xfrm>
-            <a:off x="252730" y="1541145"/>
-            <a:ext cx="4991100" cy="4154170"/>
+            <a:off x="1052195" y="2355215"/>
+            <a:ext cx="8435975" cy="1198880"/>
           </a:xfrm>
           <a:prstGeom prst="rect">
             <a:avLst/>
@@ -9941,178 +9551,33 @@
           </a:bodyPr>
           <a:p>
             <a:r>
-              <a:rPr lang="zh-CN" altLang="en-US" sz="1000"/>
-              <a:t>执行器集群部署时，任务路由策略选择”分片广播”情况下，一次任务调度将会广播触发对应集群中所有执行器执行一次任务，同时系统自动传递分片参数；可根据分片参数开发分片任务；</a:t>
-            </a:r>
-            <a:endParaRPr lang="zh-CN" altLang="en-US" sz="1000"/>
-          </a:p>
-          <a:p>
-            <a:r>
-              <a:rPr lang="zh-CN" altLang="en-US" sz="1000"/>
-              <a:t>“分片广播” 以执行器为维度进行分片，支持动态扩容执行器集群从而动态增加分片数量，协同进行业务处理；在进行大数据量业务操作时可显著提升任务处理能力和速度。</a:t>
-            </a:r>
-            <a:endParaRPr lang="zh-CN" altLang="en-US" sz="1000"/>
-          </a:p>
-          <a:p>
-            <a:r>
-              <a:rPr lang="zh-CN" altLang="en-US" sz="1000"/>
-              <a:t>“分片广播” 和普通任务开发流程一致，不同之处在于可以可以获取分片参数，获取分片参数进行分片业务处理。</a:t>
-            </a:r>
-            <a:endParaRPr lang="zh-CN" altLang="en-US" sz="800"/>
-          </a:p>
-          <a:p>
-            <a:endParaRPr lang="zh-CN" altLang="en-US" sz="800"/>
-          </a:p>
-          <a:p>
-            <a:r>
-              <a:rPr lang="zh-CN" altLang="en-US" sz="1000"/>
-              <a:t>Java语言任务获取分片参数方式：BEAN、GLUE模式(Java)</a:t>
-            </a:r>
-            <a:endParaRPr lang="zh-CN" altLang="en-US" sz="1000"/>
-          </a:p>
-          <a:p>
-            <a:r>
-              <a:rPr lang="zh-CN" altLang="en-US" sz="1000"/>
-              <a:t>// 可参考Sample示例执行器中的示例任务"ShardingJobHandler"了解试用 </a:t>
-            </a:r>
-            <a:endParaRPr lang="zh-CN" altLang="en-US" sz="800"/>
-          </a:p>
-          <a:p>
-            <a:r>
-              <a:rPr lang="zh-CN" altLang="en-US" sz="800" b="1"/>
-              <a:t>ShardingUtil.ShardingVO shardingVO = ShardingUtil.getShardingVo();</a:t>
-            </a:r>
-            <a:endParaRPr lang="zh-CN" altLang="en-US" sz="800"/>
-          </a:p>
-          <a:p>
-            <a:endParaRPr lang="zh-CN" altLang="en-US" sz="800"/>
-          </a:p>
-          <a:p>
-            <a:r>
-              <a:rPr lang="zh-CN" altLang="en-US" sz="1000"/>
-              <a:t>脚本语言任务获取分片参数方式：GLUE模式(Shell)、GLUE模式(Python)、GLUE模式(Nodejs)</a:t>
-            </a:r>
-            <a:endParaRPr lang="zh-CN" altLang="en-US" sz="1000"/>
-          </a:p>
-          <a:p>
-            <a:r>
-              <a:rPr lang="zh-CN" altLang="en-US" sz="1000"/>
-              <a:t>// 脚本任务入参固定为三个，依次为：任务传参、分片序号、分片总数。以Shell模式任务为例，获取分片参数代码如下</a:t>
-            </a:r>
-            <a:endParaRPr lang="zh-CN" altLang="en-US" sz="800"/>
-          </a:p>
-          <a:p>
-            <a:r>
-              <a:rPr lang="zh-CN" altLang="en-US" sz="800" b="1"/>
-              <a:t>echo "分片序号 index = $2"</a:t>
-            </a:r>
-            <a:endParaRPr lang="zh-CN" altLang="en-US" sz="800" b="1"/>
-          </a:p>
-          <a:p>
-            <a:r>
-              <a:rPr lang="zh-CN" altLang="en-US" sz="800" b="1"/>
-              <a:t>echo "分片总数 total = $3"</a:t>
-            </a:r>
-            <a:endParaRPr lang="zh-CN" altLang="en-US" sz="800"/>
-          </a:p>
-          <a:p>
-            <a:r>
-              <a:rPr lang="zh-CN" altLang="en-US" sz="1000"/>
-              <a:t>分片参数属性说明：</a:t>
-            </a:r>
-            <a:endParaRPr lang="zh-CN" altLang="en-US" sz="800"/>
-          </a:p>
-          <a:p>
-            <a:endParaRPr lang="zh-CN" altLang="en-US" sz="800"/>
-          </a:p>
-          <a:p>
-            <a:r>
-              <a:rPr lang="zh-CN" altLang="en-US" sz="800" b="1"/>
-              <a:t>index：当前分片序号(从0开始)，执行器集群列表中当前执行器的序号；</a:t>
-            </a:r>
-            <a:endParaRPr lang="zh-CN" altLang="en-US" sz="800" b="1"/>
-          </a:p>
-          <a:p>
-            <a:r>
-              <a:rPr lang="zh-CN" altLang="en-US" sz="800" b="1"/>
-              <a:t>total：总分片数，执行器集群的总机器数量；</a:t>
-            </a:r>
-            <a:endParaRPr lang="zh-CN" altLang="en-US" sz="800"/>
-          </a:p>
-          <a:p>
-            <a:r>
-              <a:rPr lang="zh-CN" altLang="en-US" sz="1000"/>
-              <a:t>该特性适用场景如：</a:t>
-            </a:r>
-            <a:endParaRPr lang="zh-CN" altLang="en-US" sz="1000"/>
-          </a:p>
-          <a:p>
-            <a:endParaRPr lang="zh-CN" altLang="en-US" sz="1000"/>
-          </a:p>
-          <a:p>
-            <a:r>
-              <a:rPr lang="zh-CN" altLang="en-US" sz="1000"/>
-              <a:t>1、分片任务场景：10个执行器的集群来处理10w条数据，每台机器只需要处理1w条数据，耗时降低10倍；</a:t>
-            </a:r>
-            <a:endParaRPr lang="zh-CN" altLang="en-US" sz="1000"/>
-          </a:p>
-          <a:p>
-            <a:r>
-              <a:rPr lang="zh-CN" altLang="en-US" sz="1000"/>
-              <a:t>2、广播任务场景：广播执行器机器运行shell脚本、广播集群节点进行缓存更新等</a:t>
-            </a:r>
-            <a:endParaRPr lang="zh-CN" altLang="en-US" sz="1000"/>
-          </a:p>
-        </p:txBody>
-      </p:sp>
-      <p:pic>
-        <p:nvPicPr>
-          <p:cNvPr id="4" name="图片 3"/>
-          <p:cNvPicPr>
-            <a:picLocks noChangeAspect="1"/>
-          </p:cNvPicPr>
-          <p:nvPr/>
-        </p:nvPicPr>
-        <p:blipFill>
-          <a:blip r:embed="rId1"/>
-          <a:stretch>
-            <a:fillRect/>
-          </a:stretch>
-        </p:blipFill>
-        <p:spPr>
-          <a:xfrm>
-            <a:off x="5188585" y="1541145"/>
-            <a:ext cx="6942455" cy="4877435"/>
-          </a:xfrm>
-          <a:prstGeom prst="rect">
-            <a:avLst/>
-          </a:prstGeom>
-        </p:spPr>
-      </p:pic>
-      <p:pic>
-        <p:nvPicPr>
-          <p:cNvPr id="5" name="图片 4"/>
-          <p:cNvPicPr>
-            <a:picLocks noChangeAspect="1"/>
-          </p:cNvPicPr>
-          <p:nvPr/>
-        </p:nvPicPr>
-        <p:blipFill>
-          <a:blip r:embed="rId2"/>
-          <a:stretch>
-            <a:fillRect/>
-          </a:stretch>
-        </p:blipFill>
-        <p:spPr>
-          <a:xfrm>
-            <a:off x="473710" y="5793740"/>
-            <a:ext cx="4451350" cy="464820"/>
-          </a:xfrm>
-          <a:prstGeom prst="rect">
-            <a:avLst/>
-          </a:prstGeom>
-        </p:spPr>
-      </p:pic>
+              <a:rPr lang="zh-CN" altLang="en-US" sz="1200"/>
+              <a:t>方法：单个执行器执行回调；多批量回调；启动注册；移除注册；</a:t>
+            </a:r>
+            <a:endParaRPr lang="zh-CN" altLang="en-US" sz="1200"/>
+          </a:p>
+          <a:p>
+            <a:endParaRPr lang="zh-CN" altLang="en-US" sz="1200"/>
+          </a:p>
+          <a:p>
+            <a:r>
+              <a:rPr lang="zh-CN" altLang="en-US" sz="1200"/>
+              <a:t>1、管理端的XxlJobDynamicScheduler.initRpcProvider()初始化出servletServerHandler发布出api服务接口。通过执行端调用过来的，方法名，参数，类路径，反射执行。记录日志或者继续执行子任务等。</a:t>
+            </a:r>
+            <a:endParaRPr lang="zh-CN" altLang="en-US" sz="1200"/>
+          </a:p>
+          <a:p>
+            <a:endParaRPr lang="zh-CN" altLang="en-US" sz="1200"/>
+          </a:p>
+          <a:p>
+            <a:r>
+              <a:rPr lang="zh-CN" altLang="en-US" sz="1200"/>
+              <a:t>2、执行器端的callback守护线程。阻塞队列的数据来源，有执行器执行后，push上去，或者是失败重试后再push上去。</a:t>
+            </a:r>
+            <a:endParaRPr lang="zh-CN" altLang="en-US" sz="1200"/>
+          </a:p>
+        </p:txBody>
+      </p:sp>
     </p:spTree>
   </p:cSld>
   <p:clrMapOvr>
@@ -10147,16 +9612,152 @@
           <a:p>
             <a:pPr algn="ctr"/>
             <a:r>
-              <a:rPr lang="zh-CN" altLang="en-US"/>
-              <a:t>GLUE模式(Java)</a:t>
+              <a:rPr lang="en-US" altLang="zh-CN"/>
+              <a:t>xxl-RPC</a:t>
             </a:r>
             <a:endParaRPr lang="zh-CN" altLang="en-US"/>
+          </a:p>
+        </p:txBody>
+      </p:sp>
+      <p:sp>
+        <p:nvSpPr>
+          <p:cNvPr id="3" name="文本框 2"/>
+          <p:cNvSpPr txBox="1"/>
+          <p:nvPr/>
+        </p:nvSpPr>
+        <p:spPr>
+          <a:xfrm>
+            <a:off x="631825" y="1824990"/>
+            <a:ext cx="10481945" cy="3569335"/>
+          </a:xfrm>
+          <a:prstGeom prst="rect">
+            <a:avLst/>
+          </a:prstGeom>
+          <a:noFill/>
+        </p:spPr>
+        <p:txBody>
+          <a:bodyPr wrap="square" rtlCol="0" anchor="t">
+            <a:spAutoFit/>
+          </a:bodyPr>
+          <a:p>
+            <a:r>
+              <a:rPr lang="zh-CN" altLang="en-US" sz="1000"/>
+              <a:t>参考：https://www.cnblogs.com/xuxueli/p/4845111.html</a:t>
+            </a:r>
+            <a:endParaRPr lang="zh-CN" altLang="en-US" sz="1200"/>
+          </a:p>
+          <a:p>
+            <a:r>
+              <a:rPr lang="zh-CN" altLang="en-US" sz="1200"/>
+              <a:t>iface = 接口类路径 ExecutorBiz.class</a:t>
+            </a:r>
+            <a:endParaRPr lang="zh-CN" altLang="en-US" sz="1200"/>
+          </a:p>
+          <a:p>
+            <a:endParaRPr lang="zh-CN" altLang="en-US" sz="1200"/>
+          </a:p>
+          <a:p>
+            <a:r>
+              <a:rPr lang="zh-CN" altLang="en-US" sz="1200"/>
+              <a:t>概念：</a:t>
+            </a:r>
+            <a:endParaRPr lang="zh-CN" altLang="en-US" sz="1200"/>
+          </a:p>
+          <a:p>
+            <a:endParaRPr lang="zh-CN" altLang="en-US" sz="1200"/>
+          </a:p>
+          <a:p>
+            <a:r>
+              <a:rPr lang="zh-CN" altLang="en-US" sz="1200"/>
+              <a:t>1、serialization：序列化，通讯数据需要经过序列化，从而支持在网络中传输；</a:t>
+            </a:r>
+            <a:endParaRPr lang="zh-CN" altLang="en-US" sz="1200"/>
+          </a:p>
+          <a:p>
+            <a:r>
+              <a:rPr lang="zh-CN" altLang="en-US" sz="1200"/>
+              <a:t>2、deserialization：反序列化，服务接受到序列化的请求数据，需要序列化为底层原始数据；</a:t>
+            </a:r>
+            <a:endParaRPr lang="zh-CN" altLang="en-US" sz="1200"/>
+          </a:p>
+          <a:p>
+            <a:r>
+              <a:rPr lang="zh-CN" altLang="en-US" sz="1200"/>
+              <a:t>3、stub：体现在XXL-RPC为服务的api接口；</a:t>
+            </a:r>
+            <a:endParaRPr lang="zh-CN" altLang="en-US" sz="1200"/>
+          </a:p>
+          <a:p>
+            <a:r>
+              <a:rPr lang="zh-CN" altLang="en-US" sz="1200"/>
+              <a:t>4、skeleton：体现在XXL-RPC为服务的实现api接口的具体服务；</a:t>
+            </a:r>
+            <a:endParaRPr lang="zh-CN" altLang="en-US" sz="1200"/>
+          </a:p>
+          <a:p>
+            <a:r>
+              <a:rPr lang="zh-CN" altLang="en-US" sz="1200"/>
+              <a:t>5、proxy：根据远程服务的stub生成的代理服务，对开发人员透明；</a:t>
+            </a:r>
+            <a:endParaRPr lang="zh-CN" altLang="en-US" sz="1200"/>
+          </a:p>
+          <a:p>
+            <a:r>
+              <a:rPr lang="zh-CN" altLang="en-US" sz="1200"/>
+              <a:t>6、provider：远程服务的提供方；</a:t>
+            </a:r>
+            <a:endParaRPr lang="zh-CN" altLang="en-US" sz="1200"/>
+          </a:p>
+          <a:p>
+            <a:r>
+              <a:rPr lang="zh-CN" altLang="en-US" sz="1200"/>
+              <a:t>7、consumer：远程服务的消费方；</a:t>
+            </a:r>
+            <a:endParaRPr lang="zh-CN" altLang="en-US" sz="1200"/>
+          </a:p>
+          <a:p>
+            <a:r>
+              <a:rPr lang="zh-CN" altLang="en-US" sz="1200"/>
+              <a:t>RPC通讯，可大致划分为四个步骤，可参考上图进行理解：（XXL-RPC提供了多种调用方案，此处以 “SYNC” 方案为例讲解；）</a:t>
+            </a:r>
+            <a:endParaRPr lang="zh-CN" altLang="en-US" sz="1200"/>
+          </a:p>
+          <a:p>
+            <a:endParaRPr lang="zh-CN" altLang="en-US" sz="1200"/>
+          </a:p>
+          <a:p>
+            <a:r>
+              <a:rPr lang="zh-CN" altLang="en-US" sz="1200"/>
+              <a:t>1、consumer发起请求：consumer会根据远程服务的stub实例化远程服务的代理服务，在发起请求时，代理服务会封装本次请求相关底层数据，如服务iface、methos、params等等，然后将数据经过serialization之后发送给provider；</a:t>
+            </a:r>
+            <a:endParaRPr lang="zh-CN" altLang="en-US" sz="1200"/>
+          </a:p>
+          <a:p>
+            <a:r>
+              <a:rPr lang="zh-CN" altLang="en-US" sz="1200"/>
+              <a:t>2、provider接收请求：provider接收到请求数据，首先会deserialization获取原始请求数据，然后根据stub匹配目标服务并调用；</a:t>
+            </a:r>
+            <a:endParaRPr lang="zh-CN" altLang="en-US" sz="1200"/>
+          </a:p>
+          <a:p>
+            <a:r>
+              <a:rPr lang="zh-CN" altLang="en-US" sz="1200"/>
+              <a:t>3、provider响应请求：provider在调用目标服务后，封装服务返回数据并进行serialization，然后把数据传输给consumer；</a:t>
+            </a:r>
+            <a:endParaRPr lang="zh-CN" altLang="en-US" sz="1200"/>
+          </a:p>
+          <a:p>
+            <a:r>
+              <a:rPr lang="zh-CN" altLang="en-US" sz="1200"/>
+              <a:t>4、consumer接收响应：consumer接受到相应数据后，首先会deserialization获取原始数据，然后根据stub生成调用返回结果，返回给请求调用处。结束。</a:t>
+            </a:r>
+            <a:endParaRPr lang="zh-CN" altLang="en-US" sz="1200"/>
           </a:p>
         </p:txBody>
       </p:sp>
       <p:pic>
         <p:nvPicPr>
-          <p:cNvPr id="3" name="图片 2"/>
+          <p:cNvPr id="4" name="图片 3"/>
           <p:cNvPicPr>
             <a:picLocks noChangeAspect="1"/>
           </p:cNvPicPr>
@@ -10170,56 +9771,8 @@
         </p:blipFill>
         <p:spPr>
           <a:xfrm>
-            <a:off x="492760" y="1520190"/>
-            <a:ext cx="4789805" cy="2732405"/>
-          </a:xfrm>
-          <a:prstGeom prst="rect">
-            <a:avLst/>
-          </a:prstGeom>
-        </p:spPr>
-      </p:pic>
-      <p:pic>
-        <p:nvPicPr>
-          <p:cNvPr id="4" name="图片 3"/>
-          <p:cNvPicPr>
-            <a:picLocks noChangeAspect="1"/>
-          </p:cNvPicPr>
-          <p:nvPr/>
-        </p:nvPicPr>
-        <p:blipFill>
-          <a:blip r:embed="rId2"/>
-          <a:stretch>
-            <a:fillRect/>
-          </a:stretch>
-        </p:blipFill>
-        <p:spPr>
-          <a:xfrm>
-            <a:off x="584200" y="4252595"/>
-            <a:ext cx="9427845" cy="1950085"/>
-          </a:xfrm>
-          <a:prstGeom prst="rect">
-            <a:avLst/>
-          </a:prstGeom>
-        </p:spPr>
-      </p:pic>
-      <p:pic>
-        <p:nvPicPr>
-          <p:cNvPr id="5" name="图片 4"/>
-          <p:cNvPicPr>
-            <a:picLocks noChangeAspect="1"/>
-          </p:cNvPicPr>
-          <p:nvPr/>
-        </p:nvPicPr>
-        <p:blipFill>
-          <a:blip r:embed="rId3"/>
-          <a:stretch>
-            <a:fillRect/>
-          </a:stretch>
-        </p:blipFill>
-        <p:spPr>
-          <a:xfrm>
-            <a:off x="5416550" y="1819275"/>
-            <a:ext cx="5093335" cy="2305050"/>
+            <a:off x="8045450" y="1210310"/>
+            <a:ext cx="3506470" cy="2721610"/>
           </a:xfrm>
           <a:prstGeom prst="rect">
             <a:avLst/>
@@ -10254,23 +9807,14 @@
             <p:ph type="title"/>
           </p:nvPr>
         </p:nvSpPr>
-        <p:spPr>
-          <a:xfrm>
-            <a:off x="838200" y="358140"/>
-            <a:ext cx="10515600" cy="1325563"/>
-          </a:xfrm>
-        </p:spPr>
-        <p:txBody>
-          <a:bodyPr>
-            <a:normAutofit/>
-          </a:bodyPr>
+        <p:spPr/>
+        <p:txBody>
+          <a:bodyPr/>
           <a:p>
             <a:pPr algn="ctr"/>
             <a:r>
-              <a:rPr lang="zh-CN" altLang="en-US">
-                <a:sym typeface="+mn-ea"/>
-              </a:rPr>
-              <a:t>GLUE模式(Java)的注意事项</a:t>
+              <a:rPr lang="zh-CN" altLang="en-US"/>
+              <a:t>阻塞处理策略说明</a:t>
             </a:r>
             <a:endParaRPr lang="zh-CN" altLang="en-US"/>
           </a:p>
@@ -10278,14 +9822,14 @@
       </p:sp>
       <p:sp>
         <p:nvSpPr>
-          <p:cNvPr id="106" name="文本框 105"/>
+          <p:cNvPr id="100" name="文本框 99"/>
           <p:cNvSpPr txBox="1"/>
           <p:nvPr/>
         </p:nvSpPr>
         <p:spPr>
           <a:xfrm>
-            <a:off x="3556000" y="1974533"/>
-            <a:ext cx="5080000" cy="575945"/>
+            <a:off x="3076575" y="1690688"/>
+            <a:ext cx="5080000" cy="899160"/>
           </a:xfrm>
           <a:prstGeom prst="rect">
             <a:avLst/>
@@ -10303,40 +9847,82 @@
             <a:pPr indent="0"/>
             <a:r>
               <a:rPr lang="zh-CN" sz="1050" b="0">
+                <a:solidFill>
+                  <a:schemeClr val="tx1"/>
+                </a:solidFill>
                 <a:ea typeface="等线" panose="02010600030101010101" charset="-122"/>
               </a:rPr>
-              <a:t>关于</a:t>
-            </a:r>
+              <a:t>这里的阻塞不是集群多个一起阻塞，是单机的，一个定时器如果在不断的执行的过程中，发现上次的还没执行完，这次又开始了，就会有三种选择。</a:t>
+            </a:r>
+            <a:endParaRPr lang="zh-CN" sz="1050" b="0">
+              <a:solidFill>
+                <a:schemeClr val="tx1"/>
+              </a:solidFill>
+              <a:ea typeface="等线" panose="02010600030101010101" charset="-122"/>
+            </a:endParaRPr>
+          </a:p>
+          <a:p>
+            <a:pPr indent="0"/>
             <a:r>
               <a:rPr lang="zh-CN" sz="1050" b="0">
+                <a:solidFill>
+                  <a:schemeClr val="tx1"/>
+                </a:solidFill>
                 <a:ea typeface="等线" panose="02010600030101010101" charset="-122"/>
-                <a:cs typeface="Times New Roman" panose="02020603050405020304" charset="0"/>
-              </a:rPr>
-              <a:t>GLUE模式（java）线上编程，写的执行器问题：</a:t>
-            </a:r>
-            <a:r>
-              <a:rPr lang="en-US" sz="1050" b="0">
-                <a:latin typeface="等线" panose="02010600030101010101" charset="-122"/>
-                <a:cs typeface="Times New Roman" panose="02020603050405020304" charset="0"/>
-              </a:rPr>
-              <a:t>-S</a:t>
-            </a:r>
+              </a:rPr>
+              <a:t>第一种是单机串行，就是等待执行完。</a:t>
+            </a:r>
+            <a:endParaRPr lang="zh-CN" sz="1050" b="0">
+              <a:solidFill>
+                <a:schemeClr val="tx1"/>
+              </a:solidFill>
+              <a:ea typeface="等线" panose="02010600030101010101" charset="-122"/>
+            </a:endParaRPr>
+          </a:p>
+          <a:p>
+            <a:pPr indent="0"/>
             <a:r>
               <a:rPr lang="zh-CN" sz="1050" b="0">
+                <a:solidFill>
+                  <a:schemeClr val="tx1"/>
+                </a:solidFill>
                 <a:ea typeface="等线" panose="02010600030101010101" charset="-122"/>
-                <a:cs typeface="Times New Roman" panose="02020603050405020304" charset="0"/>
-              </a:rPr>
-              <a:t>pring的注入注解，可以执行成功，没问题，但是dubbo的获取api注解取不到，异常。酌情编码。</a:t>
-            </a:r>
-            <a:endParaRPr lang="zh-CN" altLang="en-US"/>
+              </a:rPr>
+              <a:t>第二种就是丢弃掉，不执行了。</a:t>
+            </a:r>
+            <a:endParaRPr lang="zh-CN" sz="1050" b="0">
+              <a:solidFill>
+                <a:schemeClr val="tx1"/>
+              </a:solidFill>
+              <a:ea typeface="等线" panose="02010600030101010101" charset="-122"/>
+            </a:endParaRPr>
+          </a:p>
+          <a:p>
+            <a:pPr indent="0"/>
+            <a:r>
+              <a:rPr lang="zh-CN" sz="1050" b="0">
+                <a:solidFill>
+                  <a:schemeClr val="tx1"/>
+                </a:solidFill>
+                <a:ea typeface="等线" panose="02010600030101010101" charset="-122"/>
+              </a:rPr>
+              <a:t>第三种就是直接覆盖掉之前的（这里之前的就会被中断掉），直接去执行。</a:t>
+            </a:r>
+            <a:endParaRPr lang="zh-CN" altLang="en-US" sz="1050" b="0">
+              <a:solidFill>
+                <a:schemeClr val="tx1"/>
+              </a:solidFill>
+              <a:ea typeface="等线" panose="02010600030101010101" charset="-122"/>
+            </a:endParaRPr>
           </a:p>
         </p:txBody>
       </p:sp>
       <p:pic>
         <p:nvPicPr>
-          <p:cNvPr id="3" name="图片 2"/>
-          <p:cNvPicPr/>
+          <p:cNvPr id="5" name="图片 5"/>
+          <p:cNvPicPr>
+            <a:picLocks noChangeAspect="1"/>
+          </p:cNvPicPr>
           <p:nvPr/>
         </p:nvPicPr>
         <p:blipFill>
@@ -10347,16 +9933,155 @@
         </p:blipFill>
         <p:spPr>
           <a:xfrm>
-            <a:off x="3556000" y="2550478"/>
-            <a:ext cx="5280660" cy="3268980"/>
+            <a:off x="3011488" y="2695575"/>
+            <a:ext cx="5210175" cy="1466850"/>
+          </a:xfrm>
+          <a:prstGeom prst="rect">
+            <a:avLst/>
+          </a:prstGeom>
+        </p:spPr>
+      </p:pic>
+      <p:sp>
+        <p:nvSpPr>
+          <p:cNvPr id="3" name="文本框 2"/>
+          <p:cNvSpPr txBox="1"/>
+          <p:nvPr/>
+        </p:nvSpPr>
+        <p:spPr>
+          <a:xfrm>
+            <a:off x="3011805" y="4461510"/>
+            <a:ext cx="4643120" cy="645160"/>
           </a:xfrm>
           <a:prstGeom prst="rect">
             <a:avLst/>
           </a:prstGeom>
           <a:noFill/>
-          <a:ln w="9525">
-            <a:noFill/>
-          </a:ln>
+        </p:spPr>
+        <p:txBody>
+          <a:bodyPr wrap="square" rtlCol="0" anchor="t">
+            <a:spAutoFit/>
+          </a:bodyPr>
+          <a:p>
+            <a:r>
+              <a:rPr lang="zh-CN" altLang="en-US"/>
+              <a:t>XxlJobExecutor 的jobThreadRepository</a:t>
+            </a:r>
+            <a:endParaRPr lang="zh-CN" altLang="en-US"/>
+          </a:p>
+          <a:p>
+            <a:r>
+              <a:rPr lang="zh-CN" altLang="en-US"/>
+              <a:t>ExecutorBizImpl的run</a:t>
+            </a:r>
+            <a:r>
+              <a:rPr lang="en-US" altLang="zh-CN"/>
+              <a:t>()</a:t>
+            </a:r>
+            <a:endParaRPr lang="en-US" altLang="zh-CN"/>
+          </a:p>
+        </p:txBody>
+      </p:sp>
+      <p:sp>
+        <p:nvSpPr>
+          <p:cNvPr id="4" name="文本框 3"/>
+          <p:cNvSpPr txBox="1"/>
+          <p:nvPr/>
+        </p:nvSpPr>
+        <p:spPr>
+          <a:xfrm>
+            <a:off x="2923540" y="5106670"/>
+            <a:ext cx="4127500" cy="860425"/>
+          </a:xfrm>
+          <a:prstGeom prst="rect">
+            <a:avLst/>
+          </a:prstGeom>
+          <a:noFill/>
+        </p:spPr>
+        <p:txBody>
+          <a:bodyPr wrap="square" rtlCol="0" anchor="t">
+            <a:spAutoFit/>
+          </a:bodyPr>
+          <a:p>
+            <a:r>
+              <a:rPr lang="en-US" altLang="zh-CN" sz="1000"/>
+              <a:t>1</a:t>
+            </a:r>
+            <a:r>
+              <a:rPr lang="zh-CN" altLang="en-US" sz="1000"/>
+              <a:t>、如果是后续丢弃策略，并且老的任务还在运行中，则返回并且记录丢弃的日志。</a:t>
+            </a:r>
+            <a:endParaRPr lang="zh-CN" altLang="en-US" sz="1000"/>
+          </a:p>
+          <a:p>
+            <a:r>
+              <a:rPr lang="en-US" altLang="zh-CN" sz="1000"/>
+              <a:t>2</a:t>
+            </a:r>
+            <a:r>
+              <a:rPr lang="zh-CN" altLang="en-US" sz="1000"/>
+              <a:t>、如果是覆盖之前的调度，则产生新的调度线程，并且停止老的，中断老的，返回新的</a:t>
+            </a:r>
+            <a:r>
+              <a:rPr lang="en-US" altLang="zh-CN" sz="1000"/>
+              <a:t>thread</a:t>
+            </a:r>
+            <a:r>
+              <a:rPr lang="zh-CN" altLang="en-US" sz="1000"/>
+              <a:t>。XxlJobExecutor的registJobThread</a:t>
+            </a:r>
+            <a:r>
+              <a:rPr lang="en-US" altLang="zh-CN" sz="1000"/>
+              <a:t>()</a:t>
+            </a:r>
+            <a:r>
+              <a:rPr lang="zh-CN" altLang="en-US" sz="1000"/>
+              <a:t>方法。</a:t>
+            </a:r>
+            <a:endParaRPr lang="zh-CN" altLang="en-US" sz="1000"/>
+          </a:p>
+          <a:p>
+            <a:r>
+              <a:rPr lang="en-US" altLang="zh-CN" sz="1000"/>
+              <a:t>3</a:t>
+            </a:r>
+            <a:r>
+              <a:rPr lang="zh-CN" altLang="en-US" sz="1000"/>
+              <a:t>、单机串行啥也不做，把新的任务</a:t>
+            </a:r>
+            <a:r>
+              <a:rPr lang="en-US" altLang="zh-CN" sz="1000"/>
+              <a:t>push</a:t>
+            </a:r>
+            <a:r>
+              <a:rPr lang="zh-CN" altLang="en-US" sz="1000"/>
+              <a:t>到阻塞队列里面就可以了。</a:t>
+            </a:r>
+            <a:endParaRPr lang="zh-CN" altLang="en-US" sz="1000"/>
+          </a:p>
+        </p:txBody>
+      </p:sp>
+      <p:pic>
+        <p:nvPicPr>
+          <p:cNvPr id="6" name="图片 5"/>
+          <p:cNvPicPr>
+            <a:picLocks noChangeAspect="1"/>
+          </p:cNvPicPr>
+          <p:nvPr/>
+        </p:nvPicPr>
+        <p:blipFill>
+          <a:blip r:embed="rId2"/>
+          <a:stretch>
+            <a:fillRect/>
+          </a:stretch>
+        </p:blipFill>
+        <p:spPr>
+          <a:xfrm>
+            <a:off x="7127875" y="4382135"/>
+            <a:ext cx="4548505" cy="2307590"/>
+          </a:xfrm>
+          <a:prstGeom prst="rect">
+            <a:avLst/>
+          </a:prstGeom>
         </p:spPr>
       </p:pic>
     </p:spTree>
@@ -10394,16 +10119,164 @@
             <a:pPr algn="ctr"/>
             <a:r>
               <a:rPr lang="zh-CN" altLang="en-US"/>
-              <a:t>部分操作注意点</a:t>
+              <a:t>分片广播功能介绍</a:t>
             </a:r>
             <a:endParaRPr lang="zh-CN" altLang="en-US"/>
+          </a:p>
+        </p:txBody>
+      </p:sp>
+      <p:sp>
+        <p:nvSpPr>
+          <p:cNvPr id="3" name="文本框 2"/>
+          <p:cNvSpPr txBox="1"/>
+          <p:nvPr/>
+        </p:nvSpPr>
+        <p:spPr>
+          <a:xfrm>
+            <a:off x="252730" y="1541145"/>
+            <a:ext cx="4991100" cy="4154170"/>
+          </a:xfrm>
+          <a:prstGeom prst="rect">
+            <a:avLst/>
+          </a:prstGeom>
+          <a:noFill/>
+        </p:spPr>
+        <p:txBody>
+          <a:bodyPr wrap="square" rtlCol="0" anchor="t">
+            <a:spAutoFit/>
+          </a:bodyPr>
+          <a:p>
+            <a:r>
+              <a:rPr lang="zh-CN" altLang="en-US" sz="1000"/>
+              <a:t>执行器集群部署时，任务路由策略选择”分片广播”情况下，一次任务调度将会广播触发对应集群中所有执行器执行一次任务，同时系统自动传递分片参数；可根据分片参数开发分片任务；</a:t>
+            </a:r>
+            <a:endParaRPr lang="zh-CN" altLang="en-US" sz="1000"/>
+          </a:p>
+          <a:p>
+            <a:r>
+              <a:rPr lang="zh-CN" altLang="en-US" sz="1000"/>
+              <a:t>“分片广播” 以执行器为维度进行分片，支持动态扩容执行器集群从而动态增加分片数量，协同进行业务处理；在进行大数据量业务操作时可显著提升任务处理能力和速度。</a:t>
+            </a:r>
+            <a:endParaRPr lang="zh-CN" altLang="en-US" sz="1000"/>
+          </a:p>
+          <a:p>
+            <a:r>
+              <a:rPr lang="zh-CN" altLang="en-US" sz="1000"/>
+              <a:t>“分片广播” 和普通任务开发流程一致，不同之处在于可以可以获取分片参数，获取分片参数进行分片业务处理。</a:t>
+            </a:r>
+            <a:endParaRPr lang="zh-CN" altLang="en-US" sz="800"/>
+          </a:p>
+          <a:p>
+            <a:endParaRPr lang="zh-CN" altLang="en-US" sz="800"/>
+          </a:p>
+          <a:p>
+            <a:r>
+              <a:rPr lang="zh-CN" altLang="en-US" sz="1000"/>
+              <a:t>Java语言任务获取分片参数方式：BEAN、GLUE模式(Java)</a:t>
+            </a:r>
+            <a:endParaRPr lang="zh-CN" altLang="en-US" sz="1000"/>
+          </a:p>
+          <a:p>
+            <a:r>
+              <a:rPr lang="zh-CN" altLang="en-US" sz="1000"/>
+              <a:t>// 可参考Sample示例执行器中的示例任务"ShardingJobHandler"了解试用 </a:t>
+            </a:r>
+            <a:endParaRPr lang="zh-CN" altLang="en-US" sz="800"/>
+          </a:p>
+          <a:p>
+            <a:r>
+              <a:rPr lang="zh-CN" altLang="en-US" sz="800" b="1"/>
+              <a:t>ShardingUtil.ShardingVO shardingVO = ShardingUtil.getShardingVo();</a:t>
+            </a:r>
+            <a:endParaRPr lang="zh-CN" altLang="en-US" sz="800"/>
+          </a:p>
+          <a:p>
+            <a:endParaRPr lang="zh-CN" altLang="en-US" sz="800"/>
+          </a:p>
+          <a:p>
+            <a:r>
+              <a:rPr lang="zh-CN" altLang="en-US" sz="1000"/>
+              <a:t>脚本语言任务获取分片参数方式：GLUE模式(Shell)、GLUE模式(Python)、GLUE模式(Nodejs)</a:t>
+            </a:r>
+            <a:endParaRPr lang="zh-CN" altLang="en-US" sz="1000"/>
+          </a:p>
+          <a:p>
+            <a:r>
+              <a:rPr lang="zh-CN" altLang="en-US" sz="1000"/>
+              <a:t>// 脚本任务入参固定为三个，依次为：任务传参、分片序号、分片总数。以Shell模式任务为例，获取分片参数代码如下</a:t>
+            </a:r>
+            <a:endParaRPr lang="zh-CN" altLang="en-US" sz="800"/>
+          </a:p>
+          <a:p>
+            <a:r>
+              <a:rPr lang="zh-CN" altLang="en-US" sz="800" b="1"/>
+              <a:t>echo "分片序号 index = $2"</a:t>
+            </a:r>
+            <a:endParaRPr lang="zh-CN" altLang="en-US" sz="800" b="1"/>
+          </a:p>
+          <a:p>
+            <a:r>
+              <a:rPr lang="zh-CN" altLang="en-US" sz="800" b="1"/>
+              <a:t>echo "分片总数 total = $3"</a:t>
+            </a:r>
+            <a:endParaRPr lang="zh-CN" altLang="en-US" sz="800"/>
+          </a:p>
+          <a:p>
+            <a:r>
+              <a:rPr lang="zh-CN" altLang="en-US" sz="1000"/>
+              <a:t>分片参数属性说明：</a:t>
+            </a:r>
+            <a:endParaRPr lang="zh-CN" altLang="en-US" sz="800"/>
+          </a:p>
+          <a:p>
+            <a:endParaRPr lang="zh-CN" altLang="en-US" sz="800"/>
+          </a:p>
+          <a:p>
+            <a:r>
+              <a:rPr lang="zh-CN" altLang="en-US" sz="800" b="1"/>
+              <a:t>index：当前分片序号(从0开始)，执行器集群列表中当前执行器的序号；</a:t>
+            </a:r>
+            <a:endParaRPr lang="zh-CN" altLang="en-US" sz="800" b="1"/>
+          </a:p>
+          <a:p>
+            <a:r>
+              <a:rPr lang="zh-CN" altLang="en-US" sz="800" b="1"/>
+              <a:t>total：总分片数，执行器集群的总机器数量；</a:t>
+            </a:r>
+            <a:endParaRPr lang="zh-CN" altLang="en-US" sz="800"/>
+          </a:p>
+          <a:p>
+            <a:r>
+              <a:rPr lang="zh-CN" altLang="en-US" sz="1000"/>
+              <a:t>该特性适用场景如：</a:t>
+            </a:r>
+            <a:endParaRPr lang="zh-CN" altLang="en-US" sz="1000"/>
+          </a:p>
+          <a:p>
+            <a:endParaRPr lang="zh-CN" altLang="en-US" sz="1000"/>
+          </a:p>
+          <a:p>
+            <a:r>
+              <a:rPr lang="zh-CN" altLang="en-US" sz="1000"/>
+              <a:t>1、分片任务场景：10个执行器的集群来处理10w条数据，每台机器只需要处理1w条数据，耗时降低10倍；</a:t>
+            </a:r>
+            <a:endParaRPr lang="zh-CN" altLang="en-US" sz="1000"/>
+          </a:p>
+          <a:p>
+            <a:r>
+              <a:rPr lang="zh-CN" altLang="en-US" sz="1000"/>
+              <a:t>2、广播任务场景：广播执行器机器运行shell脚本、广播集群节点进行缓存更新等</a:t>
+            </a:r>
+            <a:endParaRPr lang="zh-CN" altLang="en-US" sz="1000"/>
           </a:p>
         </p:txBody>
       </p:sp>
       <p:pic>
         <p:nvPicPr>
-          <p:cNvPr id="6" name="图片 5"/>
-          <p:cNvPicPr/>
+          <p:cNvPr id="4" name="图片 3"/>
+          <p:cNvPicPr>
+            <a:picLocks noChangeAspect="1"/>
+          </p:cNvPicPr>
           <p:nvPr/>
         </p:nvPicPr>
         <p:blipFill>
@@ -10414,65 +10287,20 @@
         </p:blipFill>
         <p:spPr>
           <a:xfrm>
-            <a:off x="3455670" y="1544003"/>
-            <a:ext cx="5280660" cy="1714500"/>
+            <a:off x="5188585" y="1541145"/>
+            <a:ext cx="6942455" cy="4877435"/>
           </a:xfrm>
           <a:prstGeom prst="rect">
             <a:avLst/>
           </a:prstGeom>
-          <a:noFill/>
-          <a:ln w="9525">
-            <a:noFill/>
-          </a:ln>
         </p:spPr>
       </p:pic>
-      <p:sp>
-        <p:nvSpPr>
-          <p:cNvPr id="105" name="文本框 104"/>
-          <p:cNvSpPr txBox="1"/>
-          <p:nvPr/>
-        </p:nvSpPr>
-        <p:spPr>
-          <a:xfrm>
-            <a:off x="3455670" y="3258503"/>
-            <a:ext cx="5080000" cy="1060450"/>
-          </a:xfrm>
-          <a:prstGeom prst="rect">
-            <a:avLst/>
-          </a:prstGeom>
-          <a:noFill/>
-          <a:ln w="9525">
-            <a:noFill/>
-          </a:ln>
-        </p:spPr>
-        <p:txBody>
-          <a:bodyPr>
-            <a:spAutoFit/>
-          </a:bodyPr>
-          <a:p>
-            <a:pPr indent="0"/>
-            <a:r>
-              <a:rPr lang="zh-CN" sz="1050" b="0">
-                <a:ea typeface="等线" panose="02010600030101010101" charset="-122"/>
-              </a:rPr>
-              <a:t>操作的话：</a:t>
-            </a:r>
-            <a:r>
-              <a:rPr lang="zh-CN" sz="1050" b="1">
-                <a:ea typeface="等线" panose="02010600030101010101" charset="-122"/>
-              </a:rPr>
-              <a:t>执行是执行一次，并且可以传入自己自定义的参数，启动则启动，停止这里有一个问题，点击停止后，如果是串行执行的，需要去日志那里再停止一次中断才行。不然得等到定时任务将之前的串行等待的执行完才会停止。-若是直接停止的话，则是会等待定时任务结束才会停止，不会直接中断定时器的这一个过程。-去日志终止任务，这边是直接中断操作，如下图：</a:t>
-            </a:r>
-            <a:endParaRPr lang="zh-CN" altLang="en-US"/>
-          </a:p>
-        </p:txBody>
-      </p:sp>
       <p:pic>
         <p:nvPicPr>
-          <p:cNvPr id="7" name="图片 6"/>
-          <p:cNvPicPr/>
+          <p:cNvPr id="5" name="图片 4"/>
+          <p:cNvPicPr>
+            <a:picLocks noChangeAspect="1"/>
+          </p:cNvPicPr>
           <p:nvPr/>
         </p:nvPicPr>
         <p:blipFill>
@@ -10483,62 +10311,14 @@
         </p:blipFill>
         <p:spPr>
           <a:xfrm>
-            <a:off x="3455670" y="4318953"/>
-            <a:ext cx="5280660" cy="1592580"/>
+            <a:off x="480060" y="5793740"/>
+            <a:ext cx="4451350" cy="464820"/>
           </a:xfrm>
           <a:prstGeom prst="rect">
             <a:avLst/>
           </a:prstGeom>
-          <a:noFill/>
-          <a:ln w="9525">
-            <a:noFill/>
-          </a:ln>
         </p:spPr>
       </p:pic>
-      <p:sp>
-        <p:nvSpPr>
-          <p:cNvPr id="106" name="文本框 105"/>
-          <p:cNvSpPr txBox="1"/>
-          <p:nvPr/>
-        </p:nvSpPr>
-        <p:spPr>
-          <a:xfrm>
-            <a:off x="3455670" y="5911532"/>
-            <a:ext cx="5080000" cy="575945"/>
-          </a:xfrm>
-          <a:prstGeom prst="rect">
-            <a:avLst/>
-          </a:prstGeom>
-          <a:noFill/>
-          <a:ln w="9525">
-            <a:noFill/>
-          </a:ln>
-        </p:spPr>
-        <p:txBody>
-          <a:bodyPr>
-            <a:spAutoFit/>
-          </a:bodyPr>
-          <a:p>
-            <a:pPr indent="0"/>
-            <a:r>
-              <a:rPr lang="en-US" sz="1050" b="0">
-                <a:latin typeface="等线" panose="02010600030101010101" charset="-122"/>
-                <a:cs typeface="Times New Roman" panose="02020603050405020304" charset="0"/>
-              </a:rPr>
-              <a:t>- </a:t>
-            </a:r>
-            <a:r>
-              <a:rPr lang="zh-CN" sz="1050" b="0">
-                <a:ea typeface="等线" panose="02010600030101010101" charset="-122"/>
-              </a:rPr>
-              <a:t>-针对于集群的情况下，终止任务是，单台单台终止的，不是一次都停掉。</a:t>
-            </a:r>
-            <a:endParaRPr lang="zh-CN" altLang="en-US"/>
-          </a:p>
-        </p:txBody>
-      </p:sp>
     </p:spTree>
   </p:cSld>
   <p:clrMapOvr>
@@ -10574,96 +10354,84 @@
             <a:pPr algn="ctr"/>
             <a:r>
               <a:rPr lang="zh-CN" altLang="en-US"/>
-              <a:t>执行器的灰度上线</a:t>
+              <a:t>GLUE模式(Java)</a:t>
             </a:r>
             <a:endParaRPr lang="zh-CN" altLang="en-US"/>
           </a:p>
         </p:txBody>
       </p:sp>
-      <p:sp>
-        <p:nvSpPr>
-          <p:cNvPr id="3" name="文本框 2"/>
-          <p:cNvSpPr txBox="1"/>
+      <p:pic>
+        <p:nvPicPr>
+          <p:cNvPr id="3" name="图片 2"/>
+          <p:cNvPicPr>
+            <a:picLocks noChangeAspect="1"/>
+          </p:cNvPicPr>
           <p:nvPr/>
-        </p:nvSpPr>
+        </p:nvPicPr>
+        <p:blipFill>
+          <a:blip r:embed="rId1"/>
+          <a:stretch>
+            <a:fillRect/>
+          </a:stretch>
+        </p:blipFill>
         <p:spPr>
           <a:xfrm>
-            <a:off x="1372235" y="1888490"/>
-            <a:ext cx="8744585" cy="3692525"/>
+            <a:off x="492760" y="1520190"/>
+            <a:ext cx="4789805" cy="2732405"/>
           </a:xfrm>
           <a:prstGeom prst="rect">
             <a:avLst/>
           </a:prstGeom>
-          <a:noFill/>
-        </p:spPr>
-        <p:txBody>
-          <a:bodyPr wrap="square" rtlCol="0" anchor="t">
-            <a:spAutoFit/>
-          </a:bodyPr>
-          <a:p>
-            <a:r>
-              <a:rPr lang="zh-CN" altLang="en-US"/>
-              <a:t>5.14 执行器灰度上线</a:t>
-            </a:r>
-            <a:endParaRPr lang="zh-CN" altLang="en-US"/>
-          </a:p>
-          <a:p>
-            <a:r>
-              <a:rPr lang="zh-CN" altLang="en-US"/>
-              <a:t>调度中心与业务解耦，只需部署一次后常年不需要维护。但是，执行器中托管运行着业务作业，作业上线和变更需要重启执行器，尤其是Bean模式任务。</a:t>
-            </a:r>
-            <a:endParaRPr lang="zh-CN" altLang="en-US"/>
-          </a:p>
-          <a:p>
-            <a:r>
-              <a:rPr lang="zh-CN" altLang="en-US"/>
-              <a:t>执行器重启可能会中断运行中的任务。但是，XXL-JOB得益于自建执行器与自建注册中心，可以通过灰度上线的方式，避免因重启导致的任务中断的问题。</a:t>
-            </a:r>
-            <a:endParaRPr lang="zh-CN" altLang="en-US"/>
-          </a:p>
-          <a:p>
-            <a:endParaRPr lang="zh-CN" altLang="en-US"/>
-          </a:p>
-          <a:p>
-            <a:r>
-              <a:rPr lang="zh-CN" altLang="en-US"/>
-              <a:t>步骤如下：</a:t>
-            </a:r>
-            <a:endParaRPr lang="zh-CN" altLang="en-US"/>
-          </a:p>
-          <a:p>
-            <a:endParaRPr lang="zh-CN" altLang="en-US"/>
-          </a:p>
-          <a:p>
-            <a:r>
-              <a:rPr lang="zh-CN" altLang="en-US"/>
-              <a:t>1、执行器改为手动注册，下线一半机器列表（A组），线上运行另一半机器列表（B组）；</a:t>
-            </a:r>
-            <a:endParaRPr lang="zh-CN" altLang="en-US"/>
-          </a:p>
-          <a:p>
-            <a:r>
-              <a:rPr lang="zh-CN" altLang="en-US"/>
-              <a:t>2、等待A组机器任务运行结束并编译上线；执行器注册地址替换为A组；</a:t>
-            </a:r>
-            <a:endParaRPr lang="zh-CN" altLang="en-US"/>
-          </a:p>
-          <a:p>
-            <a:r>
-              <a:rPr lang="zh-CN" altLang="en-US"/>
-              <a:t>3、等待B组机器任务运行结束并编译上线；执行器注册地址替换为A组+B组；</a:t>
-            </a:r>
-            <a:endParaRPr lang="zh-CN" altLang="en-US"/>
-          </a:p>
-          <a:p>
-            <a:r>
-              <a:rPr lang="zh-CN" altLang="en-US"/>
-              <a:t>操作结束；</a:t>
-            </a:r>
-            <a:endParaRPr lang="zh-CN" altLang="en-US"/>
-          </a:p>
-        </p:txBody>
-      </p:sp>
+        </p:spPr>
+      </p:pic>
+      <p:pic>
+        <p:nvPicPr>
+          <p:cNvPr id="4" name="图片 3"/>
+          <p:cNvPicPr>
+            <a:picLocks noChangeAspect="1"/>
+          </p:cNvPicPr>
+          <p:nvPr/>
+        </p:nvPicPr>
+        <p:blipFill>
+          <a:blip r:embed="rId2"/>
+          <a:stretch>
+            <a:fillRect/>
+          </a:stretch>
+        </p:blipFill>
+        <p:spPr>
+          <a:xfrm>
+            <a:off x="584200" y="4252595"/>
+            <a:ext cx="9427845" cy="1950085"/>
+          </a:xfrm>
+          <a:prstGeom prst="rect">
+            <a:avLst/>
+          </a:prstGeom>
+        </p:spPr>
+      </p:pic>
+      <p:pic>
+        <p:nvPicPr>
+          <p:cNvPr id="5" name="图片 4"/>
+          <p:cNvPicPr>
+            <a:picLocks noChangeAspect="1"/>
+          </p:cNvPicPr>
+          <p:nvPr/>
+        </p:nvPicPr>
+        <p:blipFill>
+          <a:blip r:embed="rId3"/>
+          <a:stretch>
+            <a:fillRect/>
+          </a:stretch>
+        </p:blipFill>
+        <p:spPr>
+          <a:xfrm>
+            <a:off x="5416550" y="1819275"/>
+            <a:ext cx="5093335" cy="2305050"/>
+          </a:xfrm>
+          <a:prstGeom prst="rect">
+            <a:avLst/>
+          </a:prstGeom>
+        </p:spPr>
+      </p:pic>
     </p:spTree>
   </p:cSld>
   <p:clrMapOvr>
@@ -10699,27 +10467,340 @@
             <a:pPr algn="ctr"/>
             <a:r>
               <a:rPr lang="zh-CN" altLang="en-US"/>
-              <a:t>至今应用的公司</a:t>
+              <a:t>部分操作注意点</a:t>
             </a:r>
             <a:endParaRPr lang="zh-CN" altLang="en-US"/>
           </a:p>
         </p:txBody>
       </p:sp>
-      <p:sp>
-        <p:nvSpPr>
-          <p:cNvPr id="4" name="文本框 3"/>
-          <p:cNvSpPr txBox="1"/>
+      <p:pic>
+        <p:nvPicPr>
+          <p:cNvPr id="6" name="图片 5"/>
+          <p:cNvPicPr/>
           <p:nvPr/>
-        </p:nvSpPr>
+        </p:nvPicPr>
+        <p:blipFill>
+          <a:blip r:embed="rId1"/>
+          <a:stretch>
+            <a:fillRect/>
+          </a:stretch>
+        </p:blipFill>
         <p:spPr>
           <a:xfrm>
-            <a:off x="422275" y="1557655"/>
-            <a:ext cx="11212195" cy="5015865"/>
+            <a:off x="3455670" y="1544003"/>
+            <a:ext cx="5280660" cy="1714500"/>
           </a:xfrm>
           <a:prstGeom prst="rect">
             <a:avLst/>
           </a:prstGeom>
           <a:noFill/>
+          <a:ln w="9525">
+            <a:noFill/>
+          </a:ln>
+        </p:spPr>
+      </p:pic>
+      <p:sp>
+        <p:nvSpPr>
+          <p:cNvPr id="105" name="文本框 104"/>
+          <p:cNvSpPr txBox="1"/>
+          <p:nvPr/>
+        </p:nvSpPr>
+        <p:spPr>
+          <a:xfrm>
+            <a:off x="3455670" y="3258503"/>
+            <a:ext cx="5080000" cy="1060450"/>
+          </a:xfrm>
+          <a:prstGeom prst="rect">
+            <a:avLst/>
+          </a:prstGeom>
+          <a:noFill/>
+          <a:ln w="9525">
+            <a:noFill/>
+          </a:ln>
+        </p:spPr>
+        <p:txBody>
+          <a:bodyPr>
+            <a:spAutoFit/>
+          </a:bodyPr>
+          <a:p>
+            <a:pPr indent="0"/>
+            <a:r>
+              <a:rPr lang="zh-CN" sz="1050" b="0">
+                <a:ea typeface="等线" panose="02010600030101010101" charset="-122"/>
+              </a:rPr>
+              <a:t>操作的话：</a:t>
+            </a:r>
+            <a:r>
+              <a:rPr lang="zh-CN" sz="1050" b="1">
+                <a:ea typeface="等线" panose="02010600030101010101" charset="-122"/>
+              </a:rPr>
+              <a:t>执行是执行一次，并且可以传入自己自定义的参数，启动则启动，停止这里有一个问题，点击停止后，如果是串行执行的，需要去日志那里再停止一次中断才行。不然得等到定时任务将之前的串行等待的执行完才会停止。+若是直接停止的话，则是会等待定时任务结束才会停止，不会直接中断定时器的这一个过程。+去日志终止任务，这边是直接中断操作，如下图：</a:t>
+            </a:r>
+            <a:endParaRPr lang="zh-CN" altLang="en-US"/>
+          </a:p>
+        </p:txBody>
+      </p:sp>
+      <p:pic>
+        <p:nvPicPr>
+          <p:cNvPr id="7" name="图片 6"/>
+          <p:cNvPicPr/>
+          <p:nvPr/>
+        </p:nvPicPr>
+        <p:blipFill>
+          <a:blip r:embed="rId2"/>
+          <a:stretch>
+            <a:fillRect/>
+          </a:stretch>
+        </p:blipFill>
+        <p:spPr>
+          <a:xfrm>
+            <a:off x="3455670" y="4318953"/>
+            <a:ext cx="5280660" cy="1592580"/>
+          </a:xfrm>
+          <a:prstGeom prst="rect">
+            <a:avLst/>
+          </a:prstGeom>
+          <a:noFill/>
+          <a:ln w="9525">
+            <a:noFill/>
+          </a:ln>
+        </p:spPr>
+      </p:pic>
+      <p:sp>
+        <p:nvSpPr>
+          <p:cNvPr id="106" name="文本框 105"/>
+          <p:cNvSpPr txBox="1"/>
+          <p:nvPr/>
+        </p:nvSpPr>
+        <p:spPr>
+          <a:xfrm>
+            <a:off x="3455670" y="5911532"/>
+            <a:ext cx="5080000" cy="575945"/>
+          </a:xfrm>
+          <a:prstGeom prst="rect">
+            <a:avLst/>
+          </a:prstGeom>
+          <a:noFill/>
+          <a:ln w="9525">
+            <a:noFill/>
+          </a:ln>
+        </p:spPr>
+        <p:txBody>
+          <a:bodyPr>
+            <a:spAutoFit/>
+          </a:bodyPr>
+          <a:p>
+            <a:pPr indent="0"/>
+            <a:r>
+              <a:rPr lang="en-US" sz="1050" b="0">
+                <a:latin typeface="等线" panose="02010600030101010101" charset="-122"/>
+                <a:cs typeface="Times New Roman" panose="02020603050405020304" charset="0"/>
+              </a:rPr>
+              <a:t>+ </a:t>
+            </a:r>
+            <a:r>
+              <a:rPr lang="zh-CN" sz="1050" b="0">
+                <a:ea typeface="等线" panose="02010600030101010101" charset="-122"/>
+              </a:rPr>
+              <a:t>+针对于集群的情况下，终止任务是，单台单台终止的，不是一次都停掉。</a:t>
+            </a:r>
+            <a:endParaRPr lang="zh-CN" altLang="en-US"/>
+          </a:p>
+        </p:txBody>
+      </p:sp>
+    </p:spTree>
+  </p:cSld>
+  <p:clrMapOvr>
+    <a:masterClrMapping/>
+  </p:clrMapOvr>
+</p:sld>
+</file>
+
+<file path=ppt/slides/slide28.xml><?xml version="1.0" encoding="utf-8"?>
+<p:sld xmlns:a="http://schemas.openxmlformats.org/drawingml/2006/main" xmlns:r="http://schemas.openxmlformats.org/officeDocument/2006/relationships" xmlns:p="http://schemas.openxmlformats.org/presentationml/2006/main">
+  <p:cSld>
+    <p:spTree>
+      <p:nvGrpSpPr>
+        <p:cNvPr id="1" name=""/>
+        <p:cNvGrpSpPr/>
+        <p:nvPr/>
+      </p:nvGrpSpPr>
+      <p:grpSpPr/>
+      <p:sp>
+        <p:nvSpPr>
+          <p:cNvPr id="2" name="标题 1"/>
+          <p:cNvSpPr>
+            <a:spLocks noGrp="1"/>
+          </p:cNvSpPr>
+          <p:nvPr>
+            <p:ph type="title"/>
+          </p:nvPr>
+        </p:nvSpPr>
+        <p:spPr>
+          <a:xfrm>
+            <a:off x="838200" y="358140"/>
+            <a:ext cx="10515600" cy="1325563"/>
+          </a:xfrm>
+        </p:spPr>
+        <p:txBody>
+          <a:bodyPr>
+            <a:normAutofit/>
+          </a:bodyPr>
+          <a:p>
+            <a:pPr algn="ctr"/>
+            <a:r>
+              <a:rPr lang="zh-CN" altLang="en-US">
+                <a:sym typeface="+mn-ea"/>
+              </a:rPr>
+              <a:t>GLUE模式(Java)的注意事项</a:t>
+            </a:r>
+            <a:endParaRPr lang="zh-CN" altLang="en-US"/>
+          </a:p>
+        </p:txBody>
+      </p:sp>
+      <p:sp>
+        <p:nvSpPr>
+          <p:cNvPr id="106" name="文本框 105"/>
+          <p:cNvSpPr txBox="1"/>
+          <p:nvPr/>
+        </p:nvSpPr>
+        <p:spPr>
+          <a:xfrm>
+            <a:off x="3556000" y="1974533"/>
+            <a:ext cx="5080000" cy="575945"/>
+          </a:xfrm>
+          <a:prstGeom prst="rect">
+            <a:avLst/>
+          </a:prstGeom>
+          <a:noFill/>
+          <a:ln w="9525">
+            <a:noFill/>
+          </a:ln>
+        </p:spPr>
+        <p:txBody>
+          <a:bodyPr>
+            <a:spAutoFit/>
+          </a:bodyPr>
+          <a:p>
+            <a:pPr indent="0"/>
+            <a:r>
+              <a:rPr lang="zh-CN" sz="1050" b="0">
+                <a:ea typeface="等线" panose="02010600030101010101" charset="-122"/>
+              </a:rPr>
+              <a:t>关于</a:t>
+            </a:r>
+            <a:r>
+              <a:rPr lang="zh-CN" sz="1050" b="0">
+                <a:ea typeface="等线" panose="02010600030101010101" charset="-122"/>
+                <a:cs typeface="Times New Roman" panose="02020603050405020304" charset="0"/>
+              </a:rPr>
+              <a:t>GLUE模式（java）线上编程，写的执行器问题：</a:t>
+            </a:r>
+            <a:r>
+              <a:rPr lang="en-US" sz="1050" b="0">
+                <a:latin typeface="等线" panose="02010600030101010101" charset="-122"/>
+                <a:cs typeface="Times New Roman" panose="02020603050405020304" charset="0"/>
+              </a:rPr>
+              <a:t>+S</a:t>
+            </a:r>
+            <a:r>
+              <a:rPr lang="zh-CN" sz="1050" b="0">
+                <a:ea typeface="等线" panose="02010600030101010101" charset="-122"/>
+                <a:cs typeface="Times New Roman" panose="02020603050405020304" charset="0"/>
+              </a:rPr>
+              <a:t>pring的注入注解，可以执行成功，没问题，但是dubbo的获取api注解取不到，异常。酌情编码。</a:t>
+            </a:r>
+            <a:endParaRPr lang="zh-CN" altLang="en-US"/>
+          </a:p>
+        </p:txBody>
+      </p:sp>
+      <p:pic>
+        <p:nvPicPr>
+          <p:cNvPr id="3" name="图片 2"/>
+          <p:cNvPicPr/>
+          <p:nvPr/>
+        </p:nvPicPr>
+        <p:blipFill>
+          <a:blip r:embed="rId1"/>
+          <a:stretch>
+            <a:fillRect/>
+          </a:stretch>
+        </p:blipFill>
+        <p:spPr>
+          <a:xfrm>
+            <a:off x="3556000" y="2550478"/>
+            <a:ext cx="5280660" cy="3268980"/>
+          </a:xfrm>
+          <a:prstGeom prst="rect">
+            <a:avLst/>
+          </a:prstGeom>
+          <a:noFill/>
+          <a:ln w="9525">
+            <a:noFill/>
+          </a:ln>
+        </p:spPr>
+      </p:pic>
+    </p:spTree>
+  </p:cSld>
+  <p:clrMapOvr>
+    <a:masterClrMapping/>
+  </p:clrMapOvr>
+</p:sld>
+</file>
+
+<file path=ppt/slides/slide29.xml><?xml version="1.0" encoding="utf-8"?>
+<p:sld xmlns:a="http://schemas.openxmlformats.org/drawingml/2006/main" xmlns:r="http://schemas.openxmlformats.org/officeDocument/2006/relationships" xmlns:p="http://schemas.openxmlformats.org/presentationml/2006/main">
+  <p:cSld>
+    <p:spTree>
+      <p:nvGrpSpPr>
+        <p:cNvPr id="1" name=""/>
+        <p:cNvGrpSpPr/>
+        <p:nvPr/>
+      </p:nvGrpSpPr>
+      <p:grpSpPr/>
+      <p:sp>
+        <p:nvSpPr>
+          <p:cNvPr id="2" name="标题 1"/>
+          <p:cNvSpPr>
+            <a:spLocks noGrp="1"/>
+          </p:cNvSpPr>
+          <p:nvPr>
+            <p:ph type="title"/>
+          </p:nvPr>
+        </p:nvSpPr>
+        <p:spPr/>
+        <p:txBody>
+          <a:bodyPr/>
+          <a:p>
+            <a:pPr algn="ctr"/>
+            <a:r>
+              <a:rPr lang="zh-CN" altLang="en-US"/>
+              <a:t>执行器的灰度上线</a:t>
+            </a:r>
+            <a:endParaRPr lang="zh-CN" altLang="en-US"/>
+          </a:p>
+        </p:txBody>
+      </p:sp>
+      <p:sp>
+        <p:nvSpPr>
+          <p:cNvPr id="3" name="文本框 2"/>
+          <p:cNvSpPr txBox="1"/>
+          <p:nvPr/>
+        </p:nvSpPr>
+        <p:spPr>
+          <a:xfrm>
+            <a:off x="1372235" y="1888490"/>
+            <a:ext cx="8744585" cy="3692525"/>
+          </a:xfrm>
+          <a:prstGeom prst="rect">
+            <a:avLst/>
+          </a:prstGeom>
+          <a:noFill/>
         </p:spPr>
         <p:txBody>
           <a:bodyPr wrap="square" rtlCol="0" anchor="t">
@@ -10727,10 +10808,65 @@
           </a:bodyPr>
           <a:p>
             <a:r>
-              <a:rPr lang="zh-CN" altLang="en-US" sz="800"/>
-              <a:t>- 1、大众点评【美团点评】;- 2、山东学而网络科技有限公司；;- 3、安徽慧通互联科技有限公司；;- 4、人人聚财金服；;- 5、上海棠棣信息科技股份有限公司;- 6、运满满【运满满】;- 7、米其林 (中国区)【米其林】;- 8、妈妈联盟;- 9、九樱天下（北京）信息技术有限公司;- 10、万普拉斯科技有限公司【一加手机】;- 11、上海亿保健康管理有限公司;- 12、海尔馨厨【海尔】;- 13、河南大红包电子商务有限公司;- 14、成都顺点科技有限公司;- 15、深圳市怡亚通;- 16、深圳麦亚信科技股份有限公司;- 17、上海博莹科技信息技术有限公司;- 18、中国平安科技有限公司【中国平安】;- 19、杭州知时信息科技有限公司;- 20、博莹科技（上海）有限公司;- 21、成都依能股份有限责任公司;- 22、湖南高阳通联信息技术有限公司;- 23、深圳市邦德文化发展有限公司;- 24、福建阿思可网络教育有限公司;- 25、优信二手车【优信】;- 26、上海悠游堂投资发展股份有限公司【悠游堂】;- 27、北京粉笔蓝天科技有限公司;- 28、中秀科技(无锡)有限公司;- 29、武汉空心科技有限公司;- 30、北京蚂蚁风暴科技有限公司;- 31、四川互宜达科技有限公司;- 32、钱包行云（北京）科技有限公司;- 33、重庆欣才集团;- 34、咪咕互动娱乐有限公司【中国移动】;- 35、北京诺亦腾科技有限公司;- 36、增长引擎(北京)信息技术有限公司;- 37、北京英贝思科技有限公司;- 38、刚泰集团;- 39、深圳泰久信息系统股份有限公司;- 40、随行付支付有限公司;- 41、广州瀚农网络科技有限公司;- 42、享点科技有限公司;- 43、杭州比智科技有限公司;- 44、圳临界线网络科技有限公司;- 45、广州知识圈网络科技有限公司;- 46、国誉商业上海有限公司;- 47、海尔消费金融有限公司，嗨付、够花【海尔】;- 48、广州巴图鲁信息科技有限公司;- 49、深圳市鹏海运电子数据交换有限公司;- 50、深圳市亚飞电子商务有限公司;- 51、上海趣医网络有限公司;- 52、聚金资本;- 53、北京父母邦网络科技有限公司;- 54、中山元赫软件科技有限公司;- 55、中商惠民(北京)电子商务有限公司;- 56、凯京集团;- 57、华夏票联（北京）科技有限公司;- 58、拍拍贷【拍拍贷】;- 59、北京尚德机构在线教育有限公司;- 60、任子行股份有限公司;- 61、北京时态电子商务有限公司;- 62、深圳卷皮网络科技有限公司;- 63、北京安博通科技股份有限公司;- 64、未来无线网;- 65、厦门瓷禧网络有限公司;- 66、北京递蓝科软件股份有限公司;- 67、郑州创海软件科技公司;- 68、北京国槐信息科技有限公司;- 69、浪潮软件集团;- 70、多立恒(北京)信息技术有限公司;- 71、广州极迅客信息科技有限公司;- 72、赫基（中国）集团股份有限公司;- 73、海投汇;- 74、上海润益创业孵化器管理股份有限公司;- 75、汉纳森（厦门）数据股份有限公司;- 76、安信信托;- 77、岚儒财富;- 78、捷道软件;- 79、湖北享七网络科技有限公司;- 80、湖南创发科技责任有限公司;- 81、深圳小安时代互联网金融服务有限公司;- 82、湖北享七网络科技有限公司;- 83、钱包行云(北京)科技有限公司;- 84、360金融【360】;- 85、易企秀;- 86、摩贝（上海）生物科技有限公司;- 87、广东芯智慧科技有限公司;- 88、联想集团【联想】;- 89、怪兽充电;- 90、行圆汽车;- 91、深圳店店通科技邮箱公司;- 92、京东【京东】;- 93、米庄理财;- 94、咖啡易融;- 95、梧桐诚选;- 96、恒大地产【恒大】;- 97、昆明龙慧;- 98、上海涩瑶软件;- 99、易信【网易】;- 100、铜板街;- 101、杭州云若网络科技有限公司;- 102、特百惠（中国）有限公司;- 103、常山众卡运力供应链管理有限公司;- 104、深圳立创电子商务有限公司;- 105、杭州智诺科技股份有限公司;- 106、北京云漾信息科技有限公司;- 107、深圳市多银科技有限公司;- 108、亲宝宝;- 109、上海博卡软件科技有限公司;- 110、智慧树在线教育平台;- 111、米族金融;- 112、北京辰森世纪;- 113、云南滇医通;- 114、广州市分领网络科技有限责任公司;- 115、浙江微能科技有限公司;- 116、上海馨飞电子商务有限公司;- 117、上海宝尊电子商务有限公司;- 118、直客通科技技术有限公司;- 119、科度科技有限公司;- 120、上海数慧系统技术有限公司;- 121、我的医药网;- 122、多粉平台;- 123、铁甲二手机;- 124、上海海新得数据技术有限公司;- 125、深圳市珍爱网信息技术有限公司【珍爱网】;- 126、小蜜蜂;- 127、吉荣数科技;- 128、上海恺域信息科技有限公司;- 129、广州荔支网络有限公司【荔枝FM】;- 130、杭州闪宝科技有限公司;- 131、北京互联新网科技发展有限公司;- 132、誉道科技;- 133、山西兆盛房地产开发有限公司;- 134、北京蓝睿通达科技有限公司;- 135、月亮小屋（中国）有限公司【蓝月亮】;- 136、青岛国瑞信息技术有限公司;- 137、博雅云计算（北京）有限公司;- 138、华泰证券香港子公司;- 139、杭州东方通信软件技术有限公司;- 140、武汉博晟安全技术股份有限公司;- 141、深圳市六度人和科技有限公司;- 142、杭州趣维科技有限公司（小影）;- 143、宁波单车侠之家科技有限公司【单车侠】;- 144、丁丁云康信息科技（北京）有限公司;- 145、云钱袋;- 146、南京中兴力维;- 147、上海矽昌通信技术有限公司;- 148、深圳萨科科技;- 149、中通服创立科技有限责任公司;- 150、深圳市对庄科技有限公司;- 151、上证所信息网络有限公司;- 152、杭州火烧云科技有限公司【婚礼纪】;- 153、天津青芒果科技有限公司【芒果头条】;- 154、长飞光纤光缆股份有限公司;- 155、世纪凯歌（北京）医疗科技有限公司;- 156、浙江霖梓控股有限公司;- 157、江西腾飞网络技术有限公司;- 158、安迅物流有限公司;- 159、肉联网;- 160、北京北广梯影广告传媒有限公司;- 161、上海数慧系统技术有限公司;- 162、大志天成;- 163、上海云鹊医;- 164、上海云鹊医;- 165、墨迹天气【墨迹天气】;- 166、上海逸橙信息科技有限公司;- 167、沅朋物联;- 168、杭州恒生云融网络科技有限公司;- 169、绿米联创;- 170、重庆易宠科技有限公司;- 171、安徽引航科技有限公司（乐职网）;- 172、上海数联医信企业发展有限公司;- 173、良彬建材;- 174、杭州求是同创网络科技有限公司;- 175、荷马国际;- 176、点雇网;- 177、深圳市华星光电技术有限公司;- 178、厦门神州鹰软件科技有限公司;- 179、深圳市招商信诺人寿保险有限公司;- 180、上海好屋网信息技术有限公司;- 181、海信集团【海信】;- 182、信凌可信息科技（上海）有限公司;- 183、长春天成科技发展有限公司;- 184、用友金融信息技术股份有限公司【用友】;- 185、北京咖啡易融有限公司;- 186、国投瑞银基金管理有限公司;- 187、晋松(上海)网络信息技术有限公司;- 188、深圳市随手科技有限公司【随手记】;- 189、深圳水务科技有限公司;- 190、易企秀【易企秀】;- 191、北京磁云科技;- 192、南京蜂泰互联网科技有限公司;- 193、章鱼直播;- 194、奖多多科技;- 195、天津市神州商龙科技股份有限公司;- 196、岩心科技;- 197、车码科技（北京）有限公司;- 198、贵阳市投资控股集团;- 199、康旗股份;- 200、龙腾出行;- 201、杭州华量软件;- 202、合肥顶岭医疗科技有限公司;- 203、重庆表达式科技有限公司;- 204、上海米道信息科技有限公司;- 205、北京益友会科技有限公司;- 206、北京融贯电子商务有限公司;- 207、中国外汇交易中心;- 208、中国外运股份有限公司;- 209、中国上海晓圈教育科技有限公司;- 210、普联软件股份有限公司;- 211、北京科蓝软件股份有限公司;- 212、江苏斯诺物联科技有限公司;- 213、北京搜狐-狐友【搜狐】;- 214、新大陆网商金融;- 215、山东神码中税信息科技有限公司;- 216、河南汇顺网络科技有限公司;- 217、北京华夏思源科技发展有限公司;- 218、上海东普信息科技有限公司;- 219、上海鸣勃网络科技有限公司;- 220、广东学苑教育发展有限公司;- 221、深圳强时科技有限公司;- 222、上海云砺信息科技有限公司;- 223、重庆愉客行网络有限公司;- 224、数云;- 225、国家电网运检部;- 226、杭州找趣;- 227、浩鲸云计算科技股份有限公司;- 228、科大讯飞【科大讯飞】;- 229、杭州行装网络科技有限公司;- 230、即有分期金融;- 231、深圳法司德信息科技有限公司;- 232、上海博复信息科技有限公司;- 233、杭州云嘉云计算有限公司;- 234、有家民宿(有家美宿);- 235、北京赢销通软件技术有限公司;- 236、浙江聚有财金融服务外包有限公司;- 237、易族智汇(北京)科技有限公司;- 238、合肥顶岭医疗科技开发有限公司;- 239、车船宝(深圳)旭珩科技有限公司);- 240、广州富力地产有限公司;- 241、氢课（上海）教育科技有限公司;- 242、武汉氪细胞网络技术有限公司;- 243、杭州有云科技有限公司;- 244、上海仙豆智能机器人有限公司;- 245、拉卡拉支付股份有限公司【拉卡拉】;- 246、虎彩印艺股份有限公司;- 247、北京数微科技有限公司;- 248、广东智瑞科技有限公司;- 249、找钢网;- 250、九机网;- 251、杭州跑跑网络科技有限公司;- 252、深圳未来云集;- 253、杭州每日给力科技有限公司;- 254、上海齐犇信息科技有限公司;- 255、滴滴出行【滴滴】;- 256、合肥云诊信息科技有限公司;- 257、云知声智能科技股份有限公司;- 258、南京坦道科技有限公司;- 259、爱乐优（二手平台）;- 260、猫眼电影（私有化部署）【猫眼电影】;- 261、美团大象（私有化部署）【美团大象】;- 262、作业帮教育科技（北京）有限公司【作业帮】;- 263、北京小年糕互联网技术有限公司;- 264、山东矩阵软件工程股份有限公司;- 265、陕西国驿软件科技有限公司;- 266、君开信息科技;- 267、村鸟网络科技有限责任公司;- 268、云南国际信托有限公司;- 269、金智教育;- 270、珠海市筑巢科技有限公司;- 271、上海百胜软件股份有限公司;- 272、深圳市科盾科技有限公司;- 273、哈啰出行【哈啰】;- 274、途虎养车【途虎】;- 275、卡思优派人力资源集团;- 276、南京观为智慧软件科技有限公司;- 277、杭州城市大脑科技有限公司;- 278、猿辅导【猿辅导】;- 279、洛阳健创网络科技有限公司;- 280、魔力耳朵;- 281、亿阳信通;- 282、上海招鲤科技有限公司;- 283、四川商旅无忧科技服务有限公司;- 284、UU跑腿;- 285、北京老虎证券【老虎证券】;- 286、悠活省吧（北京）网络科技有限公司;- 287、F5未来商店;- 288、深圳环阳通信息技术有限公司;- 289、遠傳電信;- 290、作业帮（北京）教育科技有限公司【作业帮】;- 291、成都科鸿智信科技有限公司;- 292、北京木屋时代科技有限公司;- 293、大学通（哈尔滨）科技有限责任公司;- 294、浙江华坤道威数据科技有限公司;- 295、吉祥航空【吉祥航空】;- 296、南京圆周网络科技有限公司;- 297、广州市洋葱omall电子商务;- 298、天津联物科技有限公司;- 299、跑哪儿科技（北京）有限公司;- 300、深圳市美西西餐饮有限公司(喜茶);- 301、平安不动产有限公司【平安】;- 302、江苏中海昇物联科技有限公司;- 303、湖南牙医帮科技有限公司;- 304、重庆民航凯亚信息技术有限公司（易通航）;- 305、递易（上海）智能科技有限公司;- 306、亚朵;;- 307、浙江新课堂教育股份有限公司</a:t>
-            </a:r>
-            <a:endParaRPr lang="zh-CN" altLang="en-US" sz="800"/>
+              <a:rPr lang="zh-CN" altLang="en-US"/>
+              <a:t>5.14 执行器灰度上线</a:t>
+            </a:r>
+            <a:endParaRPr lang="zh-CN" altLang="en-US"/>
+          </a:p>
+          <a:p>
+            <a:r>
+              <a:rPr lang="zh-CN" altLang="en-US"/>
+              <a:t>调度中心与业务解耦，只需部署一次后常年不需要维护。但是，执行器中托管运行着业务作业，作业上线和变更需要重启执行器，尤其是Bean模式任务。</a:t>
+            </a:r>
+            <a:endParaRPr lang="zh-CN" altLang="en-US"/>
+          </a:p>
+          <a:p>
+            <a:r>
+              <a:rPr lang="zh-CN" altLang="en-US"/>
+              <a:t>执行器重启可能会中断运行中的任务。但是，XXL-JOB得益于自建执行器与自建注册中心，可以通过灰度上线的方式，避免因重启导致的任务中断的问题。</a:t>
+            </a:r>
+            <a:endParaRPr lang="zh-CN" altLang="en-US"/>
+          </a:p>
+          <a:p>
+            <a:endParaRPr lang="zh-CN" altLang="en-US"/>
+          </a:p>
+          <a:p>
+            <a:r>
+              <a:rPr lang="zh-CN" altLang="en-US"/>
+              <a:t>步骤如下：</a:t>
+            </a:r>
+            <a:endParaRPr lang="zh-CN" altLang="en-US"/>
+          </a:p>
+          <a:p>
+            <a:endParaRPr lang="zh-CN" altLang="en-US"/>
+          </a:p>
+          <a:p>
+            <a:r>
+              <a:rPr lang="zh-CN" altLang="en-US"/>
+              <a:t>1、执行器改为手动注册，下线一半机器列表（A组），线上运行另一半机器列表（B组）；</a:t>
+            </a:r>
+            <a:endParaRPr lang="zh-CN" altLang="en-US"/>
+          </a:p>
+          <a:p>
+            <a:r>
+              <a:rPr lang="zh-CN" altLang="en-US"/>
+              <a:t>2、等待A组机器任务运行结束并编译上线；执行器注册地址替换为A组；</a:t>
+            </a:r>
+            <a:endParaRPr lang="zh-CN" altLang="en-US"/>
+          </a:p>
+          <a:p>
+            <a:r>
+              <a:rPr lang="zh-CN" altLang="en-US"/>
+              <a:t>3、等待B组机器任务运行结束并编译上线；执行器注册地址替换为A组+B组；</a:t>
+            </a:r>
+            <a:endParaRPr lang="zh-CN" altLang="en-US"/>
+          </a:p>
+          <a:p>
+            <a:r>
+              <a:rPr lang="zh-CN" altLang="en-US"/>
+              <a:t>操作结束；</a:t>
+            </a:r>
+            <a:endParaRPr lang="zh-CN" altLang="en-US"/>
           </a:p>
         </p:txBody>
       </p:sp>
@@ -13462,15 +13598,7 @@
                 <a:ea typeface="Heiti SC Light" charset="-122"/>
                 <a:cs typeface="Heiti SC Light" charset="-122"/>
               </a:rPr>
-              <a:t>job</a:t>
-            </a:r>
-            <a:r>
-              <a:rPr lang="en-US" altLang="zh-CN" sz="2800" dirty="0" smtClean="0">
-                <a:latin typeface="Heiti SC Light" charset="-122"/>
-                <a:ea typeface="Heiti SC Light" charset="-122"/>
-                <a:cs typeface="Heiti SC Light" charset="-122"/>
-              </a:rPr>
-              <a:t>,  1.4.0</a:t>
+              <a:t>job,  1.4.0</a:t>
             </a:r>
             <a:r>
               <a:rPr lang="zh-CN" altLang="en-US" sz="2800" dirty="0" smtClean="0">
@@ -13516,6 +13644,76 @@
       </p:par>
     </p:tnLst>
   </p:timing>
+</p:sld>
+</file>
+
+<file path=ppt/slides/slide30.xml><?xml version="1.0" encoding="utf-8"?>
+<p:sld xmlns:a="http://schemas.openxmlformats.org/drawingml/2006/main" xmlns:r="http://schemas.openxmlformats.org/officeDocument/2006/relationships" xmlns:p="http://schemas.openxmlformats.org/presentationml/2006/main">
+  <p:cSld>
+    <p:spTree>
+      <p:nvGrpSpPr>
+        <p:cNvPr id="1" name=""/>
+        <p:cNvGrpSpPr/>
+        <p:nvPr/>
+      </p:nvGrpSpPr>
+      <p:grpSpPr/>
+      <p:sp>
+        <p:nvSpPr>
+          <p:cNvPr id="2" name="标题 1"/>
+          <p:cNvSpPr>
+            <a:spLocks noGrp="1"/>
+          </p:cNvSpPr>
+          <p:nvPr>
+            <p:ph type="title"/>
+          </p:nvPr>
+        </p:nvSpPr>
+        <p:spPr/>
+        <p:txBody>
+          <a:bodyPr/>
+          <a:p>
+            <a:pPr algn="ctr"/>
+            <a:r>
+              <a:rPr lang="zh-CN" altLang="en-US"/>
+              <a:t>至今应用的公司</a:t>
+            </a:r>
+            <a:endParaRPr lang="zh-CN" altLang="en-US"/>
+          </a:p>
+        </p:txBody>
+      </p:sp>
+      <p:sp>
+        <p:nvSpPr>
+          <p:cNvPr id="4" name="文本框 3"/>
+          <p:cNvSpPr txBox="1"/>
+          <p:nvPr/>
+        </p:nvSpPr>
+        <p:spPr>
+          <a:xfrm>
+            <a:off x="422275" y="1557655"/>
+            <a:ext cx="11212195" cy="5015865"/>
+          </a:xfrm>
+          <a:prstGeom prst="rect">
+            <a:avLst/>
+          </a:prstGeom>
+          <a:noFill/>
+        </p:spPr>
+        <p:txBody>
+          <a:bodyPr wrap="square" rtlCol="0" anchor="t">
+            <a:spAutoFit/>
+          </a:bodyPr>
+          <a:p>
+            <a:r>
+              <a:rPr lang="zh-CN" altLang="en-US" sz="800"/>
+              <a:t>- 1、大众点评【美团点评】;- 2、山东学而网络科技有限公司；;- 3、安徽慧通互联科技有限公司；;- 4、人人聚财金服；;- 5、上海棠棣信息科技股份有限公司;- 6、运满满【运满满】;- 7、米其林 (中国区)【米其林】;- 8、妈妈联盟;- 9、九樱天下（北京）信息技术有限公司;- 10、万普拉斯科技有限公司【一加手机】;- 11、上海亿保健康管理有限公司;- 12、海尔馨厨【海尔】;- 13、河南大红包电子商务有限公司;- 14、成都顺点科技有限公司;- 15、深圳市怡亚通;- 16、深圳麦亚信科技股份有限公司;- 17、上海博莹科技信息技术有限公司;- 18、中国平安科技有限公司【中国平安】;- 19、杭州知时信息科技有限公司;- 20、博莹科技（上海）有限公司;- 21、成都依能股份有限责任公司;- 22、湖南高阳通联信息技术有限公司;- 23、深圳市邦德文化发展有限公司;- 24、福建阿思可网络教育有限公司;- 25、优信二手车【优信】;- 26、上海悠游堂投资发展股份有限公司【悠游堂】;- 27、北京粉笔蓝天科技有限公司;- 28、中秀科技(无锡)有限公司;- 29、武汉空心科技有限公司;- 30、北京蚂蚁风暴科技有限公司;- 31、四川互宜达科技有限公司;- 32、钱包行云（北京）科技有限公司;- 33、重庆欣才集团;- 34、咪咕互动娱乐有限公司【中国移动】;- 35、北京诺亦腾科技有限公司;- 36、增长引擎(北京)信息技术有限公司;- 37、北京英贝思科技有限公司;- 38、刚泰集团;- 39、深圳泰久信息系统股份有限公司;- 40、随行付支付有限公司;- 41、广州瀚农网络科技有限公司;- 42、享点科技有限公司;- 43、杭州比智科技有限公司;- 44、圳临界线网络科技有限公司;- 45、广州知识圈网络科技有限公司;- 46、国誉商业上海有限公司;- 47、海尔消费金融有限公司，嗨付、够花【海尔】;- 48、广州巴图鲁信息科技有限公司;- 49、深圳市鹏海运电子数据交换有限公司;- 50、深圳市亚飞电子商务有限公司;- 51、上海趣医网络有限公司;- 52、聚金资本;- 53、北京父母邦网络科技有限公司;- 54、中山元赫软件科技有限公司;- 55、中商惠民(北京)电子商务有限公司;- 56、凯京集团;- 57、华夏票联（北京）科技有限公司;- 58、拍拍贷【拍拍贷】;- 59、北京尚德机构在线教育有限公司;- 60、任子行股份有限公司;- 61、北京时态电子商务有限公司;- 62、深圳卷皮网络科技有限公司;- 63、北京安博通科技股份有限公司;- 64、未来无线网;- 65、厦门瓷禧网络有限公司;- 66、北京递蓝科软件股份有限公司;- 67、郑州创海软件科技公司;- 68、北京国槐信息科技有限公司;- 69、浪潮软件集团;- 70、多立恒(北京)信息技术有限公司;- 71、广州极迅客信息科技有限公司;- 72、赫基（中国）集团股份有限公司;- 73、海投汇;- 74、上海润益创业孵化器管理股份有限公司;- 75、汉纳森（厦门）数据股份有限公司;- 76、安信信托;- 77、岚儒财富;- 78、捷道软件;- 79、湖北享七网络科技有限公司;- 80、湖南创发科技责任有限公司;- 81、深圳小安时代互联网金融服务有限公司;- 82、湖北享七网络科技有限公司;- 83、钱包行云(北京)科技有限公司;- 84、360金融【360】;- 85、易企秀;- 86、摩贝（上海）生物科技有限公司;- 87、广东芯智慧科技有限公司;- 88、联想集团【联想】;- 89、怪兽充电;- 90、行圆汽车;- 91、深圳店店通科技邮箱公司;- 92、京东【京东】;- 93、米庄理财;- 94、咖啡易融;- 95、梧桐诚选;- 96、恒大地产【恒大】;- 97、昆明龙慧;- 98、上海涩瑶软件;- 99、易信【网易】;- 100、铜板街;- 101、杭州云若网络科技有限公司;- 102、特百惠（中国）有限公司;- 103、常山众卡运力供应链管理有限公司;- 104、深圳立创电子商务有限公司;- 105、杭州智诺科技股份有限公司;- 106、北京云漾信息科技有限公司;- 107、深圳市多银科技有限公司;- 108、亲宝宝;- 109、上海博卡软件科技有限公司;- 110、智慧树在线教育平台;- 111、米族金融;- 112、北京辰森世纪;- 113、云南滇医通;- 114、广州市分领网络科技有限责任公司;- 115、浙江微能科技有限公司;- 116、上海馨飞电子商务有限公司;- 117、上海宝尊电子商务有限公司;- 118、直客通科技技术有限公司;- 119、科度科技有限公司;- 120、上海数慧系统技术有限公司;- 121、我的医药网;- 122、多粉平台;- 123、铁甲二手机;- 124、上海海新得数据技术有限公司;- 125、深圳市珍爱网信息技术有限公司【珍爱网】;- 126、小蜜蜂;- 127、吉荣数科技;- 128、上海恺域信息科技有限公司;- 129、广州荔支网络有限公司【荔枝FM】;- 130、杭州闪宝科技有限公司;- 131、北京互联新网科技发展有限公司;- 132、誉道科技;- 133、山西兆盛房地产开发有限公司;- 134、北京蓝睿通达科技有限公司;- 135、月亮小屋（中国）有限公司【蓝月亮】;- 136、青岛国瑞信息技术有限公司;- 137、博雅云计算（北京）有限公司;- 138、华泰证券香港子公司;- 139、杭州东方通信软件技术有限公司;- 140、武汉博晟安全技术股份有限公司;- 141、深圳市六度人和科技有限公司;- 142、杭州趣维科技有限公司（小影）;- 143、宁波单车侠之家科技有限公司【单车侠】;- 144、丁丁云康信息科技（北京）有限公司;- 145、云钱袋;- 146、南京中兴力维;- 147、上海矽昌通信技术有限公司;- 148、深圳萨科科技;- 149、中通服创立科技有限责任公司;- 150、深圳市对庄科技有限公司;- 151、上证所信息网络有限公司;- 152、杭州火烧云科技有限公司【婚礼纪】;- 153、天津青芒果科技有限公司【芒果头条】;- 154、长飞光纤光缆股份有限公司;- 155、世纪凯歌（北京）医疗科技有限公司;- 156、浙江霖梓控股有限公司;- 157、江西腾飞网络技术有限公司;- 158、安迅物流有限公司;- 159、肉联网;- 160、北京北广梯影广告传媒有限公司;- 161、上海数慧系统技术有限公司;- 162、大志天成;- 163、上海云鹊医;- 164、上海云鹊医;- 165、墨迹天气【墨迹天气】;- 166、上海逸橙信息科技有限公司;- 167、沅朋物联;- 168、杭州恒生云融网络科技有限公司;- 169、绿米联创;- 170、重庆易宠科技有限公司;- 171、安徽引航科技有限公司（乐职网）;- 172、上海数联医信企业发展有限公司;- 173、良彬建材;- 174、杭州求是同创网络科技有限公司;- 175、荷马国际;- 176、点雇网;- 177、深圳市华星光电技术有限公司;- 178、厦门神州鹰软件科技有限公司;- 179、深圳市招商信诺人寿保险有限公司;- 180、上海好屋网信息技术有限公司;- 181、海信集团【海信】;- 182、信凌可信息科技（上海）有限公司;- 183、长春天成科技发展有限公司;- 184、用友金融信息技术股份有限公司【用友】;- 185、北京咖啡易融有限公司;- 186、国投瑞银基金管理有限公司;- 187、晋松(上海)网络信息技术有限公司;- 188、深圳市随手科技有限公司【随手记】;- 189、深圳水务科技有限公司;- 190、易企秀【易企秀】;- 191、北京磁云科技;- 192、南京蜂泰互联网科技有限公司;- 193、章鱼直播;- 194、奖多多科技;- 195、天津市神州商龙科技股份有限公司;- 196、岩心科技;- 197、车码科技（北京）有限公司;- 198、贵阳市投资控股集团;- 199、康旗股份;- 200、龙腾出行;- 201、杭州华量软件;- 202、合肥顶岭医疗科技有限公司;- 203、重庆表达式科技有限公司;- 204、上海米道信息科技有限公司;- 205、北京益友会科技有限公司;- 206、北京融贯电子商务有限公司;- 207、中国外汇交易中心;- 208、中国外运股份有限公司;- 209、中国上海晓圈教育科技有限公司;- 210、普联软件股份有限公司;- 211、北京科蓝软件股份有限公司;- 212、江苏斯诺物联科技有限公司;- 213、北京搜狐-狐友【搜狐】;- 214、新大陆网商金融;- 215、山东神码中税信息科技有限公司;- 216、河南汇顺网络科技有限公司;- 217、北京华夏思源科技发展有限公司;- 218、上海东普信息科技有限公司;- 219、上海鸣勃网络科技有限公司;- 220、广东学苑教育发展有限公司;- 221、深圳强时科技有限公司;- 222、上海云砺信息科技有限公司;- 223、重庆愉客行网络有限公司;- 224、数云;- 225、国家电网运检部;- 226、杭州找趣;- 227、浩鲸云计算科技股份有限公司;- 228、科大讯飞【科大讯飞】;- 229、杭州行装网络科技有限公司;- 230、即有分期金融;- 231、深圳法司德信息科技有限公司;- 232、上海博复信息科技有限公司;- 233、杭州云嘉云计算有限公司;- 234、有家民宿(有家美宿);- 235、北京赢销通软件技术有限公司;- 236、浙江聚有财金融服务外包有限公司;- 237、易族智汇(北京)科技有限公司;- 238、合肥顶岭医疗科技开发有限公司;- 239、车船宝(深圳)旭珩科技有限公司);- 240、广州富力地产有限公司;- 241、氢课（上海）教育科技有限公司;- 242、武汉氪细胞网络技术有限公司;- 243、杭州有云科技有限公司;- 244、上海仙豆智能机器人有限公司;- 245、拉卡拉支付股份有限公司【拉卡拉】;- 246、虎彩印艺股份有限公司;- 247、北京数微科技有限公司;- 248、广东智瑞科技有限公司;- 249、找钢网;- 250、九机网;- 251、杭州跑跑网络科技有限公司;- 252、深圳未来云集;- 253、杭州每日给力科技有限公司;- 254、上海齐犇信息科技有限公司;- 255、滴滴出行【滴滴】;- 256、合肥云诊信息科技有限公司;- 257、云知声智能科技股份有限公司;- 258、南京坦道科技有限公司;- 259、爱乐优（二手平台）;- 260、猫眼电影（私有化部署）【猫眼电影】;- 261、美团大象（私有化部署）【美团大象】;- 262、作业帮教育科技（北京）有限公司【作业帮】;- 263、北京小年糕互联网技术有限公司;- 264、山东矩阵软件工程股份有限公司;- 265、陕西国驿软件科技有限公司;- 266、君开信息科技;- 267、村鸟网络科技有限责任公司;- 268、云南国际信托有限公司;- 269、金智教育;- 270、珠海市筑巢科技有限公司;- 271、上海百胜软件股份有限公司;- 272、深圳市科盾科技有限公司;- 273、哈啰出行【哈啰】;- 274、途虎养车【途虎】;- 275、卡思优派人力资源集团;- 276、南京观为智慧软件科技有限公司;- 277、杭州城市大脑科技有限公司;- 278、猿辅导【猿辅导】;- 279、洛阳健创网络科技有限公司;- 280、魔力耳朵;- 281、亿阳信通;- 282、上海招鲤科技有限公司;- 283、四川商旅无忧科技服务有限公司;- 284、UU跑腿;- 285、北京老虎证券【老虎证券】;- 286、悠活省吧（北京）网络科技有限公司;- 287、F5未来商店;- 288、深圳环阳通信息技术有限公司;- 289、遠傳電信;- 290、作业帮（北京）教育科技有限公司【作业帮】;- 291、成都科鸿智信科技有限公司;- 292、北京木屋时代科技有限公司;- 293、大学通（哈尔滨）科技有限责任公司;- 294、浙江华坤道威数据科技有限公司;- 295、吉祥航空【吉祥航空】;- 296、南京圆周网络科技有限公司;- 297、广州市洋葱omall电子商务;- 298、天津联物科技有限公司;- 299、跑哪儿科技（北京）有限公司;- 300、深圳市美西西餐饮有限公司(喜茶);- 301、平安不动产有限公司【平安】;- 302、江苏中海昇物联科技有限公司;- 303、湖南牙医帮科技有限公司;- 304、重庆民航凯亚信息技术有限公司（易通航）;- 305、递易（上海）智能科技有限公司;- 306、亚朵;;- 307、浙江新课堂教育股份有限公司</a:t>
+            </a:r>
+            <a:endParaRPr lang="zh-CN" altLang="en-US" sz="800"/>
+          </a:p>
+        </p:txBody>
+      </p:sp>
+    </p:spTree>
+  </p:cSld>
+  <p:clrMapOvr>
+    <a:masterClrMapping/>
+  </p:clrMapOvr>
 </p:sld>
 </file>
 

--- a/XXL-JOB技术分享.pptx
+++ b/XXL-JOB技术分享.pptx
@@ -31,13 +31,14 @@
     <p:sldId id="364" r:id="rId24"/>
     <p:sldId id="365" r:id="rId25"/>
     <p:sldId id="336" r:id="rId26"/>
-    <p:sldId id="288" r:id="rId27"/>
-    <p:sldId id="290" r:id="rId28"/>
-    <p:sldId id="294" r:id="rId29"/>
-    <p:sldId id="291" r:id="rId30"/>
-    <p:sldId id="295" r:id="rId31"/>
-    <p:sldId id="292" r:id="rId32"/>
-    <p:sldId id="293" r:id="rId33"/>
+    <p:sldId id="378" r:id="rId27"/>
+    <p:sldId id="288" r:id="rId28"/>
+    <p:sldId id="290" r:id="rId29"/>
+    <p:sldId id="294" r:id="rId30"/>
+    <p:sldId id="291" r:id="rId31"/>
+    <p:sldId id="295" r:id="rId32"/>
+    <p:sldId id="292" r:id="rId33"/>
+    <p:sldId id="293" r:id="rId34"/>
   </p:sldIdLst>
   <p:sldSz cx="12192000" cy="6858000"/>
   <p:notesSz cx="6858000" cy="9144000"/>
@@ -7191,31 +7192,7 @@
               <a:rPr lang="zh-CN" altLang="en-US" sz="1000">
                 <a:sym typeface="+mn-ea"/>
               </a:rPr>
-              <a:t>new XxlRpcReferenceBean实例化返回。（从名称理解</a:t>
-            </a:r>
-            <a:r>
-              <a:rPr lang="en-US" altLang="zh-CN" sz="1000">
-                <a:sym typeface="+mn-ea"/>
-              </a:rPr>
-              <a:t>rpc</a:t>
-            </a:r>
-            <a:r>
-              <a:rPr lang="zh-CN" altLang="en-US" sz="1000">
-                <a:sym typeface="+mn-ea"/>
-              </a:rPr>
-              <a:t>反射</a:t>
-            </a:r>
-            <a:r>
-              <a:rPr lang="en-US" altLang="zh-CN" sz="1000">
-                <a:sym typeface="+mn-ea"/>
-              </a:rPr>
-              <a:t>bean</a:t>
-            </a:r>
-            <a:r>
-              <a:rPr lang="zh-CN" altLang="en-US" sz="1000">
-                <a:sym typeface="+mn-ea"/>
-              </a:rPr>
-              <a:t>哈）</a:t>
+              <a:t>new XxlRpcReferenceBean实例化返回。</a:t>
             </a:r>
             <a:endParaRPr lang="zh-CN" altLang="en-US" sz="1000">
               <a:sym typeface="+mn-ea"/>
@@ -7250,37 +7227,19 @@
               <a:rPr lang="zh-CN" sz="1000">
                 <a:sym typeface="+mn-ea"/>
               </a:rPr>
-              <a:t>对应</a:t>
+              <a:t>代理</a:t>
             </a:r>
             <a:r>
               <a:rPr lang="en-US" altLang="zh-CN" sz="1000">
                 <a:sym typeface="+mn-ea"/>
               </a:rPr>
-              <a:t>E</a:t>
+              <a:t>rpc</a:t>
             </a:r>
             <a:r>
               <a:rPr lang="zh-CN" altLang="en-US" sz="1000">
                 <a:sym typeface="+mn-ea"/>
               </a:rPr>
-              <a:t>xecutorBiz</a:t>
-            </a:r>
-            <a:r>
-              <a:rPr lang="en-US" altLang="zh-CN" sz="1000">
-                <a:sym typeface="+mn-ea"/>
-              </a:rPr>
-              <a:t>Impl</a:t>
-            </a:r>
-            <a:r>
-              <a:rPr lang="zh-CN" altLang="en-US" sz="1000">
-                <a:sym typeface="+mn-ea"/>
-              </a:rPr>
-              <a:t>本地化调用</a:t>
-            </a:r>
-            <a:r>
-              <a:rPr lang="zh-CN" altLang="en-US" sz="1000">
-                <a:sym typeface="+mn-ea"/>
-              </a:rPr>
-              <a:t>。</a:t>
+              <a:t>调用</a:t>
             </a:r>
             <a:endParaRPr lang="zh-CN" altLang="en-US" sz="1000">
               <a:sym typeface="+mn-ea"/>
@@ -7372,7 +7331,12 @@
             <p:ph type="title"/>
           </p:nvPr>
         </p:nvSpPr>
-        <p:spPr/>
+        <p:spPr>
+          <a:xfrm>
+            <a:off x="838200" y="40640"/>
+            <a:ext cx="10515600" cy="1325563"/>
+          </a:xfrm>
+        </p:spPr>
         <p:txBody>
           <a:bodyPr/>
           <a:p>
@@ -7405,8 +7369,8 @@
         </p:nvSpPr>
         <p:spPr>
           <a:xfrm>
-            <a:off x="1250315" y="1691005"/>
-            <a:ext cx="9951085" cy="5015865"/>
+            <a:off x="1249680" y="1078230"/>
+            <a:ext cx="9951085" cy="5323205"/>
           </a:xfrm>
           <a:prstGeom prst="rect">
             <a:avLst/>
@@ -7631,10 +7595,254 @@
             </a:endParaRPr>
           </a:p>
           <a:p>
-            <a:endParaRPr lang="zh-CN" sz="1000">
+            <a:r>
+              <a:rPr sz="1000">
+                <a:solidFill>
+                  <a:schemeClr val="tx1"/>
+                </a:solidFill>
+              </a:rPr>
+              <a:t>③NettyHttpServer</a:t>
+            </a:r>
+            <a:r>
+              <a:rPr lang="zh-CN" sz="1000">
+                <a:solidFill>
+                  <a:schemeClr val="tx1"/>
+                </a:solidFill>
+              </a:rPr>
+              <a:t>在</a:t>
+            </a:r>
+            <a:r>
+              <a:rPr lang="en-US" altLang="zh-CN" sz="1000">
+                <a:solidFill>
+                  <a:schemeClr val="tx1"/>
+                </a:solidFill>
+              </a:rPr>
+              <a:t>start</a:t>
+            </a:r>
+            <a:r>
+              <a:rPr lang="zh-CN" altLang="en-US" sz="1000">
+                <a:solidFill>
+                  <a:schemeClr val="tx1"/>
+                </a:solidFill>
+              </a:rPr>
+              <a:t>的最后会</a:t>
+            </a:r>
+            <a:r>
+              <a:rPr sz="1000">
+                <a:solidFill>
+                  <a:schemeClr val="tx1"/>
+                </a:solidFill>
+              </a:rPr>
+              <a:t>启动BaseCallback startedCallback</a:t>
+            </a:r>
+            <a:r>
+              <a:rPr lang="zh-CN" sz="1000">
+                <a:solidFill>
+                  <a:schemeClr val="tx1"/>
+                </a:solidFill>
+              </a:rPr>
+              <a:t>服务，进行注册不断的</a:t>
+            </a:r>
+            <a:r>
+              <a:rPr lang="en-US" altLang="zh-CN" sz="1000">
+                <a:solidFill>
+                  <a:schemeClr val="tx1"/>
+                </a:solidFill>
+              </a:rPr>
+              <a:t>register</a:t>
+            </a:r>
+            <a:r>
+              <a:rPr lang="zh-CN" altLang="en-US" sz="1000">
+                <a:solidFill>
+                  <a:schemeClr val="tx1"/>
+                </a:solidFill>
+              </a:rPr>
+              <a:t>，ExecutorServiceRegistry的ExecutorRegistryThread的</a:t>
+            </a:r>
+            <a:r>
+              <a:rPr lang="en-US" altLang="zh-CN" sz="1000">
+                <a:solidFill>
+                  <a:schemeClr val="tx1"/>
+                </a:solidFill>
+              </a:rPr>
+              <a:t>start</a:t>
+            </a:r>
+            <a:r>
+              <a:rPr lang="zh-CN" altLang="en-US" sz="1000">
+                <a:solidFill>
+                  <a:schemeClr val="tx1"/>
+                </a:solidFill>
+              </a:rPr>
+              <a:t>（</a:t>
+            </a:r>
+            <a:r>
+              <a:rPr lang="zh-CN" altLang="en-US" sz="1000">
+                <a:solidFill>
+                  <a:srgbClr val="FF0000"/>
+                </a:solidFill>
+              </a:rPr>
+              <a:t>守护线程每</a:t>
+            </a:r>
+            <a:r>
+              <a:rPr lang="en-US" altLang="zh-CN" sz="1000">
+                <a:solidFill>
+                  <a:srgbClr val="FF0000"/>
+                </a:solidFill>
+              </a:rPr>
+              <a:t>30s</a:t>
+            </a:r>
+            <a:r>
+              <a:rPr lang="zh-CN" altLang="en-US" sz="1000">
+                <a:solidFill>
+                  <a:srgbClr val="FF0000"/>
+                </a:solidFill>
+              </a:rPr>
+              <a:t>一次</a:t>
+            </a:r>
+            <a:r>
+              <a:rPr lang="zh-CN" altLang="en-US" sz="1000">
+                <a:solidFill>
+                  <a:schemeClr val="tx1"/>
+                </a:solidFill>
+              </a:rPr>
+              <a:t>）</a:t>
+            </a:r>
+            <a:r>
+              <a:rPr lang="zh-CN" altLang="en-US" sz="1000">
+                <a:solidFill>
+                  <a:schemeClr val="tx1"/>
+                </a:solidFill>
+              </a:rPr>
+              <a:t>方法。</a:t>
+            </a:r>
+            <a:r>
+              <a:rPr sz="1000">
+                <a:sym typeface="+mn-ea"/>
+              </a:rPr>
+              <a:t>NettyHttpServer</a:t>
+            </a:r>
+            <a:r>
+              <a:rPr lang="zh-CN" sz="1000">
+                <a:sym typeface="+mn-ea"/>
+              </a:rPr>
+              <a:t>在</a:t>
+            </a:r>
+            <a:r>
+              <a:rPr lang="en-US" altLang="zh-CN" sz="1000">
+                <a:sym typeface="+mn-ea"/>
+              </a:rPr>
+              <a:t>stop</a:t>
+            </a:r>
+            <a:r>
+              <a:rPr lang="zh-CN" altLang="en-US" sz="1000">
+                <a:sym typeface="+mn-ea"/>
+              </a:rPr>
+              <a:t>的时候，对应的也是ExecutorRegistryThread的</a:t>
+            </a:r>
+            <a:r>
+              <a:rPr lang="en-US" altLang="zh-CN" sz="1000">
+                <a:sym typeface="+mn-ea"/>
+              </a:rPr>
+              <a:t>stop</a:t>
+            </a:r>
+            <a:r>
+              <a:rPr lang="zh-CN" altLang="en-US" sz="1000">
+                <a:sym typeface="+mn-ea"/>
+              </a:rPr>
+              <a:t>（</a:t>
+            </a:r>
+            <a:r>
+              <a:rPr lang="zh-CN" altLang="en-US" sz="1000">
+                <a:solidFill>
+                  <a:srgbClr val="FF0000"/>
+                </a:solidFill>
+                <a:sym typeface="+mn-ea"/>
+              </a:rPr>
+              <a:t>先中断再有一个</a:t>
+            </a:r>
+            <a:r>
+              <a:rPr lang="en-US" altLang="zh-CN" sz="1000">
+                <a:solidFill>
+                  <a:srgbClr val="FF0000"/>
+                </a:solidFill>
+                <a:sym typeface="+mn-ea"/>
+              </a:rPr>
+              <a:t>join()</a:t>
+            </a:r>
+            <a:r>
+              <a:rPr lang="zh-CN" altLang="en-US" sz="1000">
+                <a:solidFill>
+                  <a:srgbClr val="FF0000"/>
+                </a:solidFill>
+                <a:sym typeface="+mn-ea"/>
+              </a:rPr>
+              <a:t>的细节</a:t>
+            </a:r>
+            <a:r>
+              <a:rPr lang="zh-CN" altLang="en-US" sz="1000">
+                <a:sym typeface="+mn-ea"/>
+              </a:rPr>
+              <a:t>）方法。</a:t>
+            </a:r>
+            <a:r>
+              <a:rPr lang="en-US" altLang="zh-CN" sz="1000">
+                <a:sym typeface="+mn-ea"/>
+              </a:rPr>
+              <a:t>start</a:t>
+            </a:r>
+            <a:r>
+              <a:rPr lang="zh-CN" altLang="en-US" sz="1000">
+                <a:sym typeface="+mn-ea"/>
+              </a:rPr>
+              <a:t>的方法就是上面</a:t>
+            </a:r>
+            <a:r>
+              <a:rPr sz="1000">
+                <a:sym typeface="+mn-ea"/>
+              </a:rPr>
+              <a:t>AdminBiz</a:t>
+            </a:r>
+            <a:r>
+              <a:rPr lang="zh-CN" sz="1000">
+                <a:sym typeface="+mn-ea"/>
+              </a:rPr>
+              <a:t>遍历取出来通信</a:t>
+            </a:r>
+            <a:r>
+              <a:rPr sz="1000">
+                <a:sym typeface="+mn-ea"/>
+              </a:rPr>
+              <a:t>admin的ip+端口+api</a:t>
+            </a:r>
+            <a:r>
+              <a:rPr lang="zh-CN" sz="1000">
+                <a:sym typeface="+mn-ea"/>
+              </a:rPr>
+              <a:t>路径，</a:t>
+            </a:r>
+            <a:r>
+              <a:rPr lang="en-US" altLang="zh-CN" sz="1000">
+                <a:sym typeface="+mn-ea"/>
+              </a:rPr>
+              <a:t>register</a:t>
+            </a:r>
+            <a:r>
+              <a:rPr lang="zh-CN" altLang="en-US" sz="1000">
+                <a:sym typeface="+mn-ea"/>
+              </a:rPr>
+              <a:t>方法</a:t>
+            </a:r>
+            <a:r>
+              <a:rPr lang="zh-CN" altLang="en-US" sz="1000">
+                <a:sym typeface="+mn-ea"/>
+              </a:rPr>
+              <a:t>。</a:t>
+            </a:r>
+            <a:endParaRPr lang="zh-CN" altLang="en-US" sz="1000">
               <a:solidFill>
-                <a:srgbClr val="FF0000"/>
+                <a:schemeClr val="tx1"/>
               </a:solidFill>
+              <a:sym typeface="+mn-ea"/>
             </a:endParaRPr>
           </a:p>
         </p:txBody>
@@ -9779,6 +9987,86 @@
           </a:prstGeom>
         </p:spPr>
       </p:pic>
+      <p:sp>
+        <p:nvSpPr>
+          <p:cNvPr id="5" name="文本框 4"/>
+          <p:cNvSpPr txBox="1"/>
+          <p:nvPr/>
+        </p:nvSpPr>
+        <p:spPr>
+          <a:xfrm>
+            <a:off x="631825" y="5607050"/>
+            <a:ext cx="5600065" cy="1014730"/>
+          </a:xfrm>
+          <a:prstGeom prst="rect">
+            <a:avLst/>
+          </a:prstGeom>
+          <a:noFill/>
+        </p:spPr>
+        <p:txBody>
+          <a:bodyPr wrap="square" rtlCol="0" anchor="t">
+            <a:spAutoFit/>
+          </a:bodyPr>
+          <a:p>
+            <a:r>
+              <a:rPr lang="zh-CN" altLang="en-US" sz="1000"/>
+              <a:t>被调用端的实际执行 ：XxlRpcProviderFactory</a:t>
+            </a:r>
+            <a:r>
+              <a:rPr lang="en-US" altLang="zh-CN" sz="1000"/>
+              <a:t>.</a:t>
+            </a:r>
+            <a:r>
+              <a:rPr lang="zh-CN" altLang="en-US" sz="1000"/>
+              <a:t>invokeService(XxlRpcRequest xxlRpcRequest)三分钟的超时。</a:t>
+            </a:r>
+            <a:endParaRPr lang="zh-CN" altLang="en-US" sz="1000"/>
+          </a:p>
+          <a:p>
+            <a:r>
+              <a:rPr lang="zh-CN" altLang="en-US" sz="1000"/>
+              <a:t>调用端的实际执行：XxlRpcReferenceBean</a:t>
+            </a:r>
+            <a:r>
+              <a:rPr lang="en-US" altLang="zh-CN" sz="1000"/>
+              <a:t>.getObject()</a:t>
+            </a:r>
+            <a:endParaRPr lang="en-US" altLang="zh-CN" sz="1000"/>
+          </a:p>
+          <a:p>
+            <a:r>
+              <a:rPr lang="zh-CN" altLang="en-US" sz="1000"/>
+              <a:t>序列化和反序列化：xxlRpcProviderFactory.getSerializer().serialize和deserialize</a:t>
+            </a:r>
+            <a:endParaRPr lang="zh-CN" altLang="en-US" sz="1000"/>
+          </a:p>
+          <a:p>
+            <a:r>
+              <a:rPr lang="zh-CN" altLang="en-US" sz="1000">
+                <a:sym typeface="+mn-ea"/>
+              </a:rPr>
+              <a:t>XxlRpcReferenceBean</a:t>
+            </a:r>
+            <a:r>
+              <a:rPr lang="en-US" altLang="zh-CN" sz="1000">
+                <a:sym typeface="+mn-ea"/>
+              </a:rPr>
+              <a:t>.getObject()</a:t>
+            </a:r>
+            <a:r>
+              <a:rPr lang="zh-CN" altLang="en-US" sz="1000">
+                <a:sym typeface="+mn-ea"/>
+              </a:rPr>
+              <a:t>中实现</a:t>
+            </a:r>
+            <a:r>
+              <a:rPr lang="zh-CN" altLang="en-US" sz="1000"/>
+              <a:t>XxlRpcGenericService范式调用，通过参数取实际调用的路径和方法</a:t>
+            </a:r>
+            <a:endParaRPr lang="en-US" altLang="zh-CN" sz="1000"/>
+          </a:p>
+        </p:txBody>
+      </p:sp>
     </p:spTree>
   </p:cSld>
   <p:clrMapOvr>
@@ -9807,119 +10095,78 @@
             <p:ph type="title"/>
           </p:nvPr>
         </p:nvSpPr>
-        <p:spPr/>
-        <p:txBody>
-          <a:bodyPr/>
-          <a:p>
-            <a:pPr algn="ctr"/>
-            <a:r>
-              <a:rPr lang="zh-CN" altLang="en-US"/>
-              <a:t>阻塞处理策略说明</a:t>
-            </a:r>
-            <a:endParaRPr lang="zh-CN" altLang="en-US"/>
-          </a:p>
-        </p:txBody>
-      </p:sp>
-      <p:sp>
-        <p:nvSpPr>
-          <p:cNvPr id="100" name="文本框 99"/>
-          <p:cNvSpPr txBox="1"/>
-          <p:nvPr/>
-        </p:nvSpPr>
         <p:spPr>
           <a:xfrm>
-            <a:off x="3076575" y="1690688"/>
-            <a:ext cx="5080000" cy="899160"/>
-          </a:xfrm>
-          <a:prstGeom prst="rect">
-            <a:avLst/>
-          </a:prstGeom>
-          <a:noFill/>
-          <a:ln w="9525">
-            <a:noFill/>
-          </a:ln>
+            <a:off x="838200" y="1368425"/>
+            <a:ext cx="3888105" cy="1169035"/>
+          </a:xfrm>
         </p:spPr>
         <p:txBody>
           <a:bodyPr>
-            <a:spAutoFit/>
+            <a:normAutofit/>
           </a:bodyPr>
           <a:p>
-            <a:pPr indent="0"/>
-            <a:r>
-              <a:rPr lang="zh-CN" sz="1050" b="0">
-                <a:solidFill>
-                  <a:schemeClr val="tx1"/>
-                </a:solidFill>
-                <a:ea typeface="等线" panose="02010600030101010101" charset="-122"/>
-              </a:rPr>
-              <a:t>这里的阻塞不是集群多个一起阻塞，是单机的，一个定时器如果在不断的执行的过程中，发现上次的还没执行完，这次又开始了，就会有三种选择。</a:t>
-            </a:r>
-            <a:endParaRPr lang="zh-CN" sz="1050" b="0">
-              <a:solidFill>
-                <a:schemeClr val="tx1"/>
-              </a:solidFill>
-              <a:ea typeface="等线" panose="02010600030101010101" charset="-122"/>
-            </a:endParaRPr>
-          </a:p>
-          <a:p>
-            <a:pPr indent="0"/>
-            <a:r>
-              <a:rPr lang="zh-CN" sz="1050" b="0">
-                <a:solidFill>
-                  <a:schemeClr val="tx1"/>
-                </a:solidFill>
-                <a:ea typeface="等线" panose="02010600030101010101" charset="-122"/>
-              </a:rPr>
-              <a:t>第一种是单机串行，就是等待执行完。</a:t>
-            </a:r>
-            <a:endParaRPr lang="zh-CN" sz="1050" b="0">
-              <a:solidFill>
-                <a:schemeClr val="tx1"/>
-              </a:solidFill>
-              <a:ea typeface="等线" panose="02010600030101010101" charset="-122"/>
-            </a:endParaRPr>
-          </a:p>
-          <a:p>
-            <a:pPr indent="0"/>
-            <a:r>
-              <a:rPr lang="zh-CN" sz="1050" b="0">
-                <a:solidFill>
-                  <a:schemeClr val="tx1"/>
-                </a:solidFill>
-                <a:ea typeface="等线" panose="02010600030101010101" charset="-122"/>
-              </a:rPr>
-              <a:t>第二种就是丢弃掉，不执行了。</a:t>
-            </a:r>
-            <a:endParaRPr lang="zh-CN" sz="1050" b="0">
-              <a:solidFill>
-                <a:schemeClr val="tx1"/>
-              </a:solidFill>
-              <a:ea typeface="等线" panose="02010600030101010101" charset="-122"/>
-            </a:endParaRPr>
-          </a:p>
-          <a:p>
-            <a:pPr indent="0"/>
-            <a:r>
-              <a:rPr lang="zh-CN" sz="1050" b="0">
-                <a:solidFill>
-                  <a:schemeClr val="tx1"/>
-                </a:solidFill>
-                <a:ea typeface="等线" panose="02010600030101010101" charset="-122"/>
-              </a:rPr>
-              <a:t>第三种就是直接覆盖掉之前的（这里之前的就会被中断掉），直接去执行。</a:t>
-            </a:r>
-            <a:endParaRPr lang="zh-CN" altLang="en-US" sz="1050" b="0">
-              <a:solidFill>
-                <a:schemeClr val="tx1"/>
-              </a:solidFill>
-              <a:ea typeface="等线" panose="02010600030101010101" charset="-122"/>
-            </a:endParaRPr>
+            <a:r>
+              <a:rPr lang="zh-CN" altLang="en-US" sz="1000"/>
+              <a:t>第一个是请求注册的</a:t>
+            </a:r>
+            <a:r>
+              <a:rPr lang="en-US" altLang="zh-CN" sz="1000"/>
+              <a:t>xxlrequest</a:t>
+            </a:r>
+            <a:r>
+              <a:rPr lang="zh-CN" altLang="en-US" sz="1000"/>
+              <a:t>的。</a:t>
+            </a:r>
+            <a:br>
+              <a:rPr lang="zh-CN" altLang="en-US" sz="1000"/>
+            </a:br>
+            <a:r>
+              <a:rPr lang="zh-CN" altLang="en-US" sz="1000"/>
+              <a:t>第二个是</a:t>
+            </a:r>
+            <a:r>
+              <a:rPr lang="en-US" altLang="zh-CN" sz="1000"/>
+              <a:t>admin</a:t>
+            </a:r>
+            <a:r>
+              <a:rPr lang="zh-CN" altLang="en-US" sz="1000"/>
+              <a:t>的服务进行缓存，不用每次都创建</a:t>
+            </a:r>
+            <a:r>
+              <a:rPr lang="en-US" altLang="zh-CN" sz="1000"/>
+              <a:t>nettClient</a:t>
+            </a:r>
+            <a:r>
+              <a:rPr lang="zh-CN" altLang="en-US" sz="1000"/>
+              <a:t>。</a:t>
+            </a:r>
+            <a:br>
+              <a:rPr lang="zh-CN" altLang="en-US" sz="1000"/>
+            </a:br>
+            <a:r>
+              <a:rPr lang="en-US" altLang="zh-CN" sz="1000"/>
+              <a:t>3</a:t>
+            </a:r>
+            <a:r>
+              <a:rPr lang="zh-CN" altLang="en-US" sz="1000"/>
+              <a:t>是</a:t>
+            </a:r>
+            <a:r>
+              <a:rPr lang="en-US" altLang="zh-CN" sz="1000"/>
+              <a:t>netty</a:t>
+            </a:r>
+            <a:r>
+              <a:rPr lang="zh-CN" altLang="en-US" sz="1000"/>
+              <a:t>端的请求</a:t>
+            </a:r>
+            <a:endParaRPr lang="zh-CN" altLang="en-US" sz="1000"/>
           </a:p>
         </p:txBody>
       </p:sp>
       <p:pic>
         <p:nvPicPr>
-          <p:cNvPr id="5" name="图片 5"/>
+          <p:cNvPr id="4" name="图片 3"/>
           <p:cNvPicPr>
             <a:picLocks noChangeAspect="1"/>
           </p:cNvPicPr>
@@ -9933,136 +10180,17 @@
         </p:blipFill>
         <p:spPr>
           <a:xfrm>
-            <a:off x="3011488" y="2695575"/>
-            <a:ext cx="5210175" cy="1466850"/>
+            <a:off x="856615" y="3093085"/>
+            <a:ext cx="6507480" cy="1722755"/>
           </a:xfrm>
           <a:prstGeom prst="rect">
             <a:avLst/>
           </a:prstGeom>
         </p:spPr>
       </p:pic>
-      <p:sp>
-        <p:nvSpPr>
-          <p:cNvPr id="3" name="文本框 2"/>
-          <p:cNvSpPr txBox="1"/>
-          <p:nvPr/>
-        </p:nvSpPr>
-        <p:spPr>
-          <a:xfrm>
-            <a:off x="3011805" y="4461510"/>
-            <a:ext cx="4643120" cy="645160"/>
-          </a:xfrm>
-          <a:prstGeom prst="rect">
-            <a:avLst/>
-          </a:prstGeom>
-          <a:noFill/>
-        </p:spPr>
-        <p:txBody>
-          <a:bodyPr wrap="square" rtlCol="0" anchor="t">
-            <a:spAutoFit/>
-          </a:bodyPr>
-          <a:p>
-            <a:r>
-              <a:rPr lang="zh-CN" altLang="en-US"/>
-              <a:t>XxlJobExecutor 的jobThreadRepository</a:t>
-            </a:r>
-            <a:endParaRPr lang="zh-CN" altLang="en-US"/>
-          </a:p>
-          <a:p>
-            <a:r>
-              <a:rPr lang="zh-CN" altLang="en-US"/>
-              <a:t>ExecutorBizImpl的run</a:t>
-            </a:r>
-            <a:r>
-              <a:rPr lang="en-US" altLang="zh-CN"/>
-              <a:t>()</a:t>
-            </a:r>
-            <a:endParaRPr lang="en-US" altLang="zh-CN"/>
-          </a:p>
-        </p:txBody>
-      </p:sp>
-      <p:sp>
-        <p:nvSpPr>
-          <p:cNvPr id="4" name="文本框 3"/>
-          <p:cNvSpPr txBox="1"/>
-          <p:nvPr/>
-        </p:nvSpPr>
-        <p:spPr>
-          <a:xfrm>
-            <a:off x="2923540" y="5106670"/>
-            <a:ext cx="4127500" cy="860425"/>
-          </a:xfrm>
-          <a:prstGeom prst="rect">
-            <a:avLst/>
-          </a:prstGeom>
-          <a:noFill/>
-        </p:spPr>
-        <p:txBody>
-          <a:bodyPr wrap="square" rtlCol="0" anchor="t">
-            <a:spAutoFit/>
-          </a:bodyPr>
-          <a:p>
-            <a:r>
-              <a:rPr lang="en-US" altLang="zh-CN" sz="1000"/>
-              <a:t>1</a:t>
-            </a:r>
-            <a:r>
-              <a:rPr lang="zh-CN" altLang="en-US" sz="1000"/>
-              <a:t>、如果是后续丢弃策略，并且老的任务还在运行中，则返回并且记录丢弃的日志。</a:t>
-            </a:r>
-            <a:endParaRPr lang="zh-CN" altLang="en-US" sz="1000"/>
-          </a:p>
-          <a:p>
-            <a:r>
-              <a:rPr lang="en-US" altLang="zh-CN" sz="1000"/>
-              <a:t>2</a:t>
-            </a:r>
-            <a:r>
-              <a:rPr lang="zh-CN" altLang="en-US" sz="1000"/>
-              <a:t>、如果是覆盖之前的调度，则产生新的调度线程，并且停止老的，中断老的，返回新的</a:t>
-            </a:r>
-            <a:r>
-              <a:rPr lang="en-US" altLang="zh-CN" sz="1000"/>
-              <a:t>thread</a:t>
-            </a:r>
-            <a:r>
-              <a:rPr lang="zh-CN" altLang="en-US" sz="1000"/>
-              <a:t>。XxlJobExecutor的registJobThread</a:t>
-            </a:r>
-            <a:r>
-              <a:rPr lang="en-US" altLang="zh-CN" sz="1000"/>
-              <a:t>()</a:t>
-            </a:r>
-            <a:r>
-              <a:rPr lang="zh-CN" altLang="en-US" sz="1000"/>
-              <a:t>方法。</a:t>
-            </a:r>
-            <a:endParaRPr lang="zh-CN" altLang="en-US" sz="1000"/>
-          </a:p>
-          <a:p>
-            <a:r>
-              <a:rPr lang="en-US" altLang="zh-CN" sz="1000"/>
-              <a:t>3</a:t>
-            </a:r>
-            <a:r>
-              <a:rPr lang="zh-CN" altLang="en-US" sz="1000"/>
-              <a:t>、单机串行啥也不做，把新的任务</a:t>
-            </a:r>
-            <a:r>
-              <a:rPr lang="en-US" altLang="zh-CN" sz="1000"/>
-              <a:t>push</a:t>
-            </a:r>
-            <a:r>
-              <a:rPr lang="zh-CN" altLang="en-US" sz="1000"/>
-              <a:t>到阻塞队列里面就可以了。</a:t>
-            </a:r>
-            <a:endParaRPr lang="zh-CN" altLang="en-US" sz="1000"/>
-          </a:p>
-        </p:txBody>
-      </p:sp>
       <p:pic>
         <p:nvPicPr>
-          <p:cNvPr id="6" name="图片 5"/>
+          <p:cNvPr id="5" name="图片 4"/>
           <p:cNvPicPr>
             <a:picLocks noChangeAspect="1"/>
           </p:cNvPicPr>
@@ -10076,8 +10204,32 @@
         </p:blipFill>
         <p:spPr>
           <a:xfrm>
-            <a:off x="7127875" y="4382135"/>
-            <a:ext cx="4548505" cy="2307590"/>
+            <a:off x="7573010" y="3343275"/>
+            <a:ext cx="3638550" cy="895985"/>
+          </a:xfrm>
+          <a:prstGeom prst="rect">
+            <a:avLst/>
+          </a:prstGeom>
+        </p:spPr>
+      </p:pic>
+      <p:pic>
+        <p:nvPicPr>
+          <p:cNvPr id="6" name="图片 5"/>
+          <p:cNvPicPr>
+            <a:picLocks noChangeAspect="1"/>
+          </p:cNvPicPr>
+          <p:nvPr/>
+        </p:nvPicPr>
+        <p:blipFill>
+          <a:blip r:embed="rId3"/>
+          <a:stretch>
+            <a:fillRect/>
+          </a:stretch>
+        </p:blipFill>
+        <p:spPr>
+          <a:xfrm>
+            <a:off x="1516380" y="4956810"/>
+            <a:ext cx="3644265" cy="1551940"/>
           </a:xfrm>
           <a:prstGeom prst="rect">
             <a:avLst/>
@@ -10119,7 +10271,7 @@
             <a:pPr algn="ctr"/>
             <a:r>
               <a:rPr lang="zh-CN" altLang="en-US"/>
-              <a:t>分片广播功能介绍</a:t>
+              <a:t>阻塞处理策略说明</a:t>
             </a:r>
             <a:endParaRPr lang="zh-CN" altLang="en-US"/>
           </a:p>
@@ -10127,153 +10279,104 @@
       </p:sp>
       <p:sp>
         <p:nvSpPr>
-          <p:cNvPr id="3" name="文本框 2"/>
+          <p:cNvPr id="100" name="文本框 99"/>
           <p:cNvSpPr txBox="1"/>
           <p:nvPr/>
         </p:nvSpPr>
         <p:spPr>
           <a:xfrm>
-            <a:off x="252730" y="1541145"/>
-            <a:ext cx="4991100" cy="4154170"/>
+            <a:off x="3076575" y="1690688"/>
+            <a:ext cx="5080000" cy="899160"/>
           </a:xfrm>
           <a:prstGeom prst="rect">
             <a:avLst/>
           </a:prstGeom>
           <a:noFill/>
-        </p:spPr>
-        <p:txBody>
-          <a:bodyPr wrap="square" rtlCol="0" anchor="t">
+          <a:ln w="9525">
+            <a:noFill/>
+          </a:ln>
+        </p:spPr>
+        <p:txBody>
+          <a:bodyPr>
             <a:spAutoFit/>
           </a:bodyPr>
           <a:p>
-            <a:r>
-              <a:rPr lang="zh-CN" altLang="en-US" sz="1000"/>
-              <a:t>执行器集群部署时，任务路由策略选择”分片广播”情况下，一次任务调度将会广播触发对应集群中所有执行器执行一次任务，同时系统自动传递分片参数；可根据分片参数开发分片任务；</a:t>
-            </a:r>
-            <a:endParaRPr lang="zh-CN" altLang="en-US" sz="1000"/>
-          </a:p>
-          <a:p>
-            <a:r>
-              <a:rPr lang="zh-CN" altLang="en-US" sz="1000"/>
-              <a:t>“分片广播” 以执行器为维度进行分片，支持动态扩容执行器集群从而动态增加分片数量，协同进行业务处理；在进行大数据量业务操作时可显著提升任务处理能力和速度。</a:t>
-            </a:r>
-            <a:endParaRPr lang="zh-CN" altLang="en-US" sz="1000"/>
-          </a:p>
-          <a:p>
-            <a:r>
-              <a:rPr lang="zh-CN" altLang="en-US" sz="1000"/>
-              <a:t>“分片广播” 和普通任务开发流程一致，不同之处在于可以可以获取分片参数，获取分片参数进行分片业务处理。</a:t>
-            </a:r>
-            <a:endParaRPr lang="zh-CN" altLang="en-US" sz="800"/>
-          </a:p>
-          <a:p>
-            <a:endParaRPr lang="zh-CN" altLang="en-US" sz="800"/>
-          </a:p>
-          <a:p>
-            <a:r>
-              <a:rPr lang="zh-CN" altLang="en-US" sz="1000"/>
-              <a:t>Java语言任务获取分片参数方式：BEAN、GLUE模式(Java)</a:t>
-            </a:r>
-            <a:endParaRPr lang="zh-CN" altLang="en-US" sz="1000"/>
-          </a:p>
-          <a:p>
-            <a:r>
-              <a:rPr lang="zh-CN" altLang="en-US" sz="1000"/>
-              <a:t>// 可参考Sample示例执行器中的示例任务"ShardingJobHandler"了解试用 </a:t>
-            </a:r>
-            <a:endParaRPr lang="zh-CN" altLang="en-US" sz="800"/>
-          </a:p>
-          <a:p>
-            <a:r>
-              <a:rPr lang="zh-CN" altLang="en-US" sz="800" b="1"/>
-              <a:t>ShardingUtil.ShardingVO shardingVO = ShardingUtil.getShardingVo();</a:t>
-            </a:r>
-            <a:endParaRPr lang="zh-CN" altLang="en-US" sz="800"/>
-          </a:p>
-          <a:p>
-            <a:endParaRPr lang="zh-CN" altLang="en-US" sz="800"/>
-          </a:p>
-          <a:p>
-            <a:r>
-              <a:rPr lang="zh-CN" altLang="en-US" sz="1000"/>
-              <a:t>脚本语言任务获取分片参数方式：GLUE模式(Shell)、GLUE模式(Python)、GLUE模式(Nodejs)</a:t>
-            </a:r>
-            <a:endParaRPr lang="zh-CN" altLang="en-US" sz="1000"/>
-          </a:p>
-          <a:p>
-            <a:r>
-              <a:rPr lang="zh-CN" altLang="en-US" sz="1000"/>
-              <a:t>// 脚本任务入参固定为三个，依次为：任务传参、分片序号、分片总数。以Shell模式任务为例，获取分片参数代码如下</a:t>
-            </a:r>
-            <a:endParaRPr lang="zh-CN" altLang="en-US" sz="800"/>
-          </a:p>
-          <a:p>
-            <a:r>
-              <a:rPr lang="zh-CN" altLang="en-US" sz="800" b="1"/>
-              <a:t>echo "分片序号 index = $2"</a:t>
-            </a:r>
-            <a:endParaRPr lang="zh-CN" altLang="en-US" sz="800" b="1"/>
-          </a:p>
-          <a:p>
-            <a:r>
-              <a:rPr lang="zh-CN" altLang="en-US" sz="800" b="1"/>
-              <a:t>echo "分片总数 total = $3"</a:t>
-            </a:r>
-            <a:endParaRPr lang="zh-CN" altLang="en-US" sz="800"/>
-          </a:p>
-          <a:p>
-            <a:r>
-              <a:rPr lang="zh-CN" altLang="en-US" sz="1000"/>
-              <a:t>分片参数属性说明：</a:t>
-            </a:r>
-            <a:endParaRPr lang="zh-CN" altLang="en-US" sz="800"/>
-          </a:p>
-          <a:p>
-            <a:endParaRPr lang="zh-CN" altLang="en-US" sz="800"/>
-          </a:p>
-          <a:p>
-            <a:r>
-              <a:rPr lang="zh-CN" altLang="en-US" sz="800" b="1"/>
-              <a:t>index：当前分片序号(从0开始)，执行器集群列表中当前执行器的序号；</a:t>
-            </a:r>
-            <a:endParaRPr lang="zh-CN" altLang="en-US" sz="800" b="1"/>
-          </a:p>
-          <a:p>
-            <a:r>
-              <a:rPr lang="zh-CN" altLang="en-US" sz="800" b="1"/>
-              <a:t>total：总分片数，执行器集群的总机器数量；</a:t>
-            </a:r>
-            <a:endParaRPr lang="zh-CN" altLang="en-US" sz="800"/>
-          </a:p>
-          <a:p>
-            <a:r>
-              <a:rPr lang="zh-CN" altLang="en-US" sz="1000"/>
-              <a:t>该特性适用场景如：</a:t>
-            </a:r>
-            <a:endParaRPr lang="zh-CN" altLang="en-US" sz="1000"/>
-          </a:p>
-          <a:p>
-            <a:endParaRPr lang="zh-CN" altLang="en-US" sz="1000"/>
-          </a:p>
-          <a:p>
-            <a:r>
-              <a:rPr lang="zh-CN" altLang="en-US" sz="1000"/>
-              <a:t>1、分片任务场景：10个执行器的集群来处理10w条数据，每台机器只需要处理1w条数据，耗时降低10倍；</a:t>
-            </a:r>
-            <a:endParaRPr lang="zh-CN" altLang="en-US" sz="1000"/>
-          </a:p>
-          <a:p>
-            <a:r>
-              <a:rPr lang="zh-CN" altLang="en-US" sz="1000"/>
-              <a:t>2、广播任务场景：广播执行器机器运行shell脚本、广播集群节点进行缓存更新等</a:t>
-            </a:r>
-            <a:endParaRPr lang="zh-CN" altLang="en-US" sz="1000"/>
+            <a:pPr indent="0"/>
+            <a:r>
+              <a:rPr lang="zh-CN" sz="1050" b="0">
+                <a:solidFill>
+                  <a:schemeClr val="tx1"/>
+                </a:solidFill>
+                <a:ea typeface="等线" panose="02010600030101010101" charset="-122"/>
+              </a:rPr>
+              <a:t>这里的阻塞不是集群多个一起阻塞，是单机的，一个定时器如果在不断的执行的过程中，发现上次的还没执行完，这次又开始了，就会有三种选择。</a:t>
+            </a:r>
+            <a:endParaRPr lang="zh-CN" sz="1050" b="0">
+              <a:solidFill>
+                <a:schemeClr val="tx1"/>
+              </a:solidFill>
+              <a:ea typeface="等线" panose="02010600030101010101" charset="-122"/>
+            </a:endParaRPr>
+          </a:p>
+          <a:p>
+            <a:pPr indent="0"/>
+            <a:r>
+              <a:rPr lang="zh-CN" sz="1050" b="0">
+                <a:solidFill>
+                  <a:schemeClr val="tx1"/>
+                </a:solidFill>
+                <a:ea typeface="等线" panose="02010600030101010101" charset="-122"/>
+              </a:rPr>
+              <a:t>第一种是单机串行，就是等待执行完。</a:t>
+            </a:r>
+            <a:endParaRPr lang="zh-CN" sz="1050" b="0">
+              <a:solidFill>
+                <a:schemeClr val="tx1"/>
+              </a:solidFill>
+              <a:ea typeface="等线" panose="02010600030101010101" charset="-122"/>
+            </a:endParaRPr>
+          </a:p>
+          <a:p>
+            <a:pPr indent="0"/>
+            <a:r>
+              <a:rPr lang="zh-CN" sz="1050" b="0">
+                <a:solidFill>
+                  <a:schemeClr val="tx1"/>
+                </a:solidFill>
+                <a:ea typeface="等线" panose="02010600030101010101" charset="-122"/>
+              </a:rPr>
+              <a:t>第二种就是丢弃掉，不执行了。</a:t>
+            </a:r>
+            <a:endParaRPr lang="zh-CN" sz="1050" b="0">
+              <a:solidFill>
+                <a:schemeClr val="tx1"/>
+              </a:solidFill>
+              <a:ea typeface="等线" panose="02010600030101010101" charset="-122"/>
+            </a:endParaRPr>
+          </a:p>
+          <a:p>
+            <a:pPr indent="0"/>
+            <a:r>
+              <a:rPr lang="zh-CN" sz="1050" b="0">
+                <a:solidFill>
+                  <a:schemeClr val="tx1"/>
+                </a:solidFill>
+                <a:ea typeface="等线" panose="02010600030101010101" charset="-122"/>
+              </a:rPr>
+              <a:t>第三种就是直接覆盖掉之前的（这里之前的就会被中断掉），直接去执行。</a:t>
+            </a:r>
+            <a:endParaRPr lang="zh-CN" altLang="en-US" sz="1050" b="0">
+              <a:solidFill>
+                <a:schemeClr val="tx1"/>
+              </a:solidFill>
+              <a:ea typeface="等线" panose="02010600030101010101" charset="-122"/>
+            </a:endParaRPr>
           </a:p>
         </p:txBody>
       </p:sp>
       <p:pic>
         <p:nvPicPr>
-          <p:cNvPr id="4" name="图片 3"/>
+          <p:cNvPr id="5" name="图片 5"/>
           <p:cNvPicPr>
             <a:picLocks noChangeAspect="1"/>
           </p:cNvPicPr>
@@ -10287,17 +10390,136 @@
         </p:blipFill>
         <p:spPr>
           <a:xfrm>
-            <a:off x="5188585" y="1541145"/>
-            <a:ext cx="6942455" cy="4877435"/>
+            <a:off x="3011488" y="2695575"/>
+            <a:ext cx="5210175" cy="1466850"/>
           </a:xfrm>
           <a:prstGeom prst="rect">
             <a:avLst/>
           </a:prstGeom>
         </p:spPr>
       </p:pic>
+      <p:sp>
+        <p:nvSpPr>
+          <p:cNvPr id="3" name="文本框 2"/>
+          <p:cNvSpPr txBox="1"/>
+          <p:nvPr/>
+        </p:nvSpPr>
+        <p:spPr>
+          <a:xfrm>
+            <a:off x="3011805" y="4461510"/>
+            <a:ext cx="4643120" cy="645160"/>
+          </a:xfrm>
+          <a:prstGeom prst="rect">
+            <a:avLst/>
+          </a:prstGeom>
+          <a:noFill/>
+        </p:spPr>
+        <p:txBody>
+          <a:bodyPr wrap="square" rtlCol="0" anchor="t">
+            <a:spAutoFit/>
+          </a:bodyPr>
+          <a:p>
+            <a:r>
+              <a:rPr lang="zh-CN" altLang="en-US"/>
+              <a:t>XxlJobExecutor 的jobThreadRepository</a:t>
+            </a:r>
+            <a:endParaRPr lang="zh-CN" altLang="en-US"/>
+          </a:p>
+          <a:p>
+            <a:r>
+              <a:rPr lang="zh-CN" altLang="en-US"/>
+              <a:t>ExecutorBizImpl的run</a:t>
+            </a:r>
+            <a:r>
+              <a:rPr lang="en-US" altLang="zh-CN"/>
+              <a:t>()</a:t>
+            </a:r>
+            <a:endParaRPr lang="en-US" altLang="zh-CN"/>
+          </a:p>
+        </p:txBody>
+      </p:sp>
+      <p:sp>
+        <p:nvSpPr>
+          <p:cNvPr id="4" name="文本框 3"/>
+          <p:cNvSpPr txBox="1"/>
+          <p:nvPr/>
+        </p:nvSpPr>
+        <p:spPr>
+          <a:xfrm>
+            <a:off x="2923540" y="5106670"/>
+            <a:ext cx="4127500" cy="860425"/>
+          </a:xfrm>
+          <a:prstGeom prst="rect">
+            <a:avLst/>
+          </a:prstGeom>
+          <a:noFill/>
+        </p:spPr>
+        <p:txBody>
+          <a:bodyPr wrap="square" rtlCol="0" anchor="t">
+            <a:spAutoFit/>
+          </a:bodyPr>
+          <a:p>
+            <a:r>
+              <a:rPr lang="en-US" altLang="zh-CN" sz="1000"/>
+              <a:t>1</a:t>
+            </a:r>
+            <a:r>
+              <a:rPr lang="zh-CN" altLang="en-US" sz="1000"/>
+              <a:t>、如果是后续丢弃策略，并且老的任务还在运行中，则返回并且记录丢弃的日志。</a:t>
+            </a:r>
+            <a:endParaRPr lang="zh-CN" altLang="en-US" sz="1000"/>
+          </a:p>
+          <a:p>
+            <a:r>
+              <a:rPr lang="en-US" altLang="zh-CN" sz="1000"/>
+              <a:t>2</a:t>
+            </a:r>
+            <a:r>
+              <a:rPr lang="zh-CN" altLang="en-US" sz="1000"/>
+              <a:t>、如果是覆盖之前的调度，则产生新的调度线程，并且停止老的，中断老的，返回新的</a:t>
+            </a:r>
+            <a:r>
+              <a:rPr lang="en-US" altLang="zh-CN" sz="1000"/>
+              <a:t>thread</a:t>
+            </a:r>
+            <a:r>
+              <a:rPr lang="zh-CN" altLang="en-US" sz="1000"/>
+              <a:t>。XxlJobExecutor的registJobThread</a:t>
+            </a:r>
+            <a:r>
+              <a:rPr lang="en-US" altLang="zh-CN" sz="1000"/>
+              <a:t>()</a:t>
+            </a:r>
+            <a:r>
+              <a:rPr lang="zh-CN" altLang="en-US" sz="1000"/>
+              <a:t>方法。</a:t>
+            </a:r>
+            <a:endParaRPr lang="zh-CN" altLang="en-US" sz="1000"/>
+          </a:p>
+          <a:p>
+            <a:r>
+              <a:rPr lang="en-US" altLang="zh-CN" sz="1000"/>
+              <a:t>3</a:t>
+            </a:r>
+            <a:r>
+              <a:rPr lang="zh-CN" altLang="en-US" sz="1000"/>
+              <a:t>、单机串行啥也不做，把新的任务</a:t>
+            </a:r>
+            <a:r>
+              <a:rPr lang="en-US" altLang="zh-CN" sz="1000"/>
+              <a:t>push</a:t>
+            </a:r>
+            <a:r>
+              <a:rPr lang="zh-CN" altLang="en-US" sz="1000"/>
+              <a:t>到阻塞队列里面就可以了。</a:t>
+            </a:r>
+            <a:endParaRPr lang="zh-CN" altLang="en-US" sz="1000"/>
+          </a:p>
+        </p:txBody>
+      </p:sp>
       <p:pic>
         <p:nvPicPr>
-          <p:cNvPr id="5" name="图片 4"/>
+          <p:cNvPr id="6" name="图片 5"/>
           <p:cNvPicPr>
             <a:picLocks noChangeAspect="1"/>
           </p:cNvPicPr>
@@ -10311,8 +10533,8 @@
         </p:blipFill>
         <p:spPr>
           <a:xfrm>
-            <a:off x="480060" y="5793740"/>
-            <a:ext cx="4451350" cy="464820"/>
+            <a:off x="7127875" y="4382135"/>
+            <a:ext cx="4548505" cy="2307590"/>
           </a:xfrm>
           <a:prstGeom prst="rect">
             <a:avLst/>
@@ -10354,15 +10576,161 @@
             <a:pPr algn="ctr"/>
             <a:r>
               <a:rPr lang="zh-CN" altLang="en-US"/>
-              <a:t>GLUE模式(Java)</a:t>
+              <a:t>分片广播功能介绍</a:t>
             </a:r>
             <a:endParaRPr lang="zh-CN" altLang="en-US"/>
+          </a:p>
+        </p:txBody>
+      </p:sp>
+      <p:sp>
+        <p:nvSpPr>
+          <p:cNvPr id="3" name="文本框 2"/>
+          <p:cNvSpPr txBox="1"/>
+          <p:nvPr/>
+        </p:nvSpPr>
+        <p:spPr>
+          <a:xfrm>
+            <a:off x="252730" y="1541145"/>
+            <a:ext cx="4991100" cy="4154170"/>
+          </a:xfrm>
+          <a:prstGeom prst="rect">
+            <a:avLst/>
+          </a:prstGeom>
+          <a:noFill/>
+        </p:spPr>
+        <p:txBody>
+          <a:bodyPr wrap="square" rtlCol="0" anchor="t">
+            <a:spAutoFit/>
+          </a:bodyPr>
+          <a:p>
+            <a:r>
+              <a:rPr lang="zh-CN" altLang="en-US" sz="1000"/>
+              <a:t>执行器集群部署时，任务路由策略选择”分片广播”情况下，一次任务调度将会广播触发对应集群中所有执行器执行一次任务，同时系统自动传递分片参数；可根据分片参数开发分片任务；</a:t>
+            </a:r>
+            <a:endParaRPr lang="zh-CN" altLang="en-US" sz="1000"/>
+          </a:p>
+          <a:p>
+            <a:r>
+              <a:rPr lang="zh-CN" altLang="en-US" sz="1000"/>
+              <a:t>“分片广播” 以执行器为维度进行分片，支持动态扩容执行器集群从而动态增加分片数量，协同进行业务处理；在进行大数据量业务操作时可显著提升任务处理能力和速度。</a:t>
+            </a:r>
+            <a:endParaRPr lang="zh-CN" altLang="en-US" sz="1000"/>
+          </a:p>
+          <a:p>
+            <a:r>
+              <a:rPr lang="zh-CN" altLang="en-US" sz="1000"/>
+              <a:t>“分片广播” 和普通任务开发流程一致，不同之处在于可以可以获取分片参数，获取分片参数进行分片业务处理。</a:t>
+            </a:r>
+            <a:endParaRPr lang="zh-CN" altLang="en-US" sz="800"/>
+          </a:p>
+          <a:p>
+            <a:endParaRPr lang="zh-CN" altLang="en-US" sz="800"/>
+          </a:p>
+          <a:p>
+            <a:r>
+              <a:rPr lang="zh-CN" altLang="en-US" sz="1000"/>
+              <a:t>Java语言任务获取分片参数方式：BEAN、GLUE模式(Java)</a:t>
+            </a:r>
+            <a:endParaRPr lang="zh-CN" altLang="en-US" sz="1000"/>
+          </a:p>
+          <a:p>
+            <a:r>
+              <a:rPr lang="zh-CN" altLang="en-US" sz="1000"/>
+              <a:t>// 可参考Sample示例执行器中的示例任务"ShardingJobHandler"了解试用 </a:t>
+            </a:r>
+            <a:endParaRPr lang="zh-CN" altLang="en-US" sz="800"/>
+          </a:p>
+          <a:p>
+            <a:r>
+              <a:rPr lang="zh-CN" altLang="en-US" sz="800" b="1"/>
+              <a:t>ShardingUtil.ShardingVO shardingVO = ShardingUtil.getShardingVo();</a:t>
+            </a:r>
+            <a:endParaRPr lang="zh-CN" altLang="en-US" sz="800"/>
+          </a:p>
+          <a:p>
+            <a:endParaRPr lang="zh-CN" altLang="en-US" sz="800"/>
+          </a:p>
+          <a:p>
+            <a:r>
+              <a:rPr lang="zh-CN" altLang="en-US" sz="1000"/>
+              <a:t>脚本语言任务获取分片参数方式：GLUE模式(Shell)、GLUE模式(Python)、GLUE模式(Nodejs)</a:t>
+            </a:r>
+            <a:endParaRPr lang="zh-CN" altLang="en-US" sz="1000"/>
+          </a:p>
+          <a:p>
+            <a:r>
+              <a:rPr lang="zh-CN" altLang="en-US" sz="1000"/>
+              <a:t>// 脚本任务入参固定为三个，依次为：任务传参、分片序号、分片总数。以Shell模式任务为例，获取分片参数代码如下</a:t>
+            </a:r>
+            <a:endParaRPr lang="zh-CN" altLang="en-US" sz="800"/>
+          </a:p>
+          <a:p>
+            <a:r>
+              <a:rPr lang="zh-CN" altLang="en-US" sz="800" b="1"/>
+              <a:t>echo "分片序号 index = $2"</a:t>
+            </a:r>
+            <a:endParaRPr lang="zh-CN" altLang="en-US" sz="800" b="1"/>
+          </a:p>
+          <a:p>
+            <a:r>
+              <a:rPr lang="zh-CN" altLang="en-US" sz="800" b="1"/>
+              <a:t>echo "分片总数 total = $3"</a:t>
+            </a:r>
+            <a:endParaRPr lang="zh-CN" altLang="en-US" sz="800"/>
+          </a:p>
+          <a:p>
+            <a:r>
+              <a:rPr lang="zh-CN" altLang="en-US" sz="1000"/>
+              <a:t>分片参数属性说明：</a:t>
+            </a:r>
+            <a:endParaRPr lang="zh-CN" altLang="en-US" sz="800"/>
+          </a:p>
+          <a:p>
+            <a:endParaRPr lang="zh-CN" altLang="en-US" sz="800"/>
+          </a:p>
+          <a:p>
+            <a:r>
+              <a:rPr lang="zh-CN" altLang="en-US" sz="800" b="1"/>
+              <a:t>index：当前分片序号(从0开始)，执行器集群列表中当前执行器的序号；</a:t>
+            </a:r>
+            <a:endParaRPr lang="zh-CN" altLang="en-US" sz="800" b="1"/>
+          </a:p>
+          <a:p>
+            <a:r>
+              <a:rPr lang="zh-CN" altLang="en-US" sz="800" b="1"/>
+              <a:t>total：总分片数，执行器集群的总机器数量；</a:t>
+            </a:r>
+            <a:endParaRPr lang="zh-CN" altLang="en-US" sz="800"/>
+          </a:p>
+          <a:p>
+            <a:r>
+              <a:rPr lang="zh-CN" altLang="en-US" sz="1000"/>
+              <a:t>该特性适用场景如：</a:t>
+            </a:r>
+            <a:endParaRPr lang="zh-CN" altLang="en-US" sz="1000"/>
+          </a:p>
+          <a:p>
+            <a:endParaRPr lang="zh-CN" altLang="en-US" sz="1000"/>
+          </a:p>
+          <a:p>
+            <a:r>
+              <a:rPr lang="zh-CN" altLang="en-US" sz="1000"/>
+              <a:t>1、分片任务场景：10个执行器的集群来处理10w条数据，每台机器只需要处理1w条数据，耗时降低10倍；</a:t>
+            </a:r>
+            <a:endParaRPr lang="zh-CN" altLang="en-US" sz="1000"/>
+          </a:p>
+          <a:p>
+            <a:r>
+              <a:rPr lang="zh-CN" altLang="en-US" sz="1000"/>
+              <a:t>2、广播任务场景：广播执行器机器运行shell脚本、广播集群节点进行缓存更新等</a:t>
+            </a:r>
+            <a:endParaRPr lang="zh-CN" altLang="en-US" sz="1000"/>
           </a:p>
         </p:txBody>
       </p:sp>
       <p:pic>
         <p:nvPicPr>
-          <p:cNvPr id="3" name="图片 2"/>
+          <p:cNvPr id="4" name="图片 3"/>
           <p:cNvPicPr>
             <a:picLocks noChangeAspect="1"/>
           </p:cNvPicPr>
@@ -10376,8 +10744,8 @@
         </p:blipFill>
         <p:spPr>
           <a:xfrm>
-            <a:off x="492760" y="1520190"/>
-            <a:ext cx="4789805" cy="2732405"/>
+            <a:off x="5188585" y="1541145"/>
+            <a:ext cx="6942455" cy="4877435"/>
           </a:xfrm>
           <a:prstGeom prst="rect">
             <a:avLst/>
@@ -10386,7 +10754,7 @@
       </p:pic>
       <p:pic>
         <p:nvPicPr>
-          <p:cNvPr id="4" name="图片 3"/>
+          <p:cNvPr id="5" name="图片 4"/>
           <p:cNvPicPr>
             <a:picLocks noChangeAspect="1"/>
           </p:cNvPicPr>
@@ -10400,32 +10768,8 @@
         </p:blipFill>
         <p:spPr>
           <a:xfrm>
-            <a:off x="584200" y="4252595"/>
-            <a:ext cx="9427845" cy="1950085"/>
-          </a:xfrm>
-          <a:prstGeom prst="rect">
-            <a:avLst/>
-          </a:prstGeom>
-        </p:spPr>
-      </p:pic>
-      <p:pic>
-        <p:nvPicPr>
-          <p:cNvPr id="5" name="图片 4"/>
-          <p:cNvPicPr>
-            <a:picLocks noChangeAspect="1"/>
-          </p:cNvPicPr>
-          <p:nvPr/>
-        </p:nvPicPr>
-        <p:blipFill>
-          <a:blip r:embed="rId3"/>
-          <a:stretch>
-            <a:fillRect/>
-          </a:stretch>
-        </p:blipFill>
-        <p:spPr>
-          <a:xfrm>
-            <a:off x="5416550" y="1819275"/>
-            <a:ext cx="5093335" cy="2305050"/>
+            <a:off x="480060" y="5793740"/>
+            <a:ext cx="4451350" cy="464820"/>
           </a:xfrm>
           <a:prstGeom prst="rect">
             <a:avLst/>
@@ -10467,7 +10811,7 @@
             <a:pPr algn="ctr"/>
             <a:r>
               <a:rPr lang="zh-CN" altLang="en-US"/>
-              <a:t>部分操作注意点</a:t>
+              <a:t>GLUE模式(Java)</a:t>
             </a:r>
             <a:endParaRPr lang="zh-CN" altLang="en-US"/>
           </a:p>
@@ -10475,8 +10819,10 @@
       </p:sp>
       <p:pic>
         <p:nvPicPr>
-          <p:cNvPr id="6" name="图片 5"/>
-          <p:cNvPicPr/>
+          <p:cNvPr id="3" name="图片 2"/>
+          <p:cNvPicPr>
+            <a:picLocks noChangeAspect="1"/>
+          </p:cNvPicPr>
           <p:nvPr/>
         </p:nvPicPr>
         <p:blipFill>
@@ -10487,65 +10833,20 @@
         </p:blipFill>
         <p:spPr>
           <a:xfrm>
-            <a:off x="3455670" y="1544003"/>
-            <a:ext cx="5280660" cy="1714500"/>
+            <a:off x="492760" y="1520190"/>
+            <a:ext cx="4789805" cy="2732405"/>
           </a:xfrm>
           <a:prstGeom prst="rect">
             <a:avLst/>
           </a:prstGeom>
-          <a:noFill/>
-          <a:ln w="9525">
-            <a:noFill/>
-          </a:ln>
         </p:spPr>
       </p:pic>
-      <p:sp>
-        <p:nvSpPr>
-          <p:cNvPr id="105" name="文本框 104"/>
-          <p:cNvSpPr txBox="1"/>
-          <p:nvPr/>
-        </p:nvSpPr>
-        <p:spPr>
-          <a:xfrm>
-            <a:off x="3455670" y="3258503"/>
-            <a:ext cx="5080000" cy="1060450"/>
-          </a:xfrm>
-          <a:prstGeom prst="rect">
-            <a:avLst/>
-          </a:prstGeom>
-          <a:noFill/>
-          <a:ln w="9525">
-            <a:noFill/>
-          </a:ln>
-        </p:spPr>
-        <p:txBody>
-          <a:bodyPr>
-            <a:spAutoFit/>
-          </a:bodyPr>
-          <a:p>
-            <a:pPr indent="0"/>
-            <a:r>
-              <a:rPr lang="zh-CN" sz="1050" b="0">
-                <a:ea typeface="等线" panose="02010600030101010101" charset="-122"/>
-              </a:rPr>
-              <a:t>操作的话：</a:t>
-            </a:r>
-            <a:r>
-              <a:rPr lang="zh-CN" sz="1050" b="1">
-                <a:ea typeface="等线" panose="02010600030101010101" charset="-122"/>
-              </a:rPr>
-              <a:t>执行是执行一次，并且可以传入自己自定义的参数，启动则启动，停止这里有一个问题，点击停止后，如果是串行执行的，需要去日志那里再停止一次中断才行。不然得等到定时任务将之前的串行等待的执行完才会停止。-若是直接停止的话，则是会等待定时任务结束才会停止，不会直接中断定时器的这一个过程。-去日志终止任务，这边是直接中断操作，如下图：</a:t>
-            </a:r>
-            <a:endParaRPr lang="zh-CN" altLang="en-US"/>
-          </a:p>
-        </p:txBody>
-      </p:sp>
       <p:pic>
         <p:nvPicPr>
-          <p:cNvPr id="7" name="图片 6"/>
-          <p:cNvPicPr/>
+          <p:cNvPr id="4" name="图片 3"/>
+          <p:cNvPicPr>
+            <a:picLocks noChangeAspect="1"/>
+          </p:cNvPicPr>
           <p:nvPr/>
         </p:nvPicPr>
         <p:blipFill>
@@ -10556,62 +10857,38 @@
         </p:blipFill>
         <p:spPr>
           <a:xfrm>
-            <a:off x="3455670" y="4318953"/>
-            <a:ext cx="5280660" cy="1592580"/>
+            <a:off x="584200" y="4252595"/>
+            <a:ext cx="9427845" cy="1950085"/>
           </a:xfrm>
           <a:prstGeom prst="rect">
             <a:avLst/>
           </a:prstGeom>
-          <a:noFill/>
-          <a:ln w="9525">
-            <a:noFill/>
-          </a:ln>
         </p:spPr>
       </p:pic>
-      <p:sp>
-        <p:nvSpPr>
-          <p:cNvPr id="106" name="文本框 105"/>
-          <p:cNvSpPr txBox="1"/>
+      <p:pic>
+        <p:nvPicPr>
+          <p:cNvPr id="5" name="图片 4"/>
+          <p:cNvPicPr>
+            <a:picLocks noChangeAspect="1"/>
+          </p:cNvPicPr>
           <p:nvPr/>
-        </p:nvSpPr>
+        </p:nvPicPr>
+        <p:blipFill>
+          <a:blip r:embed="rId3"/>
+          <a:stretch>
+            <a:fillRect/>
+          </a:stretch>
+        </p:blipFill>
         <p:spPr>
           <a:xfrm>
-            <a:off x="3455670" y="5911532"/>
-            <a:ext cx="5080000" cy="575945"/>
+            <a:off x="5416550" y="1819275"/>
+            <a:ext cx="5093335" cy="2305050"/>
           </a:xfrm>
           <a:prstGeom prst="rect">
             <a:avLst/>
           </a:prstGeom>
-          <a:noFill/>
-          <a:ln w="9525">
-            <a:noFill/>
-          </a:ln>
-        </p:spPr>
-        <p:txBody>
-          <a:bodyPr>
-            <a:spAutoFit/>
-          </a:bodyPr>
-          <a:p>
-            <a:pPr indent="0"/>
-            <a:r>
-              <a:rPr lang="en-US" sz="1050" b="0">
-                <a:latin typeface="等线" panose="02010600030101010101" charset="-122"/>
-                <a:cs typeface="Times New Roman" panose="02020603050405020304" charset="0"/>
-              </a:rPr>
-              <a:t>- </a:t>
-            </a:r>
-            <a:r>
-              <a:rPr lang="zh-CN" sz="1050" b="0">
-                <a:ea typeface="等线" panose="02010600030101010101" charset="-122"/>
-              </a:rPr>
-              <a:t>-针对于集群的情况下，终止任务是，单台单台终止的，不是一次都停掉。</a:t>
-            </a:r>
-            <a:endParaRPr lang="zh-CN" altLang="en-US"/>
-          </a:p>
-        </p:txBody>
-      </p:sp>
+        </p:spPr>
+      </p:pic>
     </p:spTree>
   </p:cSld>
   <p:clrMapOvr>
@@ -10640,80 +10917,14 @@
             <p:ph type="title"/>
           </p:nvPr>
         </p:nvSpPr>
-        <p:spPr>
-          <a:xfrm>
-            <a:off x="838200" y="358140"/>
-            <a:ext cx="10515600" cy="1325563"/>
-          </a:xfrm>
-        </p:spPr>
-        <p:txBody>
-          <a:bodyPr>
-            <a:normAutofit/>
-          </a:bodyPr>
+        <p:spPr/>
+        <p:txBody>
+          <a:bodyPr/>
           <a:p>
             <a:pPr algn="ctr"/>
             <a:r>
-              <a:rPr lang="zh-CN" altLang="en-US">
-                <a:sym typeface="+mn-ea"/>
-              </a:rPr>
-              <a:t>GLUE模式(Java)的注意事项</a:t>
-            </a:r>
-            <a:endParaRPr lang="zh-CN" altLang="en-US"/>
-          </a:p>
-        </p:txBody>
-      </p:sp>
-      <p:sp>
-        <p:nvSpPr>
-          <p:cNvPr id="106" name="文本框 105"/>
-          <p:cNvSpPr txBox="1"/>
-          <p:nvPr/>
-        </p:nvSpPr>
-        <p:spPr>
-          <a:xfrm>
-            <a:off x="3556000" y="1974533"/>
-            <a:ext cx="5080000" cy="575945"/>
-          </a:xfrm>
-          <a:prstGeom prst="rect">
-            <a:avLst/>
-          </a:prstGeom>
-          <a:noFill/>
-          <a:ln w="9525">
-            <a:noFill/>
-          </a:ln>
-        </p:spPr>
-        <p:txBody>
-          <a:bodyPr>
-            <a:spAutoFit/>
-          </a:bodyPr>
-          <a:p>
-            <a:pPr indent="0"/>
-            <a:r>
-              <a:rPr lang="zh-CN" sz="1050" b="0">
-                <a:ea typeface="等线" panose="02010600030101010101" charset="-122"/>
-              </a:rPr>
-              <a:t>关于</a:t>
-            </a:r>
-            <a:r>
-              <a:rPr lang="zh-CN" sz="1050" b="0">
-                <a:ea typeface="等线" panose="02010600030101010101" charset="-122"/>
-                <a:cs typeface="Times New Roman" panose="02020603050405020304" charset="0"/>
-              </a:rPr>
-              <a:t>GLUE模式（java）线上编程，写的执行器问题：</a:t>
-            </a:r>
-            <a:r>
-              <a:rPr lang="en-US" sz="1050" b="0">
-                <a:latin typeface="等线" panose="02010600030101010101" charset="-122"/>
-                <a:cs typeface="Times New Roman" panose="02020603050405020304" charset="0"/>
-              </a:rPr>
-              <a:t>-S</a:t>
-            </a:r>
-            <a:r>
-              <a:rPr lang="zh-CN" sz="1050" b="0">
-                <a:ea typeface="等线" panose="02010600030101010101" charset="-122"/>
-                <a:cs typeface="Times New Roman" panose="02020603050405020304" charset="0"/>
-              </a:rPr>
-              <a:t>pring的注入注解，可以执行成功，没问题，但是dubbo的获取api注解取不到，异常。酌情编码。</a:t>
+              <a:rPr lang="zh-CN" altLang="en-US"/>
+              <a:t>部分操作注意点</a:t>
             </a:r>
             <a:endParaRPr lang="zh-CN" altLang="en-US"/>
           </a:p>
@@ -10721,7 +10932,7 @@
       </p:sp>
       <p:pic>
         <p:nvPicPr>
-          <p:cNvPr id="3" name="图片 2"/>
+          <p:cNvPr id="6" name="图片 5"/>
           <p:cNvPicPr/>
           <p:nvPr/>
         </p:nvPicPr>
@@ -10733,8 +10944,8 @@
         </p:blipFill>
         <p:spPr>
           <a:xfrm>
-            <a:off x="3556000" y="2550478"/>
-            <a:ext cx="5280660" cy="3268980"/>
+            <a:off x="3455670" y="1544003"/>
+            <a:ext cx="5280660" cy="1714500"/>
           </a:xfrm>
           <a:prstGeom prst="rect">
             <a:avLst/>
@@ -10745,6 +10956,119 @@
           </a:ln>
         </p:spPr>
       </p:pic>
+      <p:sp>
+        <p:nvSpPr>
+          <p:cNvPr id="105" name="文本框 104"/>
+          <p:cNvSpPr txBox="1"/>
+          <p:nvPr/>
+        </p:nvSpPr>
+        <p:spPr>
+          <a:xfrm>
+            <a:off x="3455670" y="3258503"/>
+            <a:ext cx="5080000" cy="1060450"/>
+          </a:xfrm>
+          <a:prstGeom prst="rect">
+            <a:avLst/>
+          </a:prstGeom>
+          <a:noFill/>
+          <a:ln w="9525">
+            <a:noFill/>
+          </a:ln>
+        </p:spPr>
+        <p:txBody>
+          <a:bodyPr>
+            <a:spAutoFit/>
+          </a:bodyPr>
+          <a:p>
+            <a:pPr indent="0"/>
+            <a:r>
+              <a:rPr lang="zh-CN" sz="1050" b="0">
+                <a:ea typeface="等线" panose="02010600030101010101" charset="-122"/>
+              </a:rPr>
+              <a:t>操作的话：</a:t>
+            </a:r>
+            <a:r>
+              <a:rPr lang="zh-CN" sz="1050" b="1">
+                <a:ea typeface="等线" panose="02010600030101010101" charset="-122"/>
+              </a:rPr>
+              <a:t>执行是执行一次，并且可以传入自己自定义的参数，启动则启动，停止这里有一个问题，点击停止后，如果是串行执行的，需要去日志那里再停止一次中断才行。不然得等到定时任务将之前的串行等待的执行完才会停止。+若是直接停止的话，则是会等待定时任务结束才会停止，不会直接中断定时器的这一个过程。+去日志终止任务，这边是直接中断操作，如下图：</a:t>
+            </a:r>
+            <a:endParaRPr lang="zh-CN" altLang="en-US"/>
+          </a:p>
+        </p:txBody>
+      </p:sp>
+      <p:pic>
+        <p:nvPicPr>
+          <p:cNvPr id="7" name="图片 6"/>
+          <p:cNvPicPr/>
+          <p:nvPr/>
+        </p:nvPicPr>
+        <p:blipFill>
+          <a:blip r:embed="rId2"/>
+          <a:stretch>
+            <a:fillRect/>
+          </a:stretch>
+        </p:blipFill>
+        <p:spPr>
+          <a:xfrm>
+            <a:off x="3455670" y="4318953"/>
+            <a:ext cx="5280660" cy="1592580"/>
+          </a:xfrm>
+          <a:prstGeom prst="rect">
+            <a:avLst/>
+          </a:prstGeom>
+          <a:noFill/>
+          <a:ln w="9525">
+            <a:noFill/>
+          </a:ln>
+        </p:spPr>
+      </p:pic>
+      <p:sp>
+        <p:nvSpPr>
+          <p:cNvPr id="106" name="文本框 105"/>
+          <p:cNvSpPr txBox="1"/>
+          <p:nvPr/>
+        </p:nvSpPr>
+        <p:spPr>
+          <a:xfrm>
+            <a:off x="3455670" y="5911532"/>
+            <a:ext cx="5080000" cy="575945"/>
+          </a:xfrm>
+          <a:prstGeom prst="rect">
+            <a:avLst/>
+          </a:prstGeom>
+          <a:noFill/>
+          <a:ln w="9525">
+            <a:noFill/>
+          </a:ln>
+        </p:spPr>
+        <p:txBody>
+          <a:bodyPr>
+            <a:spAutoFit/>
+          </a:bodyPr>
+          <a:p>
+            <a:pPr indent="0"/>
+            <a:r>
+              <a:rPr lang="en-US" sz="1050" b="0">
+                <a:latin typeface="等线" panose="02010600030101010101" charset="-122"/>
+                <a:cs typeface="Times New Roman" panose="02020603050405020304" charset="0"/>
+              </a:rPr>
+              <a:t>+ </a:t>
+            </a:r>
+            <a:r>
+              <a:rPr lang="zh-CN" sz="1050" b="0">
+                <a:ea typeface="等线" panose="02010600030101010101" charset="-122"/>
+              </a:rPr>
+              <a:t>+针对于集群的情况下，终止任务是，单台单台终止的，不是一次都停掉。</a:t>
+            </a:r>
+            <a:endParaRPr lang="zh-CN" altLang="en-US"/>
+          </a:p>
+        </p:txBody>
+      </p:sp>
     </p:spTree>
   </p:cSld>
   <p:clrMapOvr>
@@ -10773,14 +11097,23 @@
             <p:ph type="title"/>
           </p:nvPr>
         </p:nvSpPr>
-        <p:spPr/>
-        <p:txBody>
-          <a:bodyPr/>
+        <p:spPr>
+          <a:xfrm>
+            <a:off x="838200" y="358140"/>
+            <a:ext cx="10515600" cy="1325563"/>
+          </a:xfrm>
+        </p:spPr>
+        <p:txBody>
+          <a:bodyPr>
+            <a:normAutofit/>
+          </a:bodyPr>
           <a:p>
             <a:pPr algn="ctr"/>
             <a:r>
-              <a:rPr lang="zh-CN" altLang="en-US"/>
-              <a:t>执行器的灰度上线</a:t>
+              <a:rPr lang="zh-CN" altLang="en-US">
+                <a:sym typeface="+mn-ea"/>
+              </a:rPr>
+              <a:t>GLUE模式(Java)的注意事项</a:t>
             </a:r>
             <a:endParaRPr lang="zh-CN" altLang="en-US"/>
           </a:p>
@@ -10788,88 +11121,87 @@
       </p:sp>
       <p:sp>
         <p:nvSpPr>
-          <p:cNvPr id="3" name="文本框 2"/>
+          <p:cNvPr id="106" name="文本框 105"/>
           <p:cNvSpPr txBox="1"/>
           <p:nvPr/>
         </p:nvSpPr>
         <p:spPr>
           <a:xfrm>
-            <a:off x="1372235" y="1888490"/>
-            <a:ext cx="8744585" cy="3692525"/>
+            <a:off x="3556000" y="1974533"/>
+            <a:ext cx="5080000" cy="575945"/>
           </a:xfrm>
           <a:prstGeom prst="rect">
             <a:avLst/>
           </a:prstGeom>
           <a:noFill/>
-        </p:spPr>
-        <p:txBody>
-          <a:bodyPr wrap="square" rtlCol="0" anchor="t">
+          <a:ln w="9525">
+            <a:noFill/>
+          </a:ln>
+        </p:spPr>
+        <p:txBody>
+          <a:bodyPr>
             <a:spAutoFit/>
           </a:bodyPr>
           <a:p>
-            <a:r>
-              <a:rPr lang="zh-CN" altLang="en-US"/>
-              <a:t>5.14 执行器灰度上线</a:t>
+            <a:pPr indent="0"/>
+            <a:r>
+              <a:rPr lang="zh-CN" sz="1050" b="0">
+                <a:ea typeface="等线" panose="02010600030101010101" charset="-122"/>
+              </a:rPr>
+              <a:t>关于</a:t>
+            </a:r>
+            <a:r>
+              <a:rPr lang="zh-CN" sz="1050" b="0">
+                <a:ea typeface="等线" panose="02010600030101010101" charset="-122"/>
+                <a:cs typeface="Times New Roman" panose="02020603050405020304" charset="0"/>
+              </a:rPr>
+              <a:t>GLUE模式（java）线上编程，写的执行器问题：</a:t>
+            </a:r>
+            <a:r>
+              <a:rPr lang="en-US" sz="1050" b="0">
+                <a:latin typeface="等线" panose="02010600030101010101" charset="-122"/>
+                <a:cs typeface="Times New Roman" panose="02020603050405020304" charset="0"/>
+              </a:rPr>
+              <a:t>+S</a:t>
+            </a:r>
+            <a:r>
+              <a:rPr lang="zh-CN" sz="1050" b="0">
+                <a:ea typeface="等线" panose="02010600030101010101" charset="-122"/>
+                <a:cs typeface="Times New Roman" panose="02020603050405020304" charset="0"/>
+              </a:rPr>
+              <a:t>pring的注入注解，可以执行成功，没问题，但是dubbo的获取api注解取不到，异常。酌情编码。</a:t>
             </a:r>
             <a:endParaRPr lang="zh-CN" altLang="en-US"/>
           </a:p>
-          <a:p>
-            <a:r>
-              <a:rPr lang="zh-CN" altLang="en-US"/>
-              <a:t>调度中心与业务解耦，只需部署一次后常年不需要维护。但是，执行器中托管运行着业务作业，作业上线和变更需要重启执行器，尤其是Bean模式任务。</a:t>
-            </a:r>
-            <a:endParaRPr lang="zh-CN" altLang="en-US"/>
-          </a:p>
-          <a:p>
-            <a:r>
-              <a:rPr lang="zh-CN" altLang="en-US"/>
-              <a:t>执行器重启可能会中断运行中的任务。但是，XXL-JOB得益于自建执行器与自建注册中心，可以通过灰度上线的方式，避免因重启导致的任务中断的问题。</a:t>
-            </a:r>
-            <a:endParaRPr lang="zh-CN" altLang="en-US"/>
-          </a:p>
-          <a:p>
-            <a:endParaRPr lang="zh-CN" altLang="en-US"/>
-          </a:p>
-          <a:p>
-            <a:r>
-              <a:rPr lang="zh-CN" altLang="en-US"/>
-              <a:t>步骤如下：</a:t>
-            </a:r>
-            <a:endParaRPr lang="zh-CN" altLang="en-US"/>
-          </a:p>
-          <a:p>
-            <a:endParaRPr lang="zh-CN" altLang="en-US"/>
-          </a:p>
-          <a:p>
-            <a:r>
-              <a:rPr lang="zh-CN" altLang="en-US"/>
-              <a:t>1、执行器改为手动注册，下线一半机器列表（A组），线上运行另一半机器列表（B组）；</a:t>
-            </a:r>
-            <a:endParaRPr lang="zh-CN" altLang="en-US"/>
-          </a:p>
-          <a:p>
-            <a:r>
-              <a:rPr lang="zh-CN" altLang="en-US"/>
-              <a:t>2、等待A组机器任务运行结束并编译上线；执行器注册地址替换为A组；</a:t>
-            </a:r>
-            <a:endParaRPr lang="zh-CN" altLang="en-US"/>
-          </a:p>
-          <a:p>
-            <a:r>
-              <a:rPr lang="zh-CN" altLang="en-US"/>
-              <a:t>3、等待B组机器任务运行结束并编译上线；执行器注册地址替换为A组+B组；</a:t>
-            </a:r>
-            <a:endParaRPr lang="zh-CN" altLang="en-US"/>
-          </a:p>
-          <a:p>
-            <a:r>
-              <a:rPr lang="zh-CN" altLang="en-US"/>
-              <a:t>操作结束；</a:t>
-            </a:r>
-            <a:endParaRPr lang="zh-CN" altLang="en-US"/>
-          </a:p>
-        </p:txBody>
-      </p:sp>
+        </p:txBody>
+      </p:sp>
+      <p:pic>
+        <p:nvPicPr>
+          <p:cNvPr id="3" name="图片 2"/>
+          <p:cNvPicPr/>
+          <p:nvPr/>
+        </p:nvPicPr>
+        <p:blipFill>
+          <a:blip r:embed="rId1"/>
+          <a:stretch>
+            <a:fillRect/>
+          </a:stretch>
+        </p:blipFill>
+        <p:spPr>
+          <a:xfrm>
+            <a:off x="3556000" y="2550478"/>
+            <a:ext cx="5280660" cy="3268980"/>
+          </a:xfrm>
+          <a:prstGeom prst="rect">
+            <a:avLst/>
+          </a:prstGeom>
+          <a:noFill/>
+          <a:ln w="9525">
+            <a:noFill/>
+          </a:ln>
+        </p:spPr>
+      </p:pic>
     </p:spTree>
   </p:cSld>
   <p:clrMapOvr>
@@ -13648,6 +13980,131 @@
 </file>
 
 <file path=ppt/slides/slide30.xml><?xml version="1.0" encoding="utf-8"?>
+<p:sld xmlns:a="http://schemas.openxmlformats.org/drawingml/2006/main" xmlns:r="http://schemas.openxmlformats.org/officeDocument/2006/relationships" xmlns:p="http://schemas.openxmlformats.org/presentationml/2006/main">
+  <p:cSld>
+    <p:spTree>
+      <p:nvGrpSpPr>
+        <p:cNvPr id="1" name=""/>
+        <p:cNvGrpSpPr/>
+        <p:nvPr/>
+      </p:nvGrpSpPr>
+      <p:grpSpPr/>
+      <p:sp>
+        <p:nvSpPr>
+          <p:cNvPr id="2" name="标题 1"/>
+          <p:cNvSpPr>
+            <a:spLocks noGrp="1"/>
+          </p:cNvSpPr>
+          <p:nvPr>
+            <p:ph type="title"/>
+          </p:nvPr>
+        </p:nvSpPr>
+        <p:spPr/>
+        <p:txBody>
+          <a:bodyPr/>
+          <a:p>
+            <a:pPr algn="ctr"/>
+            <a:r>
+              <a:rPr lang="zh-CN" altLang="en-US"/>
+              <a:t>执行器的灰度上线</a:t>
+            </a:r>
+            <a:endParaRPr lang="zh-CN" altLang="en-US"/>
+          </a:p>
+        </p:txBody>
+      </p:sp>
+      <p:sp>
+        <p:nvSpPr>
+          <p:cNvPr id="3" name="文本框 2"/>
+          <p:cNvSpPr txBox="1"/>
+          <p:nvPr/>
+        </p:nvSpPr>
+        <p:spPr>
+          <a:xfrm>
+            <a:off x="1372235" y="1888490"/>
+            <a:ext cx="8744585" cy="3692525"/>
+          </a:xfrm>
+          <a:prstGeom prst="rect">
+            <a:avLst/>
+          </a:prstGeom>
+          <a:noFill/>
+        </p:spPr>
+        <p:txBody>
+          <a:bodyPr wrap="square" rtlCol="0" anchor="t">
+            <a:spAutoFit/>
+          </a:bodyPr>
+          <a:p>
+            <a:r>
+              <a:rPr lang="zh-CN" altLang="en-US"/>
+              <a:t>5.14 执行器灰度上线</a:t>
+            </a:r>
+            <a:endParaRPr lang="zh-CN" altLang="en-US"/>
+          </a:p>
+          <a:p>
+            <a:r>
+              <a:rPr lang="zh-CN" altLang="en-US"/>
+              <a:t>调度中心与业务解耦，只需部署一次后常年不需要维护。但是，执行器中托管运行着业务作业，作业上线和变更需要重启执行器，尤其是Bean模式任务。</a:t>
+            </a:r>
+            <a:endParaRPr lang="zh-CN" altLang="en-US"/>
+          </a:p>
+          <a:p>
+            <a:r>
+              <a:rPr lang="zh-CN" altLang="en-US"/>
+              <a:t>执行器重启可能会中断运行中的任务。但是，XXL-JOB得益于自建执行器与自建注册中心，可以通过灰度上线的方式，避免因重启导致的任务中断的问题。</a:t>
+            </a:r>
+            <a:endParaRPr lang="zh-CN" altLang="en-US"/>
+          </a:p>
+          <a:p>
+            <a:endParaRPr lang="zh-CN" altLang="en-US"/>
+          </a:p>
+          <a:p>
+            <a:r>
+              <a:rPr lang="zh-CN" altLang="en-US"/>
+              <a:t>步骤如下：</a:t>
+            </a:r>
+            <a:endParaRPr lang="zh-CN" altLang="en-US"/>
+          </a:p>
+          <a:p>
+            <a:endParaRPr lang="zh-CN" altLang="en-US"/>
+          </a:p>
+          <a:p>
+            <a:r>
+              <a:rPr lang="zh-CN" altLang="en-US"/>
+              <a:t>1、执行器改为手动注册，下线一半机器列表（A组），线上运行另一半机器列表（B组）；</a:t>
+            </a:r>
+            <a:endParaRPr lang="zh-CN" altLang="en-US"/>
+          </a:p>
+          <a:p>
+            <a:r>
+              <a:rPr lang="zh-CN" altLang="en-US"/>
+              <a:t>2、等待A组机器任务运行结束并编译上线；执行器注册地址替换为A组；</a:t>
+            </a:r>
+            <a:endParaRPr lang="zh-CN" altLang="en-US"/>
+          </a:p>
+          <a:p>
+            <a:r>
+              <a:rPr lang="zh-CN" altLang="en-US"/>
+              <a:t>3、等待B组机器任务运行结束并编译上线；执行器注册地址替换为A组+B组；</a:t>
+            </a:r>
+            <a:endParaRPr lang="zh-CN" altLang="en-US"/>
+          </a:p>
+          <a:p>
+            <a:r>
+              <a:rPr lang="zh-CN" altLang="en-US"/>
+              <a:t>操作结束；</a:t>
+            </a:r>
+            <a:endParaRPr lang="zh-CN" altLang="en-US"/>
+          </a:p>
+        </p:txBody>
+      </p:sp>
+    </p:spTree>
+  </p:cSld>
+  <p:clrMapOvr>
+    <a:masterClrMapping/>
+  </p:clrMapOvr>
+</p:sld>
+</file>
+
+<file path=ppt/slides/slide31.xml><?xml version="1.0" encoding="utf-8"?>
 <p:sld xmlns:a="http://schemas.openxmlformats.org/drawingml/2006/main" xmlns:r="http://schemas.openxmlformats.org/officeDocument/2006/relationships" xmlns:p="http://schemas.openxmlformats.org/presentationml/2006/main">
   <p:cSld>
     <p:spTree>
